--- a/reports/PresentationSlides 2.0.pptx
+++ b/reports/PresentationSlides 2.0.pptx
@@ -23,18 +23,23 @@
     <p:sldId id="268" r:id="rId18"/>
     <p:sldId id="269" r:id="rId19"/>
     <p:sldId id="270" r:id="rId20"/>
+    <p:sldId id="271" r:id="rId21"/>
+    <p:sldId id="272" r:id="rId22"/>
+    <p:sldId id="273" r:id="rId23"/>
+    <p:sldId id="274" r:id="rId24"/>
+    <p:sldId id="275" r:id="rId25"/>
   </p:sldIdLst>
   <p:sldSz cy="5143500" cx="9144000"/>
   <p:notesSz cx="6858000" cy="9144000"/>
   <p:embeddedFontLst>
     <p:embeddedFont>
       <p:font typeface="Average"/>
-      <p:regular r:id="rId21"/>
+      <p:regular r:id="rId26"/>
     </p:embeddedFont>
     <p:embeddedFont>
       <p:font typeface="Oswald"/>
-      <p:regular r:id="rId22"/>
-      <p:bold r:id="rId23"/>
+      <p:regular r:id="rId27"/>
+      <p:bold r:id="rId28"/>
     </p:embeddedFont>
   </p:embeddedFontLst>
   <p:defaultTextStyle>
@@ -282,7 +287,7 @@
       </p15:sldGuideLst>
     </p:ext>
     <p:ext uri="http://customooxmlschemas.google.com/">
-      <go:slidesCustomData xmlns:go="http://customooxmlschemas.google.com/" r:id="rId24" roundtripDataSignature="AMtx7mhsZpTk1w13Am5XDgZbwuB+CVtigw=="/>
+      <go:slidesCustomData xmlns:go="http://customooxmlschemas.google.com/" r:id="rId29" roundtripDataSignature="AMtx7mjF83XKwgKyKzFQ+nXICG5kLUoHmA=="/>
     </p:ext>
   </p:extLst>
 </p:presentation>
@@ -978,7 +983,7 @@
   <p:cSld>
     <p:spTree>
       <p:nvGrpSpPr>
-        <p:cNvPr id="150" name="Shape 150"/>
+        <p:cNvPr id="133" name="Shape 133"/>
         <p:cNvGrpSpPr/>
         <p:nvPr/>
       </p:nvGrpSpPr>
@@ -992,7 +997,7 @@
       </p:grpSpPr>
       <p:sp>
         <p:nvSpPr>
-          <p:cNvPr id="151" name="Google Shape;151;p9:notes"/>
+          <p:cNvPr id="134" name="Google Shape;134;gb4c4ba5fb0_0_7:notes"/>
           <p:cNvSpPr/>
           <p:nvPr>
             <p:ph idx="2" type="sldImg"/>
@@ -1037,7 +1042,7 @@
       </p:sp>
       <p:sp>
         <p:nvSpPr>
-          <p:cNvPr id="152" name="Google Shape;152;p9:notes"/>
+          <p:cNvPr id="135" name="Google Shape;135;gb4c4ba5fb0_0_7:notes"/>
           <p:cNvSpPr txBox="1"/>
           <p:nvPr>
             <p:ph idx="1" type="body"/>
@@ -1095,7 +1100,7 @@
   <p:cSld>
     <p:spTree>
       <p:nvGrpSpPr>
-        <p:cNvPr id="158" name="Shape 158"/>
+        <p:cNvPr id="148" name="Shape 148"/>
         <p:cNvGrpSpPr/>
         <p:nvPr/>
       </p:nvGrpSpPr>
@@ -1109,7 +1114,106 @@
       </p:grpSpPr>
       <p:sp>
         <p:nvSpPr>
-          <p:cNvPr id="159" name="Google Shape;159;p10:notes"/>
+          <p:cNvPr id="149" name="Google Shape;149;gb4e3af2de7_0_20:notes"/>
+          <p:cNvSpPr/>
+          <p:nvPr>
+            <p:ph idx="2" type="sldImg"/>
+          </p:nvPr>
+        </p:nvSpPr>
+        <p:spPr>
+          <a:xfrm>
+            <a:off x="381300" y="685800"/>
+            <a:ext cx="6096000" cy="3429000"/>
+          </a:xfrm>
+          <a:custGeom>
+            <a:rect b="b" l="l" r="r" t="t"/>
+            <a:pathLst>
+              <a:path extrusionOk="0" h="120000" w="120000">
+                <a:moveTo>
+                  <a:pt x="0" y="0"/>
+                </a:moveTo>
+                <a:lnTo>
+                  <a:pt x="120000" y="0"/>
+                </a:lnTo>
+                <a:lnTo>
+                  <a:pt x="120000" y="120000"/>
+                </a:lnTo>
+                <a:lnTo>
+                  <a:pt x="0" y="120000"/>
+                </a:lnTo>
+                <a:close/>
+              </a:path>
+            </a:pathLst>
+          </a:custGeom>
+        </p:spPr>
+      </p:sp>
+      <p:sp>
+        <p:nvSpPr>
+          <p:cNvPr id="150" name="Google Shape;150;gb4e3af2de7_0_20:notes"/>
+          <p:cNvSpPr txBox="1"/>
+          <p:nvPr>
+            <p:ph idx="1" type="body"/>
+          </p:nvPr>
+        </p:nvSpPr>
+        <p:spPr>
+          <a:xfrm>
+            <a:off x="685800" y="4343400"/>
+            <a:ext cx="5486400" cy="4114800"/>
+          </a:xfrm>
+          <a:prstGeom prst="rect">
+            <a:avLst/>
+          </a:prstGeom>
+        </p:spPr>
+        <p:txBody>
+          <a:bodyPr anchorCtr="0" anchor="t" bIns="91425" lIns="91425" spcFirstLastPara="1" rIns="91425" wrap="square" tIns="91425">
+            <a:noAutofit/>
+          </a:bodyPr>
+          <a:lstStyle/>
+          <a:p>
+            <a:pPr indent="0" lvl="0" marL="0" rtl="0" algn="l">
+              <a:spcBef>
+                <a:spcPts val="0"/>
+              </a:spcBef>
+              <a:spcAft>
+                <a:spcPts val="0"/>
+              </a:spcAft>
+              <a:buNone/>
+            </a:pPr>
+            <a:r>
+              <a:t/>
+            </a:r>
+            <a:endParaRPr/>
+          </a:p>
+        </p:txBody>
+      </p:sp>
+    </p:spTree>
+  </p:cSld>
+  <p:clrMapOvr>
+    <a:masterClrMapping/>
+  </p:clrMapOvr>
+</p:notes>
+</file>
+
+<file path=ppt/notesSlides/notesSlide12.xml><?xml version="1.0" encoding="utf-8"?>
+<p:notes xmlns:a="http://schemas.openxmlformats.org/drawingml/2006/main" xmlns:r="http://schemas.openxmlformats.org/officeDocument/2006/relationships" xmlns:mc="http://schemas.openxmlformats.org/markup-compatibility/2006" xmlns:mv="urn:schemas-microsoft-com:mac:vml" xmlns:p="http://schemas.openxmlformats.org/presentationml/2006/main" xmlns:c="http://schemas.openxmlformats.org/drawingml/2006/chart" xmlns:dgm="http://schemas.openxmlformats.org/drawingml/2006/diagram" xmlns:o="urn:schemas-microsoft-com:office:office" xmlns:v="urn:schemas-microsoft-com:vml" xmlns:pvml="urn:schemas-microsoft-com:office:powerpoint" xmlns:com="http://schemas.openxmlformats.org/drawingml/2006/compatibility" xmlns:p14="http://schemas.microsoft.com/office/powerpoint/2010/main" xmlns:p15="http://schemas.microsoft.com/office/powerpoint/2012/main" xmlns:ahyp="http://schemas.microsoft.com/office/drawing/2018/hyperlinkcolor" showMasterPhAnim="0" showMasterSp="0">
+  <p:cSld>
+    <p:spTree>
+      <p:nvGrpSpPr>
+        <p:cNvPr id="153" name="Shape 153"/>
+        <p:cNvGrpSpPr/>
+        <p:nvPr/>
+      </p:nvGrpSpPr>
+      <p:grpSpPr>
+        <a:xfrm>
+          <a:off x="0" y="0"/>
+          <a:ext cx="0" cy="0"/>
+          <a:chOff x="0" y="0"/>
+          <a:chExt cx="0" cy="0"/>
+        </a:xfrm>
+      </p:grpSpPr>
+      <p:sp>
+        <p:nvSpPr>
+          <p:cNvPr id="154" name="Google Shape;154;p7:notes"/>
           <p:cNvSpPr/>
           <p:nvPr>
             <p:ph idx="2" type="sldImg"/>
@@ -1154,7 +1258,7 @@
       </p:sp>
       <p:sp>
         <p:nvSpPr>
-          <p:cNvPr id="160" name="Google Shape;160;p10:notes"/>
+          <p:cNvPr id="155" name="Google Shape;155;p7:notes"/>
           <p:cNvSpPr txBox="1"/>
           <p:nvPr>
             <p:ph idx="1" type="body"/>
@@ -1207,12 +1311,12 @@
 </p:notes>
 </file>
 
-<file path=ppt/notesSlides/notesSlide12.xml><?xml version="1.0" encoding="utf-8"?>
+<file path=ppt/notesSlides/notesSlide13.xml><?xml version="1.0" encoding="utf-8"?>
 <p:notes xmlns:a="http://schemas.openxmlformats.org/drawingml/2006/main" xmlns:r="http://schemas.openxmlformats.org/officeDocument/2006/relationships" xmlns:mc="http://schemas.openxmlformats.org/markup-compatibility/2006" xmlns:mv="urn:schemas-microsoft-com:mac:vml" xmlns:p="http://schemas.openxmlformats.org/presentationml/2006/main" xmlns:c="http://schemas.openxmlformats.org/drawingml/2006/chart" xmlns:dgm="http://schemas.openxmlformats.org/drawingml/2006/diagram" xmlns:o="urn:schemas-microsoft-com:office:office" xmlns:v="urn:schemas-microsoft-com:vml" xmlns:pvml="urn:schemas-microsoft-com:office:powerpoint" xmlns:com="http://schemas.openxmlformats.org/drawingml/2006/compatibility" xmlns:p14="http://schemas.microsoft.com/office/powerpoint/2010/main" xmlns:p15="http://schemas.microsoft.com/office/powerpoint/2012/main" xmlns:ahyp="http://schemas.microsoft.com/office/drawing/2018/hyperlinkcolor" showMasterPhAnim="0" showMasterSp="0">
   <p:cSld>
     <p:spTree>
       <p:nvGrpSpPr>
-        <p:cNvPr id="166" name="Shape 166"/>
+        <p:cNvPr id="168" name="Shape 168"/>
         <p:cNvGrpSpPr/>
         <p:nvPr/>
       </p:nvGrpSpPr>
@@ -1226,124 +1330,7 @@
       </p:grpSpPr>
       <p:sp>
         <p:nvSpPr>
-          <p:cNvPr id="167" name="Google Shape;167;p11:notes"/>
-          <p:cNvSpPr/>
-          <p:nvPr>
-            <p:ph idx="2" type="sldImg"/>
-          </p:nvPr>
-        </p:nvSpPr>
-        <p:spPr>
-          <a:xfrm>
-            <a:off x="381000" y="685800"/>
-            <a:ext cx="6096000" cy="3429000"/>
-          </a:xfrm>
-          <a:custGeom>
-            <a:rect b="b" l="l" r="r" t="t"/>
-            <a:pathLst>
-              <a:path extrusionOk="0" h="120000" w="120000">
-                <a:moveTo>
-                  <a:pt x="0" y="0"/>
-                </a:moveTo>
-                <a:lnTo>
-                  <a:pt x="120000" y="0"/>
-                </a:lnTo>
-                <a:lnTo>
-                  <a:pt x="120000" y="120000"/>
-                </a:lnTo>
-                <a:lnTo>
-                  <a:pt x="0" y="120000"/>
-                </a:lnTo>
-                <a:close/>
-              </a:path>
-            </a:pathLst>
-          </a:custGeom>
-          <a:noFill/>
-          <a:ln cap="flat" cmpd="sng" w="9525">
-            <a:solidFill>
-              <a:srgbClr val="000000"/>
-            </a:solidFill>
-            <a:prstDash val="solid"/>
-            <a:round/>
-            <a:headEnd len="sm" w="sm" type="none"/>
-            <a:tailEnd len="sm" w="sm" type="none"/>
-          </a:ln>
-        </p:spPr>
-      </p:sp>
-      <p:sp>
-        <p:nvSpPr>
-          <p:cNvPr id="168" name="Google Shape;168;p11:notes"/>
-          <p:cNvSpPr txBox="1"/>
-          <p:nvPr>
-            <p:ph idx="1" type="body"/>
-          </p:nvPr>
-        </p:nvSpPr>
-        <p:spPr>
-          <a:xfrm>
-            <a:off x="685800" y="4343400"/>
-            <a:ext cx="5486400" cy="4114800"/>
-          </a:xfrm>
-          <a:prstGeom prst="rect">
-            <a:avLst/>
-          </a:prstGeom>
-          <a:noFill/>
-          <a:ln>
-            <a:noFill/>
-          </a:ln>
-        </p:spPr>
-        <p:txBody>
-          <a:bodyPr anchorCtr="0" anchor="t" bIns="91425" lIns="91425" spcFirstLastPara="1" rIns="91425" wrap="square" tIns="91425">
-            <a:noAutofit/>
-          </a:bodyPr>
-          <a:lstStyle/>
-          <a:p>
-            <a:pPr indent="0" lvl="0" marL="0" rtl="0" algn="l">
-              <a:lnSpc>
-                <a:spcPct val="100000"/>
-              </a:lnSpc>
-              <a:spcBef>
-                <a:spcPts val="0"/>
-              </a:spcBef>
-              <a:spcAft>
-                <a:spcPts val="0"/>
-              </a:spcAft>
-              <a:buSzPts val="1400"/>
-              <a:buNone/>
-            </a:pPr>
-            <a:r>
-              <a:t/>
-            </a:r>
-            <a:endParaRPr/>
-          </a:p>
-        </p:txBody>
-      </p:sp>
-    </p:spTree>
-  </p:cSld>
-  <p:clrMapOvr>
-    <a:masterClrMapping/>
-  </p:clrMapOvr>
-</p:notes>
-</file>
-
-<file path=ppt/notesSlides/notesSlide13.xml><?xml version="1.0" encoding="utf-8"?>
-<p:notes xmlns:a="http://schemas.openxmlformats.org/drawingml/2006/main" xmlns:r="http://schemas.openxmlformats.org/officeDocument/2006/relationships" xmlns:mc="http://schemas.openxmlformats.org/markup-compatibility/2006" xmlns:mv="urn:schemas-microsoft-com:mac:vml" xmlns:p="http://schemas.openxmlformats.org/presentationml/2006/main" xmlns:c="http://schemas.openxmlformats.org/drawingml/2006/chart" xmlns:dgm="http://schemas.openxmlformats.org/drawingml/2006/diagram" xmlns:o="urn:schemas-microsoft-com:office:office" xmlns:v="urn:schemas-microsoft-com:vml" xmlns:pvml="urn:schemas-microsoft-com:office:powerpoint" xmlns:com="http://schemas.openxmlformats.org/drawingml/2006/compatibility" xmlns:p14="http://schemas.microsoft.com/office/powerpoint/2010/main" xmlns:p15="http://schemas.microsoft.com/office/powerpoint/2012/main" xmlns:ahyp="http://schemas.microsoft.com/office/drawing/2018/hyperlinkcolor" showMasterPhAnim="0" showMasterSp="0">
-  <p:cSld>
-    <p:spTree>
-      <p:nvGrpSpPr>
-        <p:cNvPr id="179" name="Shape 179"/>
-        <p:cNvGrpSpPr/>
-        <p:nvPr/>
-      </p:nvGrpSpPr>
-      <p:grpSpPr>
-        <a:xfrm>
-          <a:off x="0" y="0"/>
-          <a:ext cx="0" cy="0"/>
-          <a:chOff x="0" y="0"/>
-          <a:chExt cx="0" cy="0"/>
-        </a:xfrm>
-      </p:grpSpPr>
-      <p:sp>
-        <p:nvSpPr>
-          <p:cNvPr id="180" name="Google Shape;180;p12:notes"/>
+          <p:cNvPr id="169" name="Google Shape;169;p3:notes"/>
           <p:cNvSpPr txBox="1"/>
           <p:nvPr>
             <p:ph idx="1" type="body"/>
@@ -1382,7 +1369,7 @@
       </p:sp>
       <p:sp>
         <p:nvSpPr>
-          <p:cNvPr id="181" name="Google Shape;181;p12:notes"/>
+          <p:cNvPr id="170" name="Google Shape;170;p3:notes"/>
           <p:cNvSpPr/>
           <p:nvPr>
             <p:ph idx="2" type="sldImg"/>
@@ -1428,7 +1415,7 @@
   <p:cSld>
     <p:spTree>
       <p:nvGrpSpPr>
-        <p:cNvPr id="185" name="Shape 185"/>
+        <p:cNvPr id="174" name="Shape 174"/>
         <p:cNvGrpSpPr/>
         <p:nvPr/>
       </p:nvGrpSpPr>
@@ -1442,7 +1429,7 @@
       </p:grpSpPr>
       <p:sp>
         <p:nvSpPr>
-          <p:cNvPr id="186" name="Google Shape;186;p13:notes"/>
+          <p:cNvPr id="175" name="Google Shape;175;p8:notes"/>
           <p:cNvSpPr/>
           <p:nvPr>
             <p:ph idx="2" type="sldImg"/>
@@ -1487,7 +1474,7 @@
       </p:sp>
       <p:sp>
         <p:nvSpPr>
-          <p:cNvPr id="187" name="Google Shape;187;p13:notes"/>
+          <p:cNvPr id="176" name="Google Shape;176;p8:notes"/>
           <p:cNvSpPr txBox="1"/>
           <p:nvPr>
             <p:ph idx="1" type="body"/>
@@ -1545,7 +1532,7 @@
   <p:cSld>
     <p:spTree>
       <p:nvGrpSpPr>
-        <p:cNvPr id="194" name="Shape 194"/>
+        <p:cNvPr id="180" name="Shape 180"/>
         <p:cNvGrpSpPr/>
         <p:nvPr/>
       </p:nvGrpSpPr>
@@ -1559,7 +1546,358 @@
       </p:grpSpPr>
       <p:sp>
         <p:nvSpPr>
-          <p:cNvPr id="195" name="Google Shape;195;p14:notes"/>
+          <p:cNvPr id="181" name="Google Shape;181;p9:notes"/>
+          <p:cNvSpPr/>
+          <p:nvPr>
+            <p:ph idx="2" type="sldImg"/>
+          </p:nvPr>
+        </p:nvSpPr>
+        <p:spPr>
+          <a:xfrm>
+            <a:off x="381000" y="685800"/>
+            <a:ext cx="6096000" cy="3429000"/>
+          </a:xfrm>
+          <a:custGeom>
+            <a:rect b="b" l="l" r="r" t="t"/>
+            <a:pathLst>
+              <a:path extrusionOk="0" h="120000" w="120000">
+                <a:moveTo>
+                  <a:pt x="0" y="0"/>
+                </a:moveTo>
+                <a:lnTo>
+                  <a:pt x="120000" y="0"/>
+                </a:lnTo>
+                <a:lnTo>
+                  <a:pt x="120000" y="120000"/>
+                </a:lnTo>
+                <a:lnTo>
+                  <a:pt x="0" y="120000"/>
+                </a:lnTo>
+                <a:close/>
+              </a:path>
+            </a:pathLst>
+          </a:custGeom>
+          <a:noFill/>
+          <a:ln cap="flat" cmpd="sng" w="9525">
+            <a:solidFill>
+              <a:srgbClr val="000000"/>
+            </a:solidFill>
+            <a:prstDash val="solid"/>
+            <a:round/>
+            <a:headEnd len="sm" w="sm" type="none"/>
+            <a:tailEnd len="sm" w="sm" type="none"/>
+          </a:ln>
+        </p:spPr>
+      </p:sp>
+      <p:sp>
+        <p:nvSpPr>
+          <p:cNvPr id="182" name="Google Shape;182;p9:notes"/>
+          <p:cNvSpPr txBox="1"/>
+          <p:nvPr>
+            <p:ph idx="1" type="body"/>
+          </p:nvPr>
+        </p:nvSpPr>
+        <p:spPr>
+          <a:xfrm>
+            <a:off x="685800" y="4343400"/>
+            <a:ext cx="5486400" cy="4114800"/>
+          </a:xfrm>
+          <a:prstGeom prst="rect">
+            <a:avLst/>
+          </a:prstGeom>
+          <a:noFill/>
+          <a:ln>
+            <a:noFill/>
+          </a:ln>
+        </p:spPr>
+        <p:txBody>
+          <a:bodyPr anchorCtr="0" anchor="t" bIns="91425" lIns="91425" spcFirstLastPara="1" rIns="91425" wrap="square" tIns="91425">
+            <a:noAutofit/>
+          </a:bodyPr>
+          <a:lstStyle/>
+          <a:p>
+            <a:pPr indent="0" lvl="0" marL="0" rtl="0" algn="l">
+              <a:lnSpc>
+                <a:spcPct val="100000"/>
+              </a:lnSpc>
+              <a:spcBef>
+                <a:spcPts val="0"/>
+              </a:spcBef>
+              <a:spcAft>
+                <a:spcPts val="0"/>
+              </a:spcAft>
+              <a:buSzPts val="1400"/>
+              <a:buNone/>
+            </a:pPr>
+            <a:r>
+              <a:t/>
+            </a:r>
+            <a:endParaRPr/>
+          </a:p>
+        </p:txBody>
+      </p:sp>
+    </p:spTree>
+  </p:cSld>
+  <p:clrMapOvr>
+    <a:masterClrMapping/>
+  </p:clrMapOvr>
+</p:notes>
+</file>
+
+<file path=ppt/notesSlides/notesSlide16.xml><?xml version="1.0" encoding="utf-8"?>
+<p:notes xmlns:a="http://schemas.openxmlformats.org/drawingml/2006/main" xmlns:r="http://schemas.openxmlformats.org/officeDocument/2006/relationships" xmlns:mc="http://schemas.openxmlformats.org/markup-compatibility/2006" xmlns:mv="urn:schemas-microsoft-com:mac:vml" xmlns:p="http://schemas.openxmlformats.org/presentationml/2006/main" xmlns:c="http://schemas.openxmlformats.org/drawingml/2006/chart" xmlns:dgm="http://schemas.openxmlformats.org/drawingml/2006/diagram" xmlns:o="urn:schemas-microsoft-com:office:office" xmlns:v="urn:schemas-microsoft-com:vml" xmlns:pvml="urn:schemas-microsoft-com:office:powerpoint" xmlns:com="http://schemas.openxmlformats.org/drawingml/2006/compatibility" xmlns:p14="http://schemas.microsoft.com/office/powerpoint/2010/main" xmlns:p15="http://schemas.microsoft.com/office/powerpoint/2012/main" xmlns:ahyp="http://schemas.microsoft.com/office/drawing/2018/hyperlinkcolor" showMasterPhAnim="0" showMasterSp="0">
+  <p:cSld>
+    <p:spTree>
+      <p:nvGrpSpPr>
+        <p:cNvPr id="188" name="Shape 188"/>
+        <p:cNvGrpSpPr/>
+        <p:nvPr/>
+      </p:nvGrpSpPr>
+      <p:grpSpPr>
+        <a:xfrm>
+          <a:off x="0" y="0"/>
+          <a:ext cx="0" cy="0"/>
+          <a:chOff x="0" y="0"/>
+          <a:chExt cx="0" cy="0"/>
+        </a:xfrm>
+      </p:grpSpPr>
+      <p:sp>
+        <p:nvSpPr>
+          <p:cNvPr id="189" name="Google Shape;189;p10:notes"/>
+          <p:cNvSpPr/>
+          <p:nvPr>
+            <p:ph idx="2" type="sldImg"/>
+          </p:nvPr>
+        </p:nvSpPr>
+        <p:spPr>
+          <a:xfrm>
+            <a:off x="381000" y="685800"/>
+            <a:ext cx="6096000" cy="3429000"/>
+          </a:xfrm>
+          <a:custGeom>
+            <a:rect b="b" l="l" r="r" t="t"/>
+            <a:pathLst>
+              <a:path extrusionOk="0" h="120000" w="120000">
+                <a:moveTo>
+                  <a:pt x="0" y="0"/>
+                </a:moveTo>
+                <a:lnTo>
+                  <a:pt x="120000" y="0"/>
+                </a:lnTo>
+                <a:lnTo>
+                  <a:pt x="120000" y="120000"/>
+                </a:lnTo>
+                <a:lnTo>
+                  <a:pt x="0" y="120000"/>
+                </a:lnTo>
+                <a:close/>
+              </a:path>
+            </a:pathLst>
+          </a:custGeom>
+          <a:noFill/>
+          <a:ln cap="flat" cmpd="sng" w="9525">
+            <a:solidFill>
+              <a:srgbClr val="000000"/>
+            </a:solidFill>
+            <a:prstDash val="solid"/>
+            <a:round/>
+            <a:headEnd len="sm" w="sm" type="none"/>
+            <a:tailEnd len="sm" w="sm" type="none"/>
+          </a:ln>
+        </p:spPr>
+      </p:sp>
+      <p:sp>
+        <p:nvSpPr>
+          <p:cNvPr id="190" name="Google Shape;190;p10:notes"/>
+          <p:cNvSpPr txBox="1"/>
+          <p:nvPr>
+            <p:ph idx="1" type="body"/>
+          </p:nvPr>
+        </p:nvSpPr>
+        <p:spPr>
+          <a:xfrm>
+            <a:off x="685800" y="4343400"/>
+            <a:ext cx="5486400" cy="4114800"/>
+          </a:xfrm>
+          <a:prstGeom prst="rect">
+            <a:avLst/>
+          </a:prstGeom>
+          <a:noFill/>
+          <a:ln>
+            <a:noFill/>
+          </a:ln>
+        </p:spPr>
+        <p:txBody>
+          <a:bodyPr anchorCtr="0" anchor="t" bIns="91425" lIns="91425" spcFirstLastPara="1" rIns="91425" wrap="square" tIns="91425">
+            <a:noAutofit/>
+          </a:bodyPr>
+          <a:lstStyle/>
+          <a:p>
+            <a:pPr indent="0" lvl="0" marL="0" rtl="0" algn="l">
+              <a:lnSpc>
+                <a:spcPct val="100000"/>
+              </a:lnSpc>
+              <a:spcBef>
+                <a:spcPts val="0"/>
+              </a:spcBef>
+              <a:spcAft>
+                <a:spcPts val="0"/>
+              </a:spcAft>
+              <a:buSzPts val="1400"/>
+              <a:buNone/>
+            </a:pPr>
+            <a:r>
+              <a:t/>
+            </a:r>
+            <a:endParaRPr/>
+          </a:p>
+        </p:txBody>
+      </p:sp>
+    </p:spTree>
+  </p:cSld>
+  <p:clrMapOvr>
+    <a:masterClrMapping/>
+  </p:clrMapOvr>
+</p:notes>
+</file>
+
+<file path=ppt/notesSlides/notesSlide17.xml><?xml version="1.0" encoding="utf-8"?>
+<p:notes xmlns:a="http://schemas.openxmlformats.org/drawingml/2006/main" xmlns:r="http://schemas.openxmlformats.org/officeDocument/2006/relationships" xmlns:mc="http://schemas.openxmlformats.org/markup-compatibility/2006" xmlns:mv="urn:schemas-microsoft-com:mac:vml" xmlns:p="http://schemas.openxmlformats.org/presentationml/2006/main" xmlns:c="http://schemas.openxmlformats.org/drawingml/2006/chart" xmlns:dgm="http://schemas.openxmlformats.org/drawingml/2006/diagram" xmlns:o="urn:schemas-microsoft-com:office:office" xmlns:v="urn:schemas-microsoft-com:vml" xmlns:pvml="urn:schemas-microsoft-com:office:powerpoint" xmlns:com="http://schemas.openxmlformats.org/drawingml/2006/compatibility" xmlns:p14="http://schemas.microsoft.com/office/powerpoint/2010/main" xmlns:p15="http://schemas.microsoft.com/office/powerpoint/2012/main" xmlns:ahyp="http://schemas.microsoft.com/office/drawing/2018/hyperlinkcolor" showMasterPhAnim="0" showMasterSp="0">
+  <p:cSld>
+    <p:spTree>
+      <p:nvGrpSpPr>
+        <p:cNvPr id="196" name="Shape 196"/>
+        <p:cNvGrpSpPr/>
+        <p:nvPr/>
+      </p:nvGrpSpPr>
+      <p:grpSpPr>
+        <a:xfrm>
+          <a:off x="0" y="0"/>
+          <a:ext cx="0" cy="0"/>
+          <a:chOff x="0" y="0"/>
+          <a:chExt cx="0" cy="0"/>
+        </a:xfrm>
+      </p:grpSpPr>
+      <p:sp>
+        <p:nvSpPr>
+          <p:cNvPr id="197" name="Google Shape;197;p11:notes"/>
+          <p:cNvSpPr/>
+          <p:nvPr>
+            <p:ph idx="2" type="sldImg"/>
+          </p:nvPr>
+        </p:nvSpPr>
+        <p:spPr>
+          <a:xfrm>
+            <a:off x="381000" y="685800"/>
+            <a:ext cx="6096000" cy="3429000"/>
+          </a:xfrm>
+          <a:custGeom>
+            <a:rect b="b" l="l" r="r" t="t"/>
+            <a:pathLst>
+              <a:path extrusionOk="0" h="120000" w="120000">
+                <a:moveTo>
+                  <a:pt x="0" y="0"/>
+                </a:moveTo>
+                <a:lnTo>
+                  <a:pt x="120000" y="0"/>
+                </a:lnTo>
+                <a:lnTo>
+                  <a:pt x="120000" y="120000"/>
+                </a:lnTo>
+                <a:lnTo>
+                  <a:pt x="0" y="120000"/>
+                </a:lnTo>
+                <a:close/>
+              </a:path>
+            </a:pathLst>
+          </a:custGeom>
+          <a:noFill/>
+          <a:ln cap="flat" cmpd="sng" w="9525">
+            <a:solidFill>
+              <a:srgbClr val="000000"/>
+            </a:solidFill>
+            <a:prstDash val="solid"/>
+            <a:round/>
+            <a:headEnd len="sm" w="sm" type="none"/>
+            <a:tailEnd len="sm" w="sm" type="none"/>
+          </a:ln>
+        </p:spPr>
+      </p:sp>
+      <p:sp>
+        <p:nvSpPr>
+          <p:cNvPr id="198" name="Google Shape;198;p11:notes"/>
+          <p:cNvSpPr txBox="1"/>
+          <p:nvPr>
+            <p:ph idx="1" type="body"/>
+          </p:nvPr>
+        </p:nvSpPr>
+        <p:spPr>
+          <a:xfrm>
+            <a:off x="685800" y="4343400"/>
+            <a:ext cx="5486400" cy="4114800"/>
+          </a:xfrm>
+          <a:prstGeom prst="rect">
+            <a:avLst/>
+          </a:prstGeom>
+          <a:noFill/>
+          <a:ln>
+            <a:noFill/>
+          </a:ln>
+        </p:spPr>
+        <p:txBody>
+          <a:bodyPr anchorCtr="0" anchor="t" bIns="91425" lIns="91425" spcFirstLastPara="1" rIns="91425" wrap="square" tIns="91425">
+            <a:noAutofit/>
+          </a:bodyPr>
+          <a:lstStyle/>
+          <a:p>
+            <a:pPr indent="0" lvl="0" marL="0" rtl="0" algn="l">
+              <a:lnSpc>
+                <a:spcPct val="100000"/>
+              </a:lnSpc>
+              <a:spcBef>
+                <a:spcPts val="0"/>
+              </a:spcBef>
+              <a:spcAft>
+                <a:spcPts val="0"/>
+              </a:spcAft>
+              <a:buSzPts val="1400"/>
+              <a:buNone/>
+            </a:pPr>
+            <a:r>
+              <a:t/>
+            </a:r>
+            <a:endParaRPr/>
+          </a:p>
+        </p:txBody>
+      </p:sp>
+    </p:spTree>
+  </p:cSld>
+  <p:clrMapOvr>
+    <a:masterClrMapping/>
+  </p:clrMapOvr>
+</p:notes>
+</file>
+
+<file path=ppt/notesSlides/notesSlide18.xml><?xml version="1.0" encoding="utf-8"?>
+<p:notes xmlns:a="http://schemas.openxmlformats.org/drawingml/2006/main" xmlns:r="http://schemas.openxmlformats.org/officeDocument/2006/relationships" xmlns:mc="http://schemas.openxmlformats.org/markup-compatibility/2006" xmlns:mv="urn:schemas-microsoft-com:mac:vml" xmlns:p="http://schemas.openxmlformats.org/presentationml/2006/main" xmlns:c="http://schemas.openxmlformats.org/drawingml/2006/chart" xmlns:dgm="http://schemas.openxmlformats.org/drawingml/2006/diagram" xmlns:o="urn:schemas-microsoft-com:office:office" xmlns:v="urn:schemas-microsoft-com:vml" xmlns:pvml="urn:schemas-microsoft-com:office:powerpoint" xmlns:com="http://schemas.openxmlformats.org/drawingml/2006/compatibility" xmlns:p14="http://schemas.microsoft.com/office/powerpoint/2010/main" xmlns:p15="http://schemas.microsoft.com/office/powerpoint/2012/main" xmlns:ahyp="http://schemas.microsoft.com/office/drawing/2018/hyperlinkcolor" showMasterPhAnim="0" showMasterSp="0">
+  <p:cSld>
+    <p:spTree>
+      <p:nvGrpSpPr>
+        <p:cNvPr id="210" name="Shape 210"/>
+        <p:cNvGrpSpPr/>
+        <p:nvPr/>
+      </p:nvGrpSpPr>
+      <p:grpSpPr>
+        <a:xfrm>
+          <a:off x="0" y="0"/>
+          <a:ext cx="0" cy="0"/>
+          <a:chOff x="0" y="0"/>
+          <a:chExt cx="0" cy="0"/>
+        </a:xfrm>
+      </p:grpSpPr>
+      <p:sp>
+        <p:nvSpPr>
+          <p:cNvPr id="211" name="Google Shape;211;p12:notes"/>
           <p:cNvSpPr txBox="1"/>
           <p:nvPr>
             <p:ph idx="1" type="body"/>
@@ -1598,7 +1936,7 @@
       </p:sp>
       <p:sp>
         <p:nvSpPr>
-          <p:cNvPr id="196" name="Google Shape;196;p14:notes"/>
+          <p:cNvPr id="212" name="Google Shape;212;p12:notes"/>
           <p:cNvSpPr/>
           <p:nvPr>
             <p:ph idx="2" type="sldImg"/>
@@ -1630,6 +1968,123 @@
             </a:pathLst>
           </a:custGeom>
         </p:spPr>
+      </p:sp>
+    </p:spTree>
+  </p:cSld>
+  <p:clrMapOvr>
+    <a:masterClrMapping/>
+  </p:clrMapOvr>
+</p:notes>
+</file>
+
+<file path=ppt/notesSlides/notesSlide19.xml><?xml version="1.0" encoding="utf-8"?>
+<p:notes xmlns:a="http://schemas.openxmlformats.org/drawingml/2006/main" xmlns:r="http://schemas.openxmlformats.org/officeDocument/2006/relationships" xmlns:mc="http://schemas.openxmlformats.org/markup-compatibility/2006" xmlns:mv="urn:schemas-microsoft-com:mac:vml" xmlns:p="http://schemas.openxmlformats.org/presentationml/2006/main" xmlns:c="http://schemas.openxmlformats.org/drawingml/2006/chart" xmlns:dgm="http://schemas.openxmlformats.org/drawingml/2006/diagram" xmlns:o="urn:schemas-microsoft-com:office:office" xmlns:v="urn:schemas-microsoft-com:vml" xmlns:pvml="urn:schemas-microsoft-com:office:powerpoint" xmlns:com="http://schemas.openxmlformats.org/drawingml/2006/compatibility" xmlns:p14="http://schemas.microsoft.com/office/powerpoint/2010/main" xmlns:p15="http://schemas.microsoft.com/office/powerpoint/2012/main" xmlns:ahyp="http://schemas.microsoft.com/office/drawing/2018/hyperlinkcolor" showMasterPhAnim="0" showMasterSp="0">
+  <p:cSld>
+    <p:spTree>
+      <p:nvGrpSpPr>
+        <p:cNvPr id="216" name="Shape 216"/>
+        <p:cNvGrpSpPr/>
+        <p:nvPr/>
+      </p:nvGrpSpPr>
+      <p:grpSpPr>
+        <a:xfrm>
+          <a:off x="0" y="0"/>
+          <a:ext cx="0" cy="0"/>
+          <a:chOff x="0" y="0"/>
+          <a:chExt cx="0" cy="0"/>
+        </a:xfrm>
+      </p:grpSpPr>
+      <p:sp>
+        <p:nvSpPr>
+          <p:cNvPr id="217" name="Google Shape;217;p13:notes"/>
+          <p:cNvSpPr/>
+          <p:nvPr>
+            <p:ph idx="2" type="sldImg"/>
+          </p:nvPr>
+        </p:nvSpPr>
+        <p:spPr>
+          <a:xfrm>
+            <a:off x="381000" y="685800"/>
+            <a:ext cx="6096000" cy="3429000"/>
+          </a:xfrm>
+          <a:custGeom>
+            <a:rect b="b" l="l" r="r" t="t"/>
+            <a:pathLst>
+              <a:path extrusionOk="0" h="120000" w="120000">
+                <a:moveTo>
+                  <a:pt x="0" y="0"/>
+                </a:moveTo>
+                <a:lnTo>
+                  <a:pt x="120000" y="0"/>
+                </a:lnTo>
+                <a:lnTo>
+                  <a:pt x="120000" y="120000"/>
+                </a:lnTo>
+                <a:lnTo>
+                  <a:pt x="0" y="120000"/>
+                </a:lnTo>
+                <a:close/>
+              </a:path>
+            </a:pathLst>
+          </a:custGeom>
+          <a:noFill/>
+          <a:ln cap="flat" cmpd="sng" w="9525">
+            <a:solidFill>
+              <a:srgbClr val="000000"/>
+            </a:solidFill>
+            <a:prstDash val="solid"/>
+            <a:round/>
+            <a:headEnd len="sm" w="sm" type="none"/>
+            <a:tailEnd len="sm" w="sm" type="none"/>
+          </a:ln>
+        </p:spPr>
+      </p:sp>
+      <p:sp>
+        <p:nvSpPr>
+          <p:cNvPr id="218" name="Google Shape;218;p13:notes"/>
+          <p:cNvSpPr txBox="1"/>
+          <p:nvPr>
+            <p:ph idx="1" type="body"/>
+          </p:nvPr>
+        </p:nvSpPr>
+        <p:spPr>
+          <a:xfrm>
+            <a:off x="685800" y="4343400"/>
+            <a:ext cx="5486400" cy="4114800"/>
+          </a:xfrm>
+          <a:prstGeom prst="rect">
+            <a:avLst/>
+          </a:prstGeom>
+          <a:noFill/>
+          <a:ln>
+            <a:noFill/>
+          </a:ln>
+        </p:spPr>
+        <p:txBody>
+          <a:bodyPr anchorCtr="0" anchor="t" bIns="91425" lIns="91425" spcFirstLastPara="1" rIns="91425" wrap="square" tIns="91425">
+            <a:noAutofit/>
+          </a:bodyPr>
+          <a:lstStyle/>
+          <a:p>
+            <a:pPr indent="0" lvl="0" marL="0" rtl="0" algn="l">
+              <a:lnSpc>
+                <a:spcPct val="100000"/>
+              </a:lnSpc>
+              <a:spcBef>
+                <a:spcPts val="0"/>
+              </a:spcBef>
+              <a:spcAft>
+                <a:spcPts val="0"/>
+              </a:spcAft>
+              <a:buSzPts val="1400"/>
+              <a:buNone/>
+            </a:pPr>
+            <a:r>
+              <a:t/>
+            </a:r>
+            <a:endParaRPr/>
+          </a:p>
+        </p:txBody>
       </p:sp>
     </p:spTree>
   </p:cSld>
@@ -1756,12 +2211,12 @@
 </p:notes>
 </file>
 
-<file path=ppt/notesSlides/notesSlide3.xml><?xml version="1.0" encoding="utf-8"?>
+<file path=ppt/notesSlides/notesSlide20.xml><?xml version="1.0" encoding="utf-8"?>
 <p:notes xmlns:a="http://schemas.openxmlformats.org/drawingml/2006/main" xmlns:r="http://schemas.openxmlformats.org/officeDocument/2006/relationships" xmlns:mc="http://schemas.openxmlformats.org/markup-compatibility/2006" xmlns:mv="urn:schemas-microsoft-com:mac:vml" xmlns:p="http://schemas.openxmlformats.org/presentationml/2006/main" xmlns:c="http://schemas.openxmlformats.org/drawingml/2006/chart" xmlns:dgm="http://schemas.openxmlformats.org/drawingml/2006/diagram" xmlns:o="urn:schemas-microsoft-com:office:office" xmlns:v="urn:schemas-microsoft-com:vml" xmlns:pvml="urn:schemas-microsoft-com:office:powerpoint" xmlns:com="http://schemas.openxmlformats.org/drawingml/2006/compatibility" xmlns:p14="http://schemas.microsoft.com/office/powerpoint/2010/main" xmlns:p15="http://schemas.microsoft.com/office/powerpoint/2012/main" xmlns:ahyp="http://schemas.microsoft.com/office/drawing/2018/hyperlinkcolor" showMasterPhAnim="0" showMasterSp="0">
   <p:cSld>
     <p:spTree>
       <p:nvGrpSpPr>
-        <p:cNvPr id="78" name="Shape 78"/>
+        <p:cNvPr id="225" name="Shape 225"/>
         <p:cNvGrpSpPr/>
         <p:nvPr/>
       </p:nvGrpSpPr>
@@ -1775,7 +2230,7 @@
       </p:grpSpPr>
       <p:sp>
         <p:nvSpPr>
-          <p:cNvPr id="79" name="Google Shape;79;p3:notes"/>
+          <p:cNvPr id="226" name="Google Shape;226;p14:notes"/>
           <p:cNvSpPr txBox="1"/>
           <p:nvPr>
             <p:ph idx="1" type="body"/>
@@ -1814,7 +2269,7 @@
       </p:sp>
       <p:sp>
         <p:nvSpPr>
-          <p:cNvPr id="80" name="Google Shape;80;p3:notes"/>
+          <p:cNvPr id="227" name="Google Shape;227;p14:notes"/>
           <p:cNvSpPr/>
           <p:nvPr>
             <p:ph idx="2" type="sldImg"/>
@@ -1846,6 +2301,105 @@
             </a:pathLst>
           </a:custGeom>
         </p:spPr>
+      </p:sp>
+    </p:spTree>
+  </p:cSld>
+  <p:clrMapOvr>
+    <a:masterClrMapping/>
+  </p:clrMapOvr>
+</p:notes>
+</file>
+
+<file path=ppt/notesSlides/notesSlide3.xml><?xml version="1.0" encoding="utf-8"?>
+<p:notes xmlns:a="http://schemas.openxmlformats.org/drawingml/2006/main" xmlns:r="http://schemas.openxmlformats.org/officeDocument/2006/relationships" xmlns:mc="http://schemas.openxmlformats.org/markup-compatibility/2006" xmlns:mv="urn:schemas-microsoft-com:mac:vml" xmlns:p="http://schemas.openxmlformats.org/presentationml/2006/main" xmlns:c="http://schemas.openxmlformats.org/drawingml/2006/chart" xmlns:dgm="http://schemas.openxmlformats.org/drawingml/2006/diagram" xmlns:o="urn:schemas-microsoft-com:office:office" xmlns:v="urn:schemas-microsoft-com:vml" xmlns:pvml="urn:schemas-microsoft-com:office:powerpoint" xmlns:com="http://schemas.openxmlformats.org/drawingml/2006/compatibility" xmlns:p14="http://schemas.microsoft.com/office/powerpoint/2010/main" xmlns:p15="http://schemas.microsoft.com/office/powerpoint/2012/main" xmlns:ahyp="http://schemas.microsoft.com/office/drawing/2018/hyperlinkcolor" showMasterPhAnim="0" showMasterSp="0">
+  <p:cSld>
+    <p:spTree>
+      <p:nvGrpSpPr>
+        <p:cNvPr id="78" name="Shape 78"/>
+        <p:cNvGrpSpPr/>
+        <p:nvPr/>
+      </p:nvGrpSpPr>
+      <p:grpSpPr>
+        <a:xfrm>
+          <a:off x="0" y="0"/>
+          <a:ext cx="0" cy="0"/>
+          <a:chOff x="0" y="0"/>
+          <a:chExt cx="0" cy="0"/>
+        </a:xfrm>
+      </p:grpSpPr>
+      <p:sp>
+        <p:nvSpPr>
+          <p:cNvPr id="79" name="Google Shape;79;gb4e3af2de7_0_4:notes"/>
+          <p:cNvSpPr/>
+          <p:nvPr>
+            <p:ph idx="2" type="sldImg"/>
+          </p:nvPr>
+        </p:nvSpPr>
+        <p:spPr>
+          <a:xfrm>
+            <a:off x="381300" y="685800"/>
+            <a:ext cx="6096000" cy="3429000"/>
+          </a:xfrm>
+          <a:custGeom>
+            <a:rect b="b" l="l" r="r" t="t"/>
+            <a:pathLst>
+              <a:path extrusionOk="0" h="120000" w="120000">
+                <a:moveTo>
+                  <a:pt x="0" y="0"/>
+                </a:moveTo>
+                <a:lnTo>
+                  <a:pt x="120000" y="0"/>
+                </a:lnTo>
+                <a:lnTo>
+                  <a:pt x="120000" y="120000"/>
+                </a:lnTo>
+                <a:lnTo>
+                  <a:pt x="0" y="120000"/>
+                </a:lnTo>
+                <a:close/>
+              </a:path>
+            </a:pathLst>
+          </a:custGeom>
+        </p:spPr>
+      </p:sp>
+      <p:sp>
+        <p:nvSpPr>
+          <p:cNvPr id="80" name="Google Shape;80;gb4e3af2de7_0_4:notes"/>
+          <p:cNvSpPr txBox="1"/>
+          <p:nvPr>
+            <p:ph idx="1" type="body"/>
+          </p:nvPr>
+        </p:nvSpPr>
+        <p:spPr>
+          <a:xfrm>
+            <a:off x="685800" y="4343400"/>
+            <a:ext cx="5486400" cy="4114800"/>
+          </a:xfrm>
+          <a:prstGeom prst="rect">
+            <a:avLst/>
+          </a:prstGeom>
+        </p:spPr>
+        <p:txBody>
+          <a:bodyPr anchorCtr="0" anchor="t" bIns="91425" lIns="91425" spcFirstLastPara="1" rIns="91425" wrap="square" tIns="91425">
+            <a:noAutofit/>
+          </a:bodyPr>
+          <a:lstStyle/>
+          <a:p>
+            <a:pPr indent="0" lvl="0" marL="0" rtl="0" algn="l">
+              <a:spcBef>
+                <a:spcPts val="0"/>
+              </a:spcBef>
+              <a:spcAft>
+                <a:spcPts val="0"/>
+              </a:spcAft>
+              <a:buNone/>
+            </a:pPr>
+            <a:r>
+              <a:t/>
+            </a:r>
+            <a:endParaRPr/>
+          </a:p>
+        </p:txBody>
       </p:sp>
     </p:spTree>
   </p:cSld>
@@ -1992,7 +2546,42 @@
       </p:grpSpPr>
       <p:sp>
         <p:nvSpPr>
-          <p:cNvPr id="94" name="Google Shape;94;p5:notes"/>
+          <p:cNvPr id="94" name="Google Shape;94;gb4e3af2de7_0_27:notes"/>
+          <p:cNvSpPr/>
+          <p:nvPr>
+            <p:ph idx="2" type="sldImg"/>
+          </p:nvPr>
+        </p:nvSpPr>
+        <p:spPr>
+          <a:xfrm>
+            <a:off x="381300" y="685800"/>
+            <a:ext cx="6096000" cy="3429000"/>
+          </a:xfrm>
+          <a:custGeom>
+            <a:rect b="b" l="l" r="r" t="t"/>
+            <a:pathLst>
+              <a:path extrusionOk="0" h="120000" w="120000">
+                <a:moveTo>
+                  <a:pt x="0" y="0"/>
+                </a:moveTo>
+                <a:lnTo>
+                  <a:pt x="120000" y="0"/>
+                </a:lnTo>
+                <a:lnTo>
+                  <a:pt x="120000" y="120000"/>
+                </a:lnTo>
+                <a:lnTo>
+                  <a:pt x="0" y="120000"/>
+                </a:lnTo>
+                <a:close/>
+              </a:path>
+            </a:pathLst>
+          </a:custGeom>
+        </p:spPr>
+      </p:sp>
+      <p:sp>
+        <p:nvSpPr>
+          <p:cNvPr id="95" name="Google Shape;95;gb4e3af2de7_0_27:notes"/>
           <p:cNvSpPr txBox="1"/>
           <p:nvPr>
             <p:ph idx="1" type="body"/>
@@ -2029,9 +2618,172 @@
           </a:p>
         </p:txBody>
       </p:sp>
+    </p:spTree>
+  </p:cSld>
+  <p:clrMapOvr>
+    <a:masterClrMapping/>
+  </p:clrMapOvr>
+</p:notes>
+</file>
+
+<file path=ppt/notesSlides/notesSlide6.xml><?xml version="1.0" encoding="utf-8"?>
+<p:notes xmlns:a="http://schemas.openxmlformats.org/drawingml/2006/main" xmlns:r="http://schemas.openxmlformats.org/officeDocument/2006/relationships" xmlns:mc="http://schemas.openxmlformats.org/markup-compatibility/2006" xmlns:mv="urn:schemas-microsoft-com:mac:vml" xmlns:p="http://schemas.openxmlformats.org/presentationml/2006/main" xmlns:c="http://schemas.openxmlformats.org/drawingml/2006/chart" xmlns:dgm="http://schemas.openxmlformats.org/drawingml/2006/diagram" xmlns:o="urn:schemas-microsoft-com:office:office" xmlns:v="urn:schemas-microsoft-com:vml" xmlns:pvml="urn:schemas-microsoft-com:office:powerpoint" xmlns:com="http://schemas.openxmlformats.org/drawingml/2006/compatibility" xmlns:p14="http://schemas.microsoft.com/office/powerpoint/2010/main" xmlns:p15="http://schemas.microsoft.com/office/powerpoint/2012/main" xmlns:ahyp="http://schemas.microsoft.com/office/drawing/2018/hyperlinkcolor" showMasterPhAnim="0" showMasterSp="0">
+  <p:cSld>
+    <p:spTree>
+      <p:nvGrpSpPr>
+        <p:cNvPr id="100" name="Shape 100"/>
+        <p:cNvGrpSpPr/>
+        <p:nvPr/>
+      </p:nvGrpSpPr>
+      <p:grpSpPr>
+        <a:xfrm>
+          <a:off x="0" y="0"/>
+          <a:ext cx="0" cy="0"/>
+          <a:chOff x="0" y="0"/>
+          <a:chExt cx="0" cy="0"/>
+        </a:xfrm>
+      </p:grpSpPr>
       <p:sp>
         <p:nvSpPr>
-          <p:cNvPr id="95" name="Google Shape;95;p5:notes"/>
+          <p:cNvPr id="101" name="Google Shape;101;gb4e3af2de7_0_33:notes"/>
+          <p:cNvSpPr/>
+          <p:nvPr>
+            <p:ph idx="2" type="sldImg"/>
+          </p:nvPr>
+        </p:nvSpPr>
+        <p:spPr>
+          <a:xfrm>
+            <a:off x="381300" y="685800"/>
+            <a:ext cx="6096000" cy="3429000"/>
+          </a:xfrm>
+          <a:custGeom>
+            <a:rect b="b" l="l" r="r" t="t"/>
+            <a:pathLst>
+              <a:path extrusionOk="0" h="120000" w="120000">
+                <a:moveTo>
+                  <a:pt x="0" y="0"/>
+                </a:moveTo>
+                <a:lnTo>
+                  <a:pt x="120000" y="0"/>
+                </a:lnTo>
+                <a:lnTo>
+                  <a:pt x="120000" y="120000"/>
+                </a:lnTo>
+                <a:lnTo>
+                  <a:pt x="0" y="120000"/>
+                </a:lnTo>
+                <a:close/>
+              </a:path>
+            </a:pathLst>
+          </a:custGeom>
+        </p:spPr>
+      </p:sp>
+      <p:sp>
+        <p:nvSpPr>
+          <p:cNvPr id="102" name="Google Shape;102;gb4e3af2de7_0_33:notes"/>
+          <p:cNvSpPr txBox="1"/>
+          <p:nvPr>
+            <p:ph idx="1" type="body"/>
+          </p:nvPr>
+        </p:nvSpPr>
+        <p:spPr>
+          <a:xfrm>
+            <a:off x="685800" y="4343400"/>
+            <a:ext cx="5486400" cy="4114800"/>
+          </a:xfrm>
+          <a:prstGeom prst="rect">
+            <a:avLst/>
+          </a:prstGeom>
+        </p:spPr>
+        <p:txBody>
+          <a:bodyPr anchorCtr="0" anchor="t" bIns="91425" lIns="91425" spcFirstLastPara="1" rIns="91425" wrap="square" tIns="91425">
+            <a:noAutofit/>
+          </a:bodyPr>
+          <a:lstStyle/>
+          <a:p>
+            <a:pPr indent="0" lvl="0" marL="0" rtl="0" algn="l">
+              <a:spcBef>
+                <a:spcPts val="0"/>
+              </a:spcBef>
+              <a:spcAft>
+                <a:spcPts val="0"/>
+              </a:spcAft>
+              <a:buNone/>
+            </a:pPr>
+            <a:r>
+              <a:t/>
+            </a:r>
+            <a:endParaRPr/>
+          </a:p>
+        </p:txBody>
+      </p:sp>
+    </p:spTree>
+  </p:cSld>
+  <p:clrMapOvr>
+    <a:masterClrMapping/>
+  </p:clrMapOvr>
+</p:notes>
+</file>
+
+<file path=ppt/notesSlides/notesSlide7.xml><?xml version="1.0" encoding="utf-8"?>
+<p:notes xmlns:a="http://schemas.openxmlformats.org/drawingml/2006/main" xmlns:r="http://schemas.openxmlformats.org/officeDocument/2006/relationships" xmlns:mc="http://schemas.openxmlformats.org/markup-compatibility/2006" xmlns:mv="urn:schemas-microsoft-com:mac:vml" xmlns:p="http://schemas.openxmlformats.org/presentationml/2006/main" xmlns:c="http://schemas.openxmlformats.org/drawingml/2006/chart" xmlns:dgm="http://schemas.openxmlformats.org/drawingml/2006/diagram" xmlns:o="urn:schemas-microsoft-com:office:office" xmlns:v="urn:schemas-microsoft-com:vml" xmlns:pvml="urn:schemas-microsoft-com:office:powerpoint" xmlns:com="http://schemas.openxmlformats.org/drawingml/2006/compatibility" xmlns:p14="http://schemas.microsoft.com/office/powerpoint/2010/main" xmlns:p15="http://schemas.microsoft.com/office/powerpoint/2012/main" xmlns:ahyp="http://schemas.microsoft.com/office/drawing/2018/hyperlinkcolor" showMasterPhAnim="0" showMasterSp="0">
+  <p:cSld>
+    <p:spTree>
+      <p:nvGrpSpPr>
+        <p:cNvPr id="107" name="Shape 107"/>
+        <p:cNvGrpSpPr/>
+        <p:nvPr/>
+      </p:nvGrpSpPr>
+      <p:grpSpPr>
+        <a:xfrm>
+          <a:off x="0" y="0"/>
+          <a:ext cx="0" cy="0"/>
+          <a:chOff x="0" y="0"/>
+          <a:chExt cx="0" cy="0"/>
+        </a:xfrm>
+      </p:grpSpPr>
+      <p:sp>
+        <p:nvSpPr>
+          <p:cNvPr id="108" name="Google Shape;108;p5:notes"/>
+          <p:cNvSpPr txBox="1"/>
+          <p:nvPr>
+            <p:ph idx="1" type="body"/>
+          </p:nvPr>
+        </p:nvSpPr>
+        <p:spPr>
+          <a:xfrm>
+            <a:off x="685800" y="4343400"/>
+            <a:ext cx="5486400" cy="4114800"/>
+          </a:xfrm>
+          <a:prstGeom prst="rect">
+            <a:avLst/>
+          </a:prstGeom>
+        </p:spPr>
+        <p:txBody>
+          <a:bodyPr anchorCtr="0" anchor="t" bIns="91425" lIns="91425" spcFirstLastPara="1" rIns="91425" wrap="square" tIns="91425">
+            <a:noAutofit/>
+          </a:bodyPr>
+          <a:lstStyle/>
+          <a:p>
+            <a:pPr indent="0" lvl="0" marL="0" rtl="0" algn="l">
+              <a:spcBef>
+                <a:spcPts val="0"/>
+              </a:spcBef>
+              <a:spcAft>
+                <a:spcPts val="0"/>
+              </a:spcAft>
+              <a:buNone/>
+            </a:pPr>
+            <a:r>
+              <a:t/>
+            </a:r>
+            <a:endParaRPr/>
+          </a:p>
+        </p:txBody>
+      </p:sp>
+      <p:sp>
+        <p:nvSpPr>
+          <p:cNvPr id="109" name="Google Shape;109;p5:notes"/>
           <p:cNvSpPr/>
           <p:nvPr>
             <p:ph idx="2" type="sldImg"/>
@@ -2072,12 +2824,12 @@
 </p:notes>
 </file>
 
-<file path=ppt/notesSlides/notesSlide6.xml><?xml version="1.0" encoding="utf-8"?>
+<file path=ppt/notesSlides/notesSlide8.xml><?xml version="1.0" encoding="utf-8"?>
 <p:notes xmlns:a="http://schemas.openxmlformats.org/drawingml/2006/main" xmlns:r="http://schemas.openxmlformats.org/officeDocument/2006/relationships" xmlns:mc="http://schemas.openxmlformats.org/markup-compatibility/2006" xmlns:mv="urn:schemas-microsoft-com:mac:vml" xmlns:p="http://schemas.openxmlformats.org/presentationml/2006/main" xmlns:c="http://schemas.openxmlformats.org/drawingml/2006/chart" xmlns:dgm="http://schemas.openxmlformats.org/drawingml/2006/diagram" xmlns:o="urn:schemas-microsoft-com:office:office" xmlns:v="urn:schemas-microsoft-com:vml" xmlns:pvml="urn:schemas-microsoft-com:office:powerpoint" xmlns:com="http://schemas.openxmlformats.org/drawingml/2006/compatibility" xmlns:p14="http://schemas.microsoft.com/office/powerpoint/2010/main" xmlns:p15="http://schemas.microsoft.com/office/powerpoint/2012/main" xmlns:ahyp="http://schemas.microsoft.com/office/drawing/2018/hyperlinkcolor" showMasterPhAnim="0" showMasterSp="0">
   <p:cSld>
     <p:spTree>
       <p:nvGrpSpPr>
-        <p:cNvPr id="99" name="Shape 99"/>
+        <p:cNvPr id="113" name="Shape 113"/>
         <p:cNvGrpSpPr/>
         <p:nvPr/>
       </p:nvGrpSpPr>
@@ -2091,7 +2843,7 @@
       </p:grpSpPr>
       <p:sp>
         <p:nvSpPr>
-          <p:cNvPr id="100" name="Google Shape;100;p6:notes"/>
+          <p:cNvPr id="114" name="Google Shape;114;p6:notes"/>
           <p:cNvSpPr/>
           <p:nvPr>
             <p:ph idx="2" type="sldImg"/>
@@ -2136,7 +2888,7 @@
       </p:sp>
       <p:sp>
         <p:nvSpPr>
-          <p:cNvPr id="101" name="Google Shape;101;p6:notes"/>
+          <p:cNvPr id="115" name="Google Shape;115;p6:notes"/>
           <p:cNvSpPr txBox="1"/>
           <p:nvPr>
             <p:ph idx="1" type="body"/>
@@ -2189,12 +2941,12 @@
 </p:notes>
 </file>
 
-<file path=ppt/notesSlides/notesSlide7.xml><?xml version="1.0" encoding="utf-8"?>
+<file path=ppt/notesSlides/notesSlide9.xml><?xml version="1.0" encoding="utf-8"?>
 <p:notes xmlns:a="http://schemas.openxmlformats.org/drawingml/2006/main" xmlns:r="http://schemas.openxmlformats.org/officeDocument/2006/relationships" xmlns:mc="http://schemas.openxmlformats.org/markup-compatibility/2006" xmlns:mv="urn:schemas-microsoft-com:mac:vml" xmlns:p="http://schemas.openxmlformats.org/presentationml/2006/main" xmlns:c="http://schemas.openxmlformats.org/drawingml/2006/chart" xmlns:dgm="http://schemas.openxmlformats.org/drawingml/2006/diagram" xmlns:o="urn:schemas-microsoft-com:office:office" xmlns:v="urn:schemas-microsoft-com:vml" xmlns:pvml="urn:schemas-microsoft-com:office:powerpoint" xmlns:com="http://schemas.openxmlformats.org/drawingml/2006/compatibility" xmlns:p14="http://schemas.microsoft.com/office/powerpoint/2010/main" xmlns:p15="http://schemas.microsoft.com/office/powerpoint/2012/main" xmlns:ahyp="http://schemas.microsoft.com/office/drawing/2018/hyperlinkcolor" showMasterPhAnim="0" showMasterSp="0">
   <p:cSld>
     <p:spTree>
       <p:nvGrpSpPr>
-        <p:cNvPr id="114" name="Shape 114"/>
+        <p:cNvPr id="128" name="Shape 128"/>
         <p:cNvGrpSpPr/>
         <p:nvPr/>
       </p:nvGrpSpPr>
@@ -2208,7 +2960,7 @@
       </p:grpSpPr>
       <p:sp>
         <p:nvSpPr>
-          <p:cNvPr id="115" name="Google Shape;115;gb4c4ba5fb0_0_7:notes"/>
+          <p:cNvPr id="129" name="Google Shape;129;gb4e3af2de7_0_16:notes"/>
           <p:cNvSpPr/>
           <p:nvPr>
             <p:ph idx="2" type="sldImg"/>
@@ -2216,7 +2968,7 @@
         </p:nvSpPr>
         <p:spPr>
           <a:xfrm>
-            <a:off x="381000" y="685800"/>
+            <a:off x="381300" y="685800"/>
             <a:ext cx="6096000" cy="3429000"/>
           </a:xfrm>
           <a:custGeom>
@@ -2239,21 +2991,11 @@
               </a:path>
             </a:pathLst>
           </a:custGeom>
-          <a:noFill/>
-          <a:ln cap="flat" cmpd="sng" w="9525">
-            <a:solidFill>
-              <a:srgbClr val="000000"/>
-            </a:solidFill>
-            <a:prstDash val="solid"/>
-            <a:round/>
-            <a:headEnd len="sm" w="sm" type="none"/>
-            <a:tailEnd len="sm" w="sm" type="none"/>
-          </a:ln>
         </p:spPr>
       </p:sp>
       <p:sp>
         <p:nvSpPr>
-          <p:cNvPr id="116" name="Google Shape;116;gb4c4ba5fb0_0_7:notes"/>
+          <p:cNvPr id="130" name="Google Shape;130;gb4e3af2de7_0_16:notes"/>
           <p:cNvSpPr txBox="1"/>
           <p:nvPr>
             <p:ph idx="1" type="body"/>
@@ -2267,10 +3009,6 @@
           <a:prstGeom prst="rect">
             <a:avLst/>
           </a:prstGeom>
-          <a:noFill/>
-          <a:ln>
-            <a:noFill/>
-          </a:ln>
         </p:spPr>
         <p:txBody>
           <a:bodyPr anchorCtr="0" anchor="t" bIns="91425" lIns="91425" spcFirstLastPara="1" rIns="91425" wrap="square" tIns="91425">
@@ -2279,250 +3017,12 @@
           <a:lstStyle/>
           <a:p>
             <a:pPr indent="0" lvl="0" marL="0" rtl="0" algn="l">
-              <a:lnSpc>
-                <a:spcPct val="100000"/>
-              </a:lnSpc>
-              <a:spcBef>
-                <a:spcPts val="0"/>
-              </a:spcBef>
-              <a:spcAft>
-                <a:spcPts val="0"/>
-              </a:spcAft>
-              <a:buSzPts val="1400"/>
-              <a:buNone/>
-            </a:pPr>
-            <a:r>
-              <a:t/>
-            </a:r>
-            <a:endParaRPr/>
-          </a:p>
-        </p:txBody>
-      </p:sp>
-    </p:spTree>
-  </p:cSld>
-  <p:clrMapOvr>
-    <a:masterClrMapping/>
-  </p:clrMapOvr>
-</p:notes>
-</file>
-
-<file path=ppt/notesSlides/notesSlide8.xml><?xml version="1.0" encoding="utf-8"?>
-<p:notes xmlns:a="http://schemas.openxmlformats.org/drawingml/2006/main" xmlns:r="http://schemas.openxmlformats.org/officeDocument/2006/relationships" xmlns:mc="http://schemas.openxmlformats.org/markup-compatibility/2006" xmlns:mv="urn:schemas-microsoft-com:mac:vml" xmlns:p="http://schemas.openxmlformats.org/presentationml/2006/main" xmlns:c="http://schemas.openxmlformats.org/drawingml/2006/chart" xmlns:dgm="http://schemas.openxmlformats.org/drawingml/2006/diagram" xmlns:o="urn:schemas-microsoft-com:office:office" xmlns:v="urn:schemas-microsoft-com:vml" xmlns:pvml="urn:schemas-microsoft-com:office:powerpoint" xmlns:com="http://schemas.openxmlformats.org/drawingml/2006/compatibility" xmlns:p14="http://schemas.microsoft.com/office/powerpoint/2010/main" xmlns:p15="http://schemas.microsoft.com/office/powerpoint/2012/main" xmlns:ahyp="http://schemas.microsoft.com/office/drawing/2018/hyperlinkcolor" showMasterPhAnim="0" showMasterSp="0">
-  <p:cSld>
-    <p:spTree>
-      <p:nvGrpSpPr>
-        <p:cNvPr id="129" name="Shape 129"/>
-        <p:cNvGrpSpPr/>
-        <p:nvPr/>
-      </p:nvGrpSpPr>
-      <p:grpSpPr>
-        <a:xfrm>
-          <a:off x="0" y="0"/>
-          <a:ext cx="0" cy="0"/>
-          <a:chOff x="0" y="0"/>
-          <a:chExt cx="0" cy="0"/>
-        </a:xfrm>
-      </p:grpSpPr>
-      <p:sp>
-        <p:nvSpPr>
-          <p:cNvPr id="130" name="Google Shape;130;p7:notes"/>
-          <p:cNvSpPr/>
-          <p:nvPr>
-            <p:ph idx="2" type="sldImg"/>
-          </p:nvPr>
-        </p:nvSpPr>
-        <p:spPr>
-          <a:xfrm>
-            <a:off x="381000" y="685800"/>
-            <a:ext cx="6096000" cy="3429000"/>
-          </a:xfrm>
-          <a:custGeom>
-            <a:rect b="b" l="l" r="r" t="t"/>
-            <a:pathLst>
-              <a:path extrusionOk="0" h="120000" w="120000">
-                <a:moveTo>
-                  <a:pt x="0" y="0"/>
-                </a:moveTo>
-                <a:lnTo>
-                  <a:pt x="120000" y="0"/>
-                </a:lnTo>
-                <a:lnTo>
-                  <a:pt x="120000" y="120000"/>
-                </a:lnTo>
-                <a:lnTo>
-                  <a:pt x="0" y="120000"/>
-                </a:lnTo>
-                <a:close/>
-              </a:path>
-            </a:pathLst>
-          </a:custGeom>
-          <a:noFill/>
-          <a:ln cap="flat" cmpd="sng" w="9525">
-            <a:solidFill>
-              <a:srgbClr val="000000"/>
-            </a:solidFill>
-            <a:prstDash val="solid"/>
-            <a:round/>
-            <a:headEnd len="sm" w="sm" type="none"/>
-            <a:tailEnd len="sm" w="sm" type="none"/>
-          </a:ln>
-        </p:spPr>
-      </p:sp>
-      <p:sp>
-        <p:nvSpPr>
-          <p:cNvPr id="131" name="Google Shape;131;p7:notes"/>
-          <p:cNvSpPr txBox="1"/>
-          <p:nvPr>
-            <p:ph idx="1" type="body"/>
-          </p:nvPr>
-        </p:nvSpPr>
-        <p:spPr>
-          <a:xfrm>
-            <a:off x="685800" y="4343400"/>
-            <a:ext cx="5486400" cy="4114800"/>
-          </a:xfrm>
-          <a:prstGeom prst="rect">
-            <a:avLst/>
-          </a:prstGeom>
-          <a:noFill/>
-          <a:ln>
-            <a:noFill/>
-          </a:ln>
-        </p:spPr>
-        <p:txBody>
-          <a:bodyPr anchorCtr="0" anchor="t" bIns="91425" lIns="91425" spcFirstLastPara="1" rIns="91425" wrap="square" tIns="91425">
-            <a:noAutofit/>
-          </a:bodyPr>
-          <a:lstStyle/>
-          <a:p>
-            <a:pPr indent="0" lvl="0" marL="0" rtl="0" algn="l">
-              <a:lnSpc>
-                <a:spcPct val="100000"/>
-              </a:lnSpc>
-              <a:spcBef>
-                <a:spcPts val="0"/>
-              </a:spcBef>
-              <a:spcAft>
-                <a:spcPts val="0"/>
-              </a:spcAft>
-              <a:buSzPts val="1400"/>
-              <a:buNone/>
-            </a:pPr>
-            <a:r>
-              <a:t/>
-            </a:r>
-            <a:endParaRPr/>
-          </a:p>
-        </p:txBody>
-      </p:sp>
-    </p:spTree>
-  </p:cSld>
-  <p:clrMapOvr>
-    <a:masterClrMapping/>
-  </p:clrMapOvr>
-</p:notes>
-</file>
-
-<file path=ppt/notesSlides/notesSlide9.xml><?xml version="1.0" encoding="utf-8"?>
-<p:notes xmlns:a="http://schemas.openxmlformats.org/drawingml/2006/main" xmlns:r="http://schemas.openxmlformats.org/officeDocument/2006/relationships" xmlns:mc="http://schemas.openxmlformats.org/markup-compatibility/2006" xmlns:mv="urn:schemas-microsoft-com:mac:vml" xmlns:p="http://schemas.openxmlformats.org/presentationml/2006/main" xmlns:c="http://schemas.openxmlformats.org/drawingml/2006/chart" xmlns:dgm="http://schemas.openxmlformats.org/drawingml/2006/diagram" xmlns:o="urn:schemas-microsoft-com:office:office" xmlns:v="urn:schemas-microsoft-com:vml" xmlns:pvml="urn:schemas-microsoft-com:office:powerpoint" xmlns:com="http://schemas.openxmlformats.org/drawingml/2006/compatibility" xmlns:p14="http://schemas.microsoft.com/office/powerpoint/2010/main" xmlns:p15="http://schemas.microsoft.com/office/powerpoint/2012/main" xmlns:ahyp="http://schemas.microsoft.com/office/drawing/2018/hyperlinkcolor" showMasterPhAnim="0" showMasterSp="0">
-  <p:cSld>
-    <p:spTree>
-      <p:nvGrpSpPr>
-        <p:cNvPr id="144" name="Shape 144"/>
-        <p:cNvGrpSpPr/>
-        <p:nvPr/>
-      </p:nvGrpSpPr>
-      <p:grpSpPr>
-        <a:xfrm>
-          <a:off x="0" y="0"/>
-          <a:ext cx="0" cy="0"/>
-          <a:chOff x="0" y="0"/>
-          <a:chExt cx="0" cy="0"/>
-        </a:xfrm>
-      </p:grpSpPr>
-      <p:sp>
-        <p:nvSpPr>
-          <p:cNvPr id="145" name="Google Shape;145;p8:notes"/>
-          <p:cNvSpPr/>
-          <p:nvPr>
-            <p:ph idx="2" type="sldImg"/>
-          </p:nvPr>
-        </p:nvSpPr>
-        <p:spPr>
-          <a:xfrm>
-            <a:off x="381000" y="685800"/>
-            <a:ext cx="6096000" cy="3429000"/>
-          </a:xfrm>
-          <a:custGeom>
-            <a:rect b="b" l="l" r="r" t="t"/>
-            <a:pathLst>
-              <a:path extrusionOk="0" h="120000" w="120000">
-                <a:moveTo>
-                  <a:pt x="0" y="0"/>
-                </a:moveTo>
-                <a:lnTo>
-                  <a:pt x="120000" y="0"/>
-                </a:lnTo>
-                <a:lnTo>
-                  <a:pt x="120000" y="120000"/>
-                </a:lnTo>
-                <a:lnTo>
-                  <a:pt x="0" y="120000"/>
-                </a:lnTo>
-                <a:close/>
-              </a:path>
-            </a:pathLst>
-          </a:custGeom>
-          <a:noFill/>
-          <a:ln cap="flat" cmpd="sng" w="9525">
-            <a:solidFill>
-              <a:srgbClr val="000000"/>
-            </a:solidFill>
-            <a:prstDash val="solid"/>
-            <a:round/>
-            <a:headEnd len="sm" w="sm" type="none"/>
-            <a:tailEnd len="sm" w="sm" type="none"/>
-          </a:ln>
-        </p:spPr>
-      </p:sp>
-      <p:sp>
-        <p:nvSpPr>
-          <p:cNvPr id="146" name="Google Shape;146;p8:notes"/>
-          <p:cNvSpPr txBox="1"/>
-          <p:nvPr>
-            <p:ph idx="1" type="body"/>
-          </p:nvPr>
-        </p:nvSpPr>
-        <p:spPr>
-          <a:xfrm>
-            <a:off x="685800" y="4343400"/>
-            <a:ext cx="5486400" cy="4114800"/>
-          </a:xfrm>
-          <a:prstGeom prst="rect">
-            <a:avLst/>
-          </a:prstGeom>
-          <a:noFill/>
-          <a:ln>
-            <a:noFill/>
-          </a:ln>
-        </p:spPr>
-        <p:txBody>
-          <a:bodyPr anchorCtr="0" anchor="t" bIns="91425" lIns="91425" spcFirstLastPara="1" rIns="91425" wrap="square" tIns="91425">
-            <a:noAutofit/>
-          </a:bodyPr>
-          <a:lstStyle/>
-          <a:p>
-            <a:pPr indent="0" lvl="0" marL="0" rtl="0" algn="l">
-              <a:lnSpc>
-                <a:spcPct val="100000"/>
-              </a:lnSpc>
-              <a:spcBef>
-                <a:spcPts val="0"/>
-              </a:spcBef>
-              <a:spcAft>
-                <a:spcPts val="0"/>
-              </a:spcAft>
-              <a:buSzPts val="1400"/>
+              <a:spcBef>
+                <a:spcPts val="0"/>
+              </a:spcBef>
+              <a:spcAft>
+                <a:spcPts val="0"/>
+              </a:spcAft>
               <a:buNone/>
             </a:pPr>
             <a:r>
@@ -9962,7 +10462,7 @@
   <p:cSld>
     <p:spTree>
       <p:nvGrpSpPr>
-        <p:cNvPr id="153" name="Shape 153"/>
+        <p:cNvPr id="136" name="Shape 136"/>
         <p:cNvGrpSpPr/>
         <p:nvPr/>
       </p:nvGrpSpPr>
@@ -9976,7 +10476,7 @@
       </p:grpSpPr>
       <p:sp>
         <p:nvSpPr>
-          <p:cNvPr id="154" name="Google Shape;154;p9"/>
+          <p:cNvPr id="137" name="Google Shape;137;gb4c4ba5fb0_0_7"/>
           <p:cNvSpPr txBox="1"/>
           <p:nvPr>
             <p:ph type="title"/>
@@ -10016,6 +10516,1900 @@
             </a:pPr>
             <a:r>
               <a:rPr lang="en"/>
+              <a:t>Background &amp; Overview</a:t>
+            </a:r>
+            <a:endParaRPr/>
+          </a:p>
+        </p:txBody>
+      </p:sp>
+      <p:grpSp>
+        <p:nvGrpSpPr>
+          <p:cNvPr id="138" name="Google Shape;138;gb4c4ba5fb0_0_7"/>
+          <p:cNvGrpSpPr/>
+          <p:nvPr/>
+        </p:nvGrpSpPr>
+        <p:grpSpPr>
+          <a:xfrm>
+            <a:off x="977740" y="1304875"/>
+            <a:ext cx="3441789" cy="3416400"/>
+            <a:chOff x="431925" y="1304875"/>
+            <a:chExt cx="2628925" cy="3416400"/>
+          </a:xfrm>
+        </p:grpSpPr>
+        <p:sp>
+          <p:nvSpPr>
+            <p:cNvPr id="139" name="Google Shape;139;gb4c4ba5fb0_0_7"/>
+            <p:cNvSpPr txBox="1"/>
+            <p:nvPr/>
+          </p:nvSpPr>
+          <p:spPr>
+            <a:xfrm>
+              <a:off x="431925" y="1304875"/>
+              <a:ext cx="2628900" cy="464100"/>
+            </a:xfrm>
+            <a:prstGeom prst="rect">
+              <a:avLst/>
+            </a:prstGeom>
+            <a:solidFill>
+              <a:schemeClr val="dk1"/>
+            </a:solidFill>
+            <a:ln>
+              <a:noFill/>
+            </a:ln>
+          </p:spPr>
+          <p:txBody>
+            <a:bodyPr anchorCtr="0" anchor="ctr" bIns="91425" lIns="91425" spcFirstLastPara="1" rIns="91425" wrap="square" tIns="91425">
+              <a:noAutofit/>
+            </a:bodyPr>
+            <a:lstStyle/>
+            <a:p>
+              <a:pPr indent="0" lvl="0" marL="0" marR="0" rtl="0" algn="l">
+                <a:lnSpc>
+                  <a:spcPct val="100000"/>
+                </a:lnSpc>
+                <a:spcBef>
+                  <a:spcPts val="0"/>
+                </a:spcBef>
+                <a:spcAft>
+                  <a:spcPts val="0"/>
+                </a:spcAft>
+                <a:buClr>
+                  <a:srgbClr val="000000"/>
+                </a:buClr>
+                <a:buSzPts val="1400"/>
+                <a:buFont typeface="Arial"/>
+                <a:buNone/>
+              </a:pPr>
+              <a:r>
+                <a:t/>
+              </a:r>
+              <a:endParaRPr b="0" i="0" sz="1400" u="none" cap="none" strike="noStrike">
+                <a:solidFill>
+                  <a:srgbClr val="000000"/>
+                </a:solidFill>
+                <a:latin typeface="Arial"/>
+                <a:ea typeface="Arial"/>
+                <a:cs typeface="Arial"/>
+                <a:sym typeface="Arial"/>
+              </a:endParaRPr>
+            </a:p>
+          </p:txBody>
+        </p:sp>
+        <p:sp>
+          <p:nvSpPr>
+            <p:cNvPr id="140" name="Google Shape;140;gb4c4ba5fb0_0_7"/>
+            <p:cNvSpPr/>
+            <p:nvPr/>
+          </p:nvSpPr>
+          <p:spPr>
+            <a:xfrm>
+              <a:off x="431950" y="1304875"/>
+              <a:ext cx="2628900" cy="3416400"/>
+            </a:xfrm>
+            <a:prstGeom prst="rect">
+              <a:avLst/>
+            </a:prstGeom>
+            <a:noFill/>
+            <a:ln cap="flat" cmpd="sng" w="9525">
+              <a:solidFill>
+                <a:schemeClr val="dk1"/>
+              </a:solidFill>
+              <a:prstDash val="solid"/>
+              <a:round/>
+              <a:headEnd len="sm" w="sm" type="none"/>
+              <a:tailEnd len="sm" w="sm" type="none"/>
+            </a:ln>
+          </p:spPr>
+          <p:txBody>
+            <a:bodyPr anchorCtr="0" anchor="ctr" bIns="91425" lIns="91425" spcFirstLastPara="1" rIns="91425" wrap="square" tIns="91425">
+              <a:noAutofit/>
+            </a:bodyPr>
+            <a:lstStyle/>
+            <a:p>
+              <a:pPr indent="0" lvl="0" marL="0" marR="0" rtl="0" algn="l">
+                <a:lnSpc>
+                  <a:spcPct val="100000"/>
+                </a:lnSpc>
+                <a:spcBef>
+                  <a:spcPts val="0"/>
+                </a:spcBef>
+                <a:spcAft>
+                  <a:spcPts val="0"/>
+                </a:spcAft>
+                <a:buClr>
+                  <a:srgbClr val="000000"/>
+                </a:buClr>
+                <a:buSzPts val="1400"/>
+                <a:buFont typeface="Arial"/>
+                <a:buNone/>
+              </a:pPr>
+              <a:r>
+                <a:t/>
+              </a:r>
+              <a:endParaRPr b="0" i="0" sz="1400" u="none" cap="none" strike="noStrike">
+                <a:solidFill>
+                  <a:srgbClr val="000000"/>
+                </a:solidFill>
+                <a:latin typeface="Arial"/>
+                <a:ea typeface="Arial"/>
+                <a:cs typeface="Arial"/>
+                <a:sym typeface="Arial"/>
+              </a:endParaRPr>
+            </a:p>
+          </p:txBody>
+        </p:sp>
+      </p:grpSp>
+      <p:sp>
+        <p:nvSpPr>
+          <p:cNvPr id="141" name="Google Shape;141;gb4c4ba5fb0_0_7"/>
+          <p:cNvSpPr txBox="1"/>
+          <p:nvPr>
+            <p:ph idx="4294967295" type="body"/>
+          </p:nvPr>
+        </p:nvSpPr>
+        <p:spPr>
+          <a:xfrm>
+            <a:off x="1371600" y="1304875"/>
+            <a:ext cx="2494500" cy="461400"/>
+          </a:xfrm>
+          <a:prstGeom prst="rect">
+            <a:avLst/>
+          </a:prstGeom>
+          <a:noFill/>
+          <a:ln>
+            <a:noFill/>
+          </a:ln>
+        </p:spPr>
+        <p:txBody>
+          <a:bodyPr anchorCtr="0" anchor="t" bIns="91425" lIns="91425" spcFirstLastPara="1" rIns="91425" wrap="square" tIns="91425">
+            <a:noAutofit/>
+          </a:bodyPr>
+          <a:lstStyle/>
+          <a:p>
+            <a:pPr indent="0" lvl="0" marL="0" rtl="0" algn="ctr">
+              <a:lnSpc>
+                <a:spcPct val="115000"/>
+              </a:lnSpc>
+              <a:spcBef>
+                <a:spcPts val="0"/>
+              </a:spcBef>
+              <a:spcAft>
+                <a:spcPts val="0"/>
+              </a:spcAft>
+              <a:buSzPts val="1800"/>
+              <a:buNone/>
+            </a:pPr>
+            <a:r>
+              <a:rPr lang="en">
+                <a:solidFill>
+                  <a:schemeClr val="lt1"/>
+                </a:solidFill>
+              </a:rPr>
+              <a:t>Miami</a:t>
+            </a:r>
+            <a:endParaRPr>
+              <a:solidFill>
+                <a:schemeClr val="lt1"/>
+              </a:solidFill>
+            </a:endParaRPr>
+          </a:p>
+        </p:txBody>
+      </p:sp>
+      <p:sp>
+        <p:nvSpPr>
+          <p:cNvPr id="142" name="Google Shape;142;gb4c4ba5fb0_0_7"/>
+          <p:cNvSpPr txBox="1"/>
+          <p:nvPr>
+            <p:ph idx="4294967295" type="body"/>
+          </p:nvPr>
+        </p:nvSpPr>
+        <p:spPr>
+          <a:xfrm>
+            <a:off x="1051675" y="1850300"/>
+            <a:ext cx="3291600" cy="2794800"/>
+          </a:xfrm>
+          <a:prstGeom prst="rect">
+            <a:avLst/>
+          </a:prstGeom>
+          <a:noFill/>
+          <a:ln>
+            <a:noFill/>
+          </a:ln>
+        </p:spPr>
+        <p:txBody>
+          <a:bodyPr anchorCtr="0" anchor="t" bIns="91425" lIns="91425" spcFirstLastPara="1" rIns="91425" wrap="square" tIns="91425">
+            <a:noAutofit/>
+          </a:bodyPr>
+          <a:lstStyle/>
+          <a:p>
+            <a:pPr indent="0" lvl="0" marL="0" rtl="0" algn="l">
+              <a:spcBef>
+                <a:spcPts val="0"/>
+              </a:spcBef>
+              <a:spcAft>
+                <a:spcPts val="0"/>
+              </a:spcAft>
+              <a:buSzPts val="1800"/>
+              <a:buNone/>
+            </a:pPr>
+            <a:r>
+              <a:rPr lang="en" sz="1600"/>
+              <a:t>Population: 467,963 (2019)</a:t>
+            </a:r>
+            <a:endParaRPr/>
+          </a:p>
+          <a:p>
+            <a:pPr indent="0" lvl="0" marL="0" rtl="0" algn="l">
+              <a:spcBef>
+                <a:spcPts val="0"/>
+              </a:spcBef>
+              <a:spcAft>
+                <a:spcPts val="0"/>
+              </a:spcAft>
+              <a:buSzPts val="1800"/>
+              <a:buNone/>
+            </a:pPr>
+            <a:r>
+              <a:t/>
+            </a:r>
+            <a:endParaRPr sz="1600"/>
+          </a:p>
+          <a:p>
+            <a:pPr indent="0" lvl="0" marL="0" rtl="0" algn="l">
+              <a:spcBef>
+                <a:spcPts val="0"/>
+              </a:spcBef>
+              <a:spcAft>
+                <a:spcPts val="0"/>
+              </a:spcAft>
+              <a:buSzPts val="1800"/>
+              <a:buNone/>
+            </a:pPr>
+            <a:r>
+              <a:rPr lang="en" sz="1600"/>
+              <a:t>Seventh largest city in the US</a:t>
+            </a:r>
+            <a:endParaRPr/>
+          </a:p>
+          <a:p>
+            <a:pPr indent="0" lvl="0" marL="0" rtl="0" algn="l">
+              <a:spcBef>
+                <a:spcPts val="0"/>
+              </a:spcBef>
+              <a:spcAft>
+                <a:spcPts val="0"/>
+              </a:spcAft>
+              <a:buSzPts val="1800"/>
+              <a:buNone/>
+            </a:pPr>
+            <a:br>
+              <a:rPr lang="en" sz="1600"/>
+            </a:br>
+            <a:r>
+              <a:rPr lang="en" sz="1600"/>
+              <a:t>Closest Ocean: Atlantic</a:t>
+            </a:r>
+            <a:endParaRPr sz="1600"/>
+          </a:p>
+        </p:txBody>
+      </p:sp>
+      <p:grpSp>
+        <p:nvGrpSpPr>
+          <p:cNvPr id="143" name="Google Shape;143;gb4c4ba5fb0_0_7"/>
+          <p:cNvGrpSpPr/>
+          <p:nvPr/>
+        </p:nvGrpSpPr>
+        <p:grpSpPr>
+          <a:xfrm>
+            <a:off x="4952891" y="1304875"/>
+            <a:ext cx="3441731" cy="3416400"/>
+            <a:chOff x="3320450" y="1304875"/>
+            <a:chExt cx="2632500" cy="3416400"/>
+          </a:xfrm>
+        </p:grpSpPr>
+        <p:sp>
+          <p:nvSpPr>
+            <p:cNvPr id="144" name="Google Shape;144;gb4c4ba5fb0_0_7"/>
+            <p:cNvSpPr txBox="1"/>
+            <p:nvPr/>
+          </p:nvSpPr>
+          <p:spPr>
+            <a:xfrm>
+              <a:off x="3324050" y="1304875"/>
+              <a:ext cx="2628900" cy="464100"/>
+            </a:xfrm>
+            <a:prstGeom prst="rect">
+              <a:avLst/>
+            </a:prstGeom>
+            <a:solidFill>
+              <a:schemeClr val="dk1"/>
+            </a:solidFill>
+            <a:ln>
+              <a:noFill/>
+            </a:ln>
+          </p:spPr>
+          <p:txBody>
+            <a:bodyPr anchorCtr="0" anchor="ctr" bIns="91425" lIns="91425" spcFirstLastPara="1" rIns="91425" wrap="square" tIns="91425">
+              <a:noAutofit/>
+            </a:bodyPr>
+            <a:lstStyle/>
+            <a:p>
+              <a:pPr indent="0" lvl="0" marL="0" marR="0" rtl="0" algn="l">
+                <a:lnSpc>
+                  <a:spcPct val="100000"/>
+                </a:lnSpc>
+                <a:spcBef>
+                  <a:spcPts val="0"/>
+                </a:spcBef>
+                <a:spcAft>
+                  <a:spcPts val="0"/>
+                </a:spcAft>
+                <a:buClr>
+                  <a:srgbClr val="000000"/>
+                </a:buClr>
+                <a:buSzPts val="1400"/>
+                <a:buFont typeface="Arial"/>
+                <a:buNone/>
+              </a:pPr>
+              <a:r>
+                <a:t/>
+              </a:r>
+              <a:endParaRPr b="0" i="0" sz="1400" u="none" cap="none" strike="noStrike">
+                <a:solidFill>
+                  <a:srgbClr val="000000"/>
+                </a:solidFill>
+                <a:latin typeface="Arial"/>
+                <a:ea typeface="Arial"/>
+                <a:cs typeface="Arial"/>
+                <a:sym typeface="Arial"/>
+              </a:endParaRPr>
+            </a:p>
+          </p:txBody>
+        </p:sp>
+        <p:sp>
+          <p:nvSpPr>
+            <p:cNvPr id="145" name="Google Shape;145;gb4c4ba5fb0_0_7"/>
+            <p:cNvSpPr/>
+            <p:nvPr/>
+          </p:nvSpPr>
+          <p:spPr>
+            <a:xfrm>
+              <a:off x="3320450" y="1304875"/>
+              <a:ext cx="2628900" cy="3416400"/>
+            </a:xfrm>
+            <a:prstGeom prst="rect">
+              <a:avLst/>
+            </a:prstGeom>
+            <a:noFill/>
+            <a:ln cap="flat" cmpd="sng" w="9525">
+              <a:solidFill>
+                <a:schemeClr val="dk1"/>
+              </a:solidFill>
+              <a:prstDash val="solid"/>
+              <a:round/>
+              <a:headEnd len="sm" w="sm" type="none"/>
+              <a:tailEnd len="sm" w="sm" type="none"/>
+            </a:ln>
+          </p:spPr>
+          <p:txBody>
+            <a:bodyPr anchorCtr="0" anchor="ctr" bIns="91425" lIns="91425" spcFirstLastPara="1" rIns="91425" wrap="square" tIns="91425">
+              <a:noAutofit/>
+            </a:bodyPr>
+            <a:lstStyle/>
+            <a:p>
+              <a:pPr indent="0" lvl="0" marL="0" marR="0" rtl="0" algn="l">
+                <a:lnSpc>
+                  <a:spcPct val="100000"/>
+                </a:lnSpc>
+                <a:spcBef>
+                  <a:spcPts val="0"/>
+                </a:spcBef>
+                <a:spcAft>
+                  <a:spcPts val="0"/>
+                </a:spcAft>
+                <a:buClr>
+                  <a:srgbClr val="000000"/>
+                </a:buClr>
+                <a:buSzPts val="1400"/>
+                <a:buFont typeface="Arial"/>
+                <a:buNone/>
+              </a:pPr>
+              <a:r>
+                <a:t/>
+              </a:r>
+              <a:endParaRPr b="0" i="0" sz="1400" u="none" cap="none" strike="noStrike">
+                <a:solidFill>
+                  <a:srgbClr val="000000"/>
+                </a:solidFill>
+                <a:latin typeface="Arial"/>
+                <a:ea typeface="Arial"/>
+                <a:cs typeface="Arial"/>
+                <a:sym typeface="Arial"/>
+              </a:endParaRPr>
+            </a:p>
+          </p:txBody>
+        </p:sp>
+      </p:grpSp>
+      <p:sp>
+        <p:nvSpPr>
+          <p:cNvPr id="146" name="Google Shape;146;gb4c4ba5fb0_0_7"/>
+          <p:cNvSpPr txBox="1"/>
+          <p:nvPr>
+            <p:ph idx="4294967295" type="body"/>
+          </p:nvPr>
+        </p:nvSpPr>
+        <p:spPr>
+          <a:xfrm>
+            <a:off x="5370025" y="1304875"/>
+            <a:ext cx="2494500" cy="461400"/>
+          </a:xfrm>
+          <a:prstGeom prst="rect">
+            <a:avLst/>
+          </a:prstGeom>
+          <a:noFill/>
+          <a:ln>
+            <a:noFill/>
+          </a:ln>
+        </p:spPr>
+        <p:txBody>
+          <a:bodyPr anchorCtr="0" anchor="t" bIns="91425" lIns="91425" spcFirstLastPara="1" rIns="91425" wrap="square" tIns="91425">
+            <a:noAutofit/>
+          </a:bodyPr>
+          <a:lstStyle/>
+          <a:p>
+            <a:pPr indent="0" lvl="0" marL="0" rtl="0" algn="ctr">
+              <a:lnSpc>
+                <a:spcPct val="115000"/>
+              </a:lnSpc>
+              <a:spcBef>
+                <a:spcPts val="0"/>
+              </a:spcBef>
+              <a:spcAft>
+                <a:spcPts val="0"/>
+              </a:spcAft>
+              <a:buSzPts val="1800"/>
+              <a:buNone/>
+            </a:pPr>
+            <a:r>
+              <a:rPr lang="en">
+                <a:solidFill>
+                  <a:schemeClr val="lt1"/>
+                </a:solidFill>
+              </a:rPr>
+              <a:t>Lakeland</a:t>
+            </a:r>
+            <a:endParaRPr>
+              <a:solidFill>
+                <a:schemeClr val="lt1"/>
+              </a:solidFill>
+            </a:endParaRPr>
+          </a:p>
+        </p:txBody>
+      </p:sp>
+      <p:sp>
+        <p:nvSpPr>
+          <p:cNvPr id="147" name="Google Shape;147;gb4c4ba5fb0_0_7"/>
+          <p:cNvSpPr txBox="1"/>
+          <p:nvPr>
+            <p:ph idx="4294967295" type="body"/>
+          </p:nvPr>
+        </p:nvSpPr>
+        <p:spPr>
+          <a:xfrm>
+            <a:off x="5021216" y="1850300"/>
+            <a:ext cx="3360900" cy="2794800"/>
+          </a:xfrm>
+          <a:prstGeom prst="rect">
+            <a:avLst/>
+          </a:prstGeom>
+          <a:noFill/>
+          <a:ln>
+            <a:noFill/>
+          </a:ln>
+        </p:spPr>
+        <p:txBody>
+          <a:bodyPr anchorCtr="0" anchor="t" bIns="91425" lIns="91425" spcFirstLastPara="1" rIns="91425" wrap="square" tIns="91425">
+            <a:noAutofit/>
+          </a:bodyPr>
+          <a:lstStyle/>
+          <a:p>
+            <a:pPr indent="0" lvl="0" marL="0" rtl="0" algn="l">
+              <a:lnSpc>
+                <a:spcPct val="115000"/>
+              </a:lnSpc>
+              <a:spcBef>
+                <a:spcPts val="0"/>
+              </a:spcBef>
+              <a:spcAft>
+                <a:spcPts val="0"/>
+              </a:spcAft>
+              <a:buSzPts val="1800"/>
+              <a:buNone/>
+            </a:pPr>
+            <a:r>
+              <a:rPr lang="en" sz="1600"/>
+              <a:t>Population: 112,136 (2019)</a:t>
+            </a:r>
+            <a:endParaRPr/>
+          </a:p>
+          <a:p>
+            <a:pPr indent="0" lvl="0" marL="0" rtl="0" algn="l">
+              <a:lnSpc>
+                <a:spcPct val="115000"/>
+              </a:lnSpc>
+              <a:spcBef>
+                <a:spcPts val="0"/>
+              </a:spcBef>
+              <a:spcAft>
+                <a:spcPts val="0"/>
+              </a:spcAft>
+              <a:buSzPts val="1800"/>
+              <a:buNone/>
+            </a:pPr>
+            <a:r>
+              <a:t/>
+            </a:r>
+            <a:endParaRPr sz="1600"/>
+          </a:p>
+          <a:p>
+            <a:pPr indent="0" lvl="0" marL="0" rtl="0" algn="l">
+              <a:lnSpc>
+                <a:spcPct val="115000"/>
+              </a:lnSpc>
+              <a:spcBef>
+                <a:spcPts val="0"/>
+              </a:spcBef>
+              <a:spcAft>
+                <a:spcPts val="0"/>
+              </a:spcAft>
+              <a:buSzPts val="1800"/>
+              <a:buNone/>
+            </a:pPr>
+            <a:r>
+              <a:t/>
+            </a:r>
+            <a:endParaRPr sz="1600"/>
+          </a:p>
+          <a:p>
+            <a:pPr indent="0" lvl="0" marL="0" rtl="0" algn="l">
+              <a:lnSpc>
+                <a:spcPct val="115000"/>
+              </a:lnSpc>
+              <a:spcBef>
+                <a:spcPts val="0"/>
+              </a:spcBef>
+              <a:spcAft>
+                <a:spcPts val="0"/>
+              </a:spcAft>
+              <a:buSzPts val="1800"/>
+              <a:buNone/>
+            </a:pPr>
+            <a:r>
+              <a:rPr lang="en" sz="1600"/>
+              <a:t>Westernmost city in Polk County</a:t>
+            </a:r>
+            <a:endParaRPr/>
+          </a:p>
+          <a:p>
+            <a:pPr indent="0" lvl="0" marL="0" rtl="0" algn="l">
+              <a:lnSpc>
+                <a:spcPct val="115000"/>
+              </a:lnSpc>
+              <a:spcBef>
+                <a:spcPts val="0"/>
+              </a:spcBef>
+              <a:spcAft>
+                <a:spcPts val="0"/>
+              </a:spcAft>
+              <a:buSzPts val="1800"/>
+              <a:buNone/>
+            </a:pPr>
+            <a:br>
+              <a:rPr lang="en" sz="1600"/>
+            </a:br>
+            <a:r>
+              <a:rPr lang="en" sz="1600"/>
+              <a:t>Closest Ocean: Atlantic</a:t>
+            </a:r>
+            <a:endParaRPr sz="1600"/>
+          </a:p>
+        </p:txBody>
+      </p:sp>
+    </p:spTree>
+  </p:cSld>
+  <p:clrMapOvr>
+    <a:masterClrMapping/>
+  </p:clrMapOvr>
+</p:sld>
+</file>
+
+<file path=ppt/slides/slide11.xml><?xml version="1.0" encoding="utf-8"?>
+<p:sld xmlns:a="http://schemas.openxmlformats.org/drawingml/2006/main" xmlns:r="http://schemas.openxmlformats.org/officeDocument/2006/relationships" xmlns:mc="http://schemas.openxmlformats.org/markup-compatibility/2006" xmlns:mv="urn:schemas-microsoft-com:mac:vml" xmlns:p="http://schemas.openxmlformats.org/presentationml/2006/main" xmlns:c="http://schemas.openxmlformats.org/drawingml/2006/chart" xmlns:dgm="http://schemas.openxmlformats.org/drawingml/2006/diagram" xmlns:o="urn:schemas-microsoft-com:office:office" xmlns:v="urn:schemas-microsoft-com:vml" xmlns:pvml="urn:schemas-microsoft-com:office:powerpoint" xmlns:com="http://schemas.openxmlformats.org/drawingml/2006/compatibility" xmlns:p14="http://schemas.microsoft.com/office/powerpoint/2010/main" xmlns:p15="http://schemas.microsoft.com/office/powerpoint/2012/main" xmlns:ahyp="http://schemas.microsoft.com/office/drawing/2018/hyperlinkcolor">
+  <p:cSld>
+    <p:spTree>
+      <p:nvGrpSpPr>
+        <p:cNvPr id="151" name="Shape 151"/>
+        <p:cNvGrpSpPr/>
+        <p:nvPr/>
+      </p:nvGrpSpPr>
+      <p:grpSpPr>
+        <a:xfrm>
+          <a:off x="0" y="0"/>
+          <a:ext cx="0" cy="0"/>
+          <a:chOff x="0" y="0"/>
+          <a:chExt cx="0" cy="0"/>
+        </a:xfrm>
+      </p:grpSpPr>
+      <p:pic>
+        <p:nvPicPr>
+          <p:cNvPr id="152" name="Google Shape;152;gb4e3af2de7_0_20"/>
+          <p:cNvPicPr preferRelativeResize="0"/>
+          <p:nvPr/>
+        </p:nvPicPr>
+        <p:blipFill>
+          <a:blip r:embed="rId3">
+            <a:alphaModFix/>
+          </a:blip>
+          <a:stretch>
+            <a:fillRect/>
+          </a:stretch>
+        </p:blipFill>
+        <p:spPr>
+          <a:xfrm>
+            <a:off x="0" y="0"/>
+            <a:ext cx="9143999" cy="5143500"/>
+          </a:xfrm>
+          <a:prstGeom prst="rect">
+            <a:avLst/>
+          </a:prstGeom>
+          <a:noFill/>
+          <a:ln>
+            <a:noFill/>
+          </a:ln>
+        </p:spPr>
+      </p:pic>
+    </p:spTree>
+  </p:cSld>
+  <p:clrMapOvr>
+    <a:masterClrMapping/>
+  </p:clrMapOvr>
+</p:sld>
+</file>
+
+<file path=ppt/slides/slide12.xml><?xml version="1.0" encoding="utf-8"?>
+<p:sld xmlns:a="http://schemas.openxmlformats.org/drawingml/2006/main" xmlns:r="http://schemas.openxmlformats.org/officeDocument/2006/relationships" xmlns:mc="http://schemas.openxmlformats.org/markup-compatibility/2006" xmlns:mv="urn:schemas-microsoft-com:mac:vml" xmlns:p="http://schemas.openxmlformats.org/presentationml/2006/main" xmlns:c="http://schemas.openxmlformats.org/drawingml/2006/chart" xmlns:dgm="http://schemas.openxmlformats.org/drawingml/2006/diagram" xmlns:o="urn:schemas-microsoft-com:office:office" xmlns:v="urn:schemas-microsoft-com:vml" xmlns:pvml="urn:schemas-microsoft-com:office:powerpoint" xmlns:com="http://schemas.openxmlformats.org/drawingml/2006/compatibility" xmlns:p14="http://schemas.microsoft.com/office/powerpoint/2010/main" xmlns:p15="http://schemas.microsoft.com/office/powerpoint/2012/main" xmlns:ahyp="http://schemas.microsoft.com/office/drawing/2018/hyperlinkcolor">
+  <p:cSld>
+    <p:spTree>
+      <p:nvGrpSpPr>
+        <p:cNvPr id="156" name="Shape 156"/>
+        <p:cNvGrpSpPr/>
+        <p:nvPr/>
+      </p:nvGrpSpPr>
+      <p:grpSpPr>
+        <a:xfrm>
+          <a:off x="0" y="0"/>
+          <a:ext cx="0" cy="0"/>
+          <a:chOff x="0" y="0"/>
+          <a:chExt cx="0" cy="0"/>
+        </a:xfrm>
+      </p:grpSpPr>
+      <p:sp>
+        <p:nvSpPr>
+          <p:cNvPr id="157" name="Google Shape;157;p7"/>
+          <p:cNvSpPr txBox="1"/>
+          <p:nvPr>
+            <p:ph type="title"/>
+          </p:nvPr>
+        </p:nvSpPr>
+        <p:spPr>
+          <a:xfrm>
+            <a:off x="311700" y="445025"/>
+            <a:ext cx="8520600" cy="572700"/>
+          </a:xfrm>
+          <a:prstGeom prst="rect">
+            <a:avLst/>
+          </a:prstGeom>
+          <a:noFill/>
+          <a:ln>
+            <a:noFill/>
+          </a:ln>
+        </p:spPr>
+        <p:txBody>
+          <a:bodyPr anchorCtr="0" anchor="t" bIns="91425" lIns="91425" spcFirstLastPara="1" rIns="91425" wrap="square" tIns="91425">
+            <a:noAutofit/>
+          </a:bodyPr>
+          <a:lstStyle/>
+          <a:p>
+            <a:pPr indent="0" lvl="0" marL="0" rtl="0" algn="ctr">
+              <a:lnSpc>
+                <a:spcPct val="100000"/>
+              </a:lnSpc>
+              <a:spcBef>
+                <a:spcPts val="0"/>
+              </a:spcBef>
+              <a:spcAft>
+                <a:spcPts val="0"/>
+              </a:spcAft>
+              <a:buSzPts val="3000"/>
+              <a:buNone/>
+            </a:pPr>
+            <a:r>
+              <a:rPr lang="en"/>
+              <a:t>Understanding the data</a:t>
+            </a:r>
+            <a:endParaRPr/>
+          </a:p>
+        </p:txBody>
+      </p:sp>
+      <p:grpSp>
+        <p:nvGrpSpPr>
+          <p:cNvPr id="158" name="Google Shape;158;p7"/>
+          <p:cNvGrpSpPr/>
+          <p:nvPr/>
+        </p:nvGrpSpPr>
+        <p:grpSpPr>
+          <a:xfrm>
+            <a:off x="977750" y="1304875"/>
+            <a:ext cx="3441850" cy="3416400"/>
+            <a:chOff x="431925" y="1304875"/>
+            <a:chExt cx="2628925" cy="3416400"/>
+          </a:xfrm>
+        </p:grpSpPr>
+        <p:sp>
+          <p:nvSpPr>
+            <p:cNvPr id="159" name="Google Shape;159;p7"/>
+            <p:cNvSpPr txBox="1"/>
+            <p:nvPr/>
+          </p:nvSpPr>
+          <p:spPr>
+            <a:xfrm>
+              <a:off x="431925" y="1304875"/>
+              <a:ext cx="2628900" cy="464100"/>
+            </a:xfrm>
+            <a:prstGeom prst="rect">
+              <a:avLst/>
+            </a:prstGeom>
+            <a:solidFill>
+              <a:schemeClr val="dk1"/>
+            </a:solidFill>
+            <a:ln>
+              <a:noFill/>
+            </a:ln>
+          </p:spPr>
+          <p:txBody>
+            <a:bodyPr anchorCtr="0" anchor="ctr" bIns="91425" lIns="91425" spcFirstLastPara="1" rIns="91425" wrap="square" tIns="91425">
+              <a:noAutofit/>
+            </a:bodyPr>
+            <a:lstStyle/>
+            <a:p>
+              <a:pPr indent="0" lvl="0" marL="0" marR="0" rtl="0" algn="l">
+                <a:lnSpc>
+                  <a:spcPct val="100000"/>
+                </a:lnSpc>
+                <a:spcBef>
+                  <a:spcPts val="0"/>
+                </a:spcBef>
+                <a:spcAft>
+                  <a:spcPts val="0"/>
+                </a:spcAft>
+                <a:buClr>
+                  <a:srgbClr val="000000"/>
+                </a:buClr>
+                <a:buSzPts val="1400"/>
+                <a:buFont typeface="Arial"/>
+                <a:buNone/>
+              </a:pPr>
+              <a:r>
+                <a:t/>
+              </a:r>
+              <a:endParaRPr b="0" i="0" sz="1400" u="none" cap="none" strike="noStrike">
+                <a:solidFill>
+                  <a:srgbClr val="000000"/>
+                </a:solidFill>
+                <a:latin typeface="Arial"/>
+                <a:ea typeface="Arial"/>
+                <a:cs typeface="Arial"/>
+                <a:sym typeface="Arial"/>
+              </a:endParaRPr>
+            </a:p>
+          </p:txBody>
+        </p:sp>
+        <p:sp>
+          <p:nvSpPr>
+            <p:cNvPr id="160" name="Google Shape;160;p7"/>
+            <p:cNvSpPr/>
+            <p:nvPr/>
+          </p:nvSpPr>
+          <p:spPr>
+            <a:xfrm>
+              <a:off x="431950" y="1304875"/>
+              <a:ext cx="2628900" cy="3416400"/>
+            </a:xfrm>
+            <a:prstGeom prst="rect">
+              <a:avLst/>
+            </a:prstGeom>
+            <a:noFill/>
+            <a:ln cap="flat" cmpd="sng" w="9525">
+              <a:solidFill>
+                <a:schemeClr val="dk1"/>
+              </a:solidFill>
+              <a:prstDash val="solid"/>
+              <a:round/>
+              <a:headEnd len="sm" w="sm" type="none"/>
+              <a:tailEnd len="sm" w="sm" type="none"/>
+            </a:ln>
+          </p:spPr>
+          <p:txBody>
+            <a:bodyPr anchorCtr="0" anchor="ctr" bIns="91425" lIns="91425" spcFirstLastPara="1" rIns="91425" wrap="square" tIns="91425">
+              <a:noAutofit/>
+            </a:bodyPr>
+            <a:lstStyle/>
+            <a:p>
+              <a:pPr indent="0" lvl="0" marL="0" marR="0" rtl="0" algn="l">
+                <a:lnSpc>
+                  <a:spcPct val="100000"/>
+                </a:lnSpc>
+                <a:spcBef>
+                  <a:spcPts val="0"/>
+                </a:spcBef>
+                <a:spcAft>
+                  <a:spcPts val="0"/>
+                </a:spcAft>
+                <a:buClr>
+                  <a:srgbClr val="000000"/>
+                </a:buClr>
+                <a:buSzPts val="1400"/>
+                <a:buFont typeface="Arial"/>
+                <a:buNone/>
+              </a:pPr>
+              <a:r>
+                <a:t/>
+              </a:r>
+              <a:endParaRPr b="0" i="0" sz="1400" u="none" cap="none" strike="noStrike">
+                <a:solidFill>
+                  <a:srgbClr val="000000"/>
+                </a:solidFill>
+                <a:latin typeface="Arial"/>
+                <a:ea typeface="Arial"/>
+                <a:cs typeface="Arial"/>
+                <a:sym typeface="Arial"/>
+              </a:endParaRPr>
+            </a:p>
+          </p:txBody>
+        </p:sp>
+      </p:grpSp>
+      <p:sp>
+        <p:nvSpPr>
+          <p:cNvPr id="161" name="Google Shape;161;p7"/>
+          <p:cNvSpPr txBox="1"/>
+          <p:nvPr>
+            <p:ph idx="4294967295" type="body"/>
+          </p:nvPr>
+        </p:nvSpPr>
+        <p:spPr>
+          <a:xfrm>
+            <a:off x="1371600" y="1304875"/>
+            <a:ext cx="2494500" cy="461400"/>
+          </a:xfrm>
+          <a:prstGeom prst="rect">
+            <a:avLst/>
+          </a:prstGeom>
+          <a:noFill/>
+          <a:ln>
+            <a:noFill/>
+          </a:ln>
+        </p:spPr>
+        <p:txBody>
+          <a:bodyPr anchorCtr="0" anchor="t" bIns="91425" lIns="91425" spcFirstLastPara="1" rIns="91425" wrap="square" tIns="91425">
+            <a:noAutofit/>
+          </a:bodyPr>
+          <a:lstStyle/>
+          <a:p>
+            <a:pPr indent="0" lvl="0" marL="0" rtl="0" algn="ctr">
+              <a:lnSpc>
+                <a:spcPct val="115000"/>
+              </a:lnSpc>
+              <a:spcBef>
+                <a:spcPts val="0"/>
+              </a:spcBef>
+              <a:spcAft>
+                <a:spcPts val="0"/>
+              </a:spcAft>
+              <a:buSzPts val="1800"/>
+              <a:buNone/>
+            </a:pPr>
+            <a:r>
+              <a:rPr lang="en">
+                <a:solidFill>
+                  <a:schemeClr val="lt1"/>
+                </a:solidFill>
+              </a:rPr>
+              <a:t>Real Estate</a:t>
+            </a:r>
+            <a:endParaRPr>
+              <a:solidFill>
+                <a:schemeClr val="lt1"/>
+              </a:solidFill>
+            </a:endParaRPr>
+          </a:p>
+        </p:txBody>
+      </p:sp>
+      <p:sp>
+        <p:nvSpPr>
+          <p:cNvPr id="162" name="Google Shape;162;p7"/>
+          <p:cNvSpPr txBox="1"/>
+          <p:nvPr>
+            <p:ph idx="4294967295" type="body"/>
+          </p:nvPr>
+        </p:nvSpPr>
+        <p:spPr>
+          <a:xfrm>
+            <a:off x="1051675" y="1850300"/>
+            <a:ext cx="3291725" cy="2794800"/>
+          </a:xfrm>
+          <a:prstGeom prst="rect">
+            <a:avLst/>
+          </a:prstGeom>
+          <a:noFill/>
+          <a:ln>
+            <a:noFill/>
+          </a:ln>
+        </p:spPr>
+        <p:txBody>
+          <a:bodyPr anchorCtr="0" anchor="t" bIns="91425" lIns="91425" spcFirstLastPara="1" rIns="91425" wrap="square" tIns="91425">
+            <a:noAutofit/>
+          </a:bodyPr>
+          <a:lstStyle/>
+          <a:p>
+            <a:pPr indent="0" lvl="0" marL="0" rtl="0" algn="l">
+              <a:lnSpc>
+                <a:spcPct val="115000"/>
+              </a:lnSpc>
+              <a:spcBef>
+                <a:spcPts val="0"/>
+              </a:spcBef>
+              <a:spcAft>
+                <a:spcPts val="0"/>
+              </a:spcAft>
+              <a:buSzPts val="1800"/>
+              <a:buNone/>
+            </a:pPr>
+            <a:r>
+              <a:rPr lang="en" sz="1600"/>
+              <a:t>Zillow dataset</a:t>
+            </a:r>
+            <a:endParaRPr sz="1600"/>
+          </a:p>
+          <a:p>
+            <a:pPr indent="0" lvl="0" marL="0" rtl="0" algn="l">
+              <a:lnSpc>
+                <a:spcPct val="115000"/>
+              </a:lnSpc>
+              <a:spcBef>
+                <a:spcPts val="1600"/>
+              </a:spcBef>
+              <a:spcAft>
+                <a:spcPts val="0"/>
+              </a:spcAft>
+              <a:buSzPts val="1800"/>
+              <a:buNone/>
+            </a:pPr>
+            <a:r>
+              <a:rPr lang="en" sz="1600"/>
+              <a:t>3,000+ datapoints</a:t>
+            </a:r>
+            <a:endParaRPr sz="1600"/>
+          </a:p>
+          <a:p>
+            <a:pPr indent="-330200" lvl="0" marL="457200" rtl="0" algn="l">
+              <a:lnSpc>
+                <a:spcPct val="115000"/>
+              </a:lnSpc>
+              <a:spcBef>
+                <a:spcPts val="1600"/>
+              </a:spcBef>
+              <a:spcAft>
+                <a:spcPts val="0"/>
+              </a:spcAft>
+              <a:buSzPts val="1600"/>
+              <a:buChar char="●"/>
+            </a:pPr>
+            <a:r>
+              <a:rPr lang="en" sz="1600"/>
+              <a:t>City/State</a:t>
+            </a:r>
+            <a:endParaRPr sz="1600"/>
+          </a:p>
+          <a:p>
+            <a:pPr indent="-330200" lvl="0" marL="457200" rtl="0" algn="l">
+              <a:lnSpc>
+                <a:spcPct val="115000"/>
+              </a:lnSpc>
+              <a:spcBef>
+                <a:spcPts val="0"/>
+              </a:spcBef>
+              <a:spcAft>
+                <a:spcPts val="0"/>
+              </a:spcAft>
+              <a:buSzPts val="1600"/>
+              <a:buChar char="●"/>
+            </a:pPr>
+            <a:r>
+              <a:rPr lang="en" sz="1600"/>
+              <a:t>Sale Price</a:t>
+            </a:r>
+            <a:endParaRPr sz="1600"/>
+          </a:p>
+          <a:p>
+            <a:pPr indent="-330200" lvl="0" marL="457200" rtl="0" algn="l">
+              <a:lnSpc>
+                <a:spcPct val="115000"/>
+              </a:lnSpc>
+              <a:spcBef>
+                <a:spcPts val="0"/>
+              </a:spcBef>
+              <a:spcAft>
+                <a:spcPts val="0"/>
+              </a:spcAft>
+              <a:buSzPts val="1600"/>
+              <a:buChar char="●"/>
+            </a:pPr>
+            <a:r>
+              <a:rPr lang="en" sz="1600"/>
+              <a:t>Month/Year</a:t>
+            </a:r>
+            <a:endParaRPr sz="1600"/>
+          </a:p>
+          <a:p>
+            <a:pPr indent="-330200" lvl="1" marL="914400" rtl="0" algn="l">
+              <a:lnSpc>
+                <a:spcPct val="115000"/>
+              </a:lnSpc>
+              <a:spcBef>
+                <a:spcPts val="0"/>
+              </a:spcBef>
+              <a:spcAft>
+                <a:spcPts val="0"/>
+              </a:spcAft>
+              <a:buSzPts val="1600"/>
+              <a:buChar char="○"/>
+            </a:pPr>
+            <a:r>
+              <a:rPr lang="en" sz="1600"/>
+              <a:t>2009-2020</a:t>
+            </a:r>
+            <a:endParaRPr sz="1600"/>
+          </a:p>
+        </p:txBody>
+      </p:sp>
+      <p:grpSp>
+        <p:nvGrpSpPr>
+          <p:cNvPr id="163" name="Google Shape;163;p7"/>
+          <p:cNvGrpSpPr/>
+          <p:nvPr/>
+        </p:nvGrpSpPr>
+        <p:grpSpPr>
+          <a:xfrm>
+            <a:off x="4953000" y="1304875"/>
+            <a:ext cx="3441817" cy="3416400"/>
+            <a:chOff x="3320450" y="1304875"/>
+            <a:chExt cx="2632500" cy="3416400"/>
+          </a:xfrm>
+        </p:grpSpPr>
+        <p:sp>
+          <p:nvSpPr>
+            <p:cNvPr id="164" name="Google Shape;164;p7"/>
+            <p:cNvSpPr txBox="1"/>
+            <p:nvPr/>
+          </p:nvSpPr>
+          <p:spPr>
+            <a:xfrm>
+              <a:off x="3324050" y="1304875"/>
+              <a:ext cx="2628900" cy="464100"/>
+            </a:xfrm>
+            <a:prstGeom prst="rect">
+              <a:avLst/>
+            </a:prstGeom>
+            <a:solidFill>
+              <a:schemeClr val="dk1"/>
+            </a:solidFill>
+            <a:ln>
+              <a:noFill/>
+            </a:ln>
+          </p:spPr>
+          <p:txBody>
+            <a:bodyPr anchorCtr="0" anchor="ctr" bIns="91425" lIns="91425" spcFirstLastPara="1" rIns="91425" wrap="square" tIns="91425">
+              <a:noAutofit/>
+            </a:bodyPr>
+            <a:lstStyle/>
+            <a:p>
+              <a:pPr indent="0" lvl="0" marL="0" marR="0" rtl="0" algn="l">
+                <a:lnSpc>
+                  <a:spcPct val="100000"/>
+                </a:lnSpc>
+                <a:spcBef>
+                  <a:spcPts val="0"/>
+                </a:spcBef>
+                <a:spcAft>
+                  <a:spcPts val="0"/>
+                </a:spcAft>
+                <a:buClr>
+                  <a:srgbClr val="000000"/>
+                </a:buClr>
+                <a:buSzPts val="1400"/>
+                <a:buFont typeface="Arial"/>
+                <a:buNone/>
+              </a:pPr>
+              <a:r>
+                <a:t/>
+              </a:r>
+              <a:endParaRPr b="0" i="0" sz="1400" u="none" cap="none" strike="noStrike">
+                <a:solidFill>
+                  <a:srgbClr val="000000"/>
+                </a:solidFill>
+                <a:latin typeface="Arial"/>
+                <a:ea typeface="Arial"/>
+                <a:cs typeface="Arial"/>
+                <a:sym typeface="Arial"/>
+              </a:endParaRPr>
+            </a:p>
+          </p:txBody>
+        </p:sp>
+        <p:sp>
+          <p:nvSpPr>
+            <p:cNvPr id="165" name="Google Shape;165;p7"/>
+            <p:cNvSpPr/>
+            <p:nvPr/>
+          </p:nvSpPr>
+          <p:spPr>
+            <a:xfrm>
+              <a:off x="3320450" y="1304875"/>
+              <a:ext cx="2628900" cy="3416400"/>
+            </a:xfrm>
+            <a:prstGeom prst="rect">
+              <a:avLst/>
+            </a:prstGeom>
+            <a:noFill/>
+            <a:ln cap="flat" cmpd="sng" w="9525">
+              <a:solidFill>
+                <a:schemeClr val="dk1"/>
+              </a:solidFill>
+              <a:prstDash val="solid"/>
+              <a:round/>
+              <a:headEnd len="sm" w="sm" type="none"/>
+              <a:tailEnd len="sm" w="sm" type="none"/>
+            </a:ln>
+          </p:spPr>
+          <p:txBody>
+            <a:bodyPr anchorCtr="0" anchor="ctr" bIns="91425" lIns="91425" spcFirstLastPara="1" rIns="91425" wrap="square" tIns="91425">
+              <a:noAutofit/>
+            </a:bodyPr>
+            <a:lstStyle/>
+            <a:p>
+              <a:pPr indent="0" lvl="0" marL="0" marR="0" rtl="0" algn="l">
+                <a:lnSpc>
+                  <a:spcPct val="100000"/>
+                </a:lnSpc>
+                <a:spcBef>
+                  <a:spcPts val="0"/>
+                </a:spcBef>
+                <a:spcAft>
+                  <a:spcPts val="0"/>
+                </a:spcAft>
+                <a:buClr>
+                  <a:srgbClr val="000000"/>
+                </a:buClr>
+                <a:buSzPts val="1400"/>
+                <a:buFont typeface="Arial"/>
+                <a:buNone/>
+              </a:pPr>
+              <a:r>
+                <a:t/>
+              </a:r>
+              <a:endParaRPr b="0" i="0" sz="1400" u="none" cap="none" strike="noStrike">
+                <a:solidFill>
+                  <a:srgbClr val="000000"/>
+                </a:solidFill>
+                <a:latin typeface="Arial"/>
+                <a:ea typeface="Arial"/>
+                <a:cs typeface="Arial"/>
+                <a:sym typeface="Arial"/>
+              </a:endParaRPr>
+            </a:p>
+          </p:txBody>
+        </p:sp>
+      </p:grpSp>
+      <p:sp>
+        <p:nvSpPr>
+          <p:cNvPr id="166" name="Google Shape;166;p7"/>
+          <p:cNvSpPr txBox="1"/>
+          <p:nvPr>
+            <p:ph idx="4294967295" type="body"/>
+          </p:nvPr>
+        </p:nvSpPr>
+        <p:spPr>
+          <a:xfrm>
+            <a:off x="5370025" y="1304875"/>
+            <a:ext cx="2494500" cy="461400"/>
+          </a:xfrm>
+          <a:prstGeom prst="rect">
+            <a:avLst/>
+          </a:prstGeom>
+          <a:noFill/>
+          <a:ln>
+            <a:noFill/>
+          </a:ln>
+        </p:spPr>
+        <p:txBody>
+          <a:bodyPr anchorCtr="0" anchor="t" bIns="91425" lIns="91425" spcFirstLastPara="1" rIns="91425" wrap="square" tIns="91425">
+            <a:noAutofit/>
+          </a:bodyPr>
+          <a:lstStyle/>
+          <a:p>
+            <a:pPr indent="0" lvl="0" marL="0" rtl="0" algn="ctr">
+              <a:lnSpc>
+                <a:spcPct val="115000"/>
+              </a:lnSpc>
+              <a:spcBef>
+                <a:spcPts val="0"/>
+              </a:spcBef>
+              <a:spcAft>
+                <a:spcPts val="0"/>
+              </a:spcAft>
+              <a:buSzPts val="1800"/>
+              <a:buNone/>
+            </a:pPr>
+            <a:r>
+              <a:rPr lang="en">
+                <a:solidFill>
+                  <a:schemeClr val="lt1"/>
+                </a:solidFill>
+              </a:rPr>
+              <a:t>COVID-19</a:t>
+            </a:r>
+            <a:endParaRPr>
+              <a:solidFill>
+                <a:schemeClr val="lt1"/>
+              </a:solidFill>
+            </a:endParaRPr>
+          </a:p>
+        </p:txBody>
+      </p:sp>
+      <p:sp>
+        <p:nvSpPr>
+          <p:cNvPr id="167" name="Google Shape;167;p7"/>
+          <p:cNvSpPr txBox="1"/>
+          <p:nvPr>
+            <p:ph idx="4294967295" type="body"/>
+          </p:nvPr>
+        </p:nvSpPr>
+        <p:spPr>
+          <a:xfrm>
+            <a:off x="5021216" y="1850300"/>
+            <a:ext cx="3360784" cy="2794800"/>
+          </a:xfrm>
+          <a:prstGeom prst="rect">
+            <a:avLst/>
+          </a:prstGeom>
+          <a:noFill/>
+          <a:ln>
+            <a:noFill/>
+          </a:ln>
+        </p:spPr>
+        <p:txBody>
+          <a:bodyPr anchorCtr="0" anchor="t" bIns="91425" lIns="91425" spcFirstLastPara="1" rIns="91425" wrap="square" tIns="91425">
+            <a:noAutofit/>
+          </a:bodyPr>
+          <a:lstStyle/>
+          <a:p>
+            <a:pPr indent="0" lvl="0" marL="0" rtl="0" algn="l">
+              <a:lnSpc>
+                <a:spcPct val="115000"/>
+              </a:lnSpc>
+              <a:spcBef>
+                <a:spcPts val="0"/>
+              </a:spcBef>
+              <a:spcAft>
+                <a:spcPts val="0"/>
+              </a:spcAft>
+              <a:buSzPts val="1800"/>
+              <a:buNone/>
+            </a:pPr>
+            <a:r>
+              <a:rPr lang="en" sz="1600"/>
+              <a:t>John Hopkins University dataset (available on Kaggle.com)</a:t>
+            </a:r>
+            <a:endParaRPr sz="1600"/>
+          </a:p>
+          <a:p>
+            <a:pPr indent="0" lvl="0" marL="0" rtl="0" algn="l">
+              <a:lnSpc>
+                <a:spcPct val="115000"/>
+              </a:lnSpc>
+              <a:spcBef>
+                <a:spcPts val="1600"/>
+              </a:spcBef>
+              <a:spcAft>
+                <a:spcPts val="0"/>
+              </a:spcAft>
+              <a:buSzPts val="1800"/>
+              <a:buNone/>
+            </a:pPr>
+            <a:r>
+              <a:rPr lang="en" sz="1600"/>
+              <a:t>3,000+ datapoints</a:t>
+            </a:r>
+            <a:endParaRPr sz="1600"/>
+          </a:p>
+          <a:p>
+            <a:pPr indent="-330200" lvl="0" marL="457200" rtl="0" algn="l">
+              <a:lnSpc>
+                <a:spcPct val="115000"/>
+              </a:lnSpc>
+              <a:spcBef>
+                <a:spcPts val="1600"/>
+              </a:spcBef>
+              <a:spcAft>
+                <a:spcPts val="0"/>
+              </a:spcAft>
+              <a:buSzPts val="1600"/>
+              <a:buChar char="●"/>
+            </a:pPr>
+            <a:r>
+              <a:rPr lang="en" sz="1600"/>
+              <a:t>County/State</a:t>
+            </a:r>
+            <a:endParaRPr sz="1600"/>
+          </a:p>
+          <a:p>
+            <a:pPr indent="-330200" lvl="0" marL="457200" rtl="0" algn="l">
+              <a:lnSpc>
+                <a:spcPct val="115000"/>
+              </a:lnSpc>
+              <a:spcBef>
+                <a:spcPts val="0"/>
+              </a:spcBef>
+              <a:spcAft>
+                <a:spcPts val="0"/>
+              </a:spcAft>
+              <a:buSzPts val="1600"/>
+              <a:buChar char="●"/>
+            </a:pPr>
+            <a:r>
+              <a:rPr lang="en" sz="1600"/>
+              <a:t>Daily confirmed cases</a:t>
+            </a:r>
+            <a:endParaRPr sz="1600"/>
+          </a:p>
+          <a:p>
+            <a:pPr indent="-330200" lvl="0" marL="457200" rtl="0" algn="l">
+              <a:lnSpc>
+                <a:spcPct val="115000"/>
+              </a:lnSpc>
+              <a:spcBef>
+                <a:spcPts val="0"/>
+              </a:spcBef>
+              <a:spcAft>
+                <a:spcPts val="0"/>
+              </a:spcAft>
+              <a:buSzPts val="1600"/>
+              <a:buChar char="●"/>
+            </a:pPr>
+            <a:r>
+              <a:rPr lang="en" sz="1600"/>
+              <a:t>1/22/20-12/7/20</a:t>
+            </a:r>
+            <a:endParaRPr sz="1600"/>
+          </a:p>
+        </p:txBody>
+      </p:sp>
+    </p:spTree>
+  </p:cSld>
+  <p:clrMapOvr>
+    <a:masterClrMapping/>
+  </p:clrMapOvr>
+</p:sld>
+</file>
+
+<file path=ppt/slides/slide13.xml><?xml version="1.0" encoding="utf-8"?>
+<p:sld xmlns:a="http://schemas.openxmlformats.org/drawingml/2006/main" xmlns:r="http://schemas.openxmlformats.org/officeDocument/2006/relationships" xmlns:mc="http://schemas.openxmlformats.org/markup-compatibility/2006" xmlns:mv="urn:schemas-microsoft-com:mac:vml" xmlns:p="http://schemas.openxmlformats.org/presentationml/2006/main" xmlns:c="http://schemas.openxmlformats.org/drawingml/2006/chart" xmlns:dgm="http://schemas.openxmlformats.org/drawingml/2006/diagram" xmlns:o="urn:schemas-microsoft-com:office:office" xmlns:v="urn:schemas-microsoft-com:vml" xmlns:pvml="urn:schemas-microsoft-com:office:powerpoint" xmlns:com="http://schemas.openxmlformats.org/drawingml/2006/compatibility" xmlns:p14="http://schemas.microsoft.com/office/powerpoint/2010/main" xmlns:p15="http://schemas.microsoft.com/office/powerpoint/2012/main" xmlns:ahyp="http://schemas.microsoft.com/office/drawing/2018/hyperlinkcolor">
+  <p:cSld>
+    <p:spTree>
+      <p:nvGrpSpPr>
+        <p:cNvPr id="171" name="Shape 171"/>
+        <p:cNvGrpSpPr/>
+        <p:nvPr/>
+      </p:nvGrpSpPr>
+      <p:grpSpPr>
+        <a:xfrm>
+          <a:off x="0" y="0"/>
+          <a:ext cx="0" cy="0"/>
+          <a:chOff x="0" y="0"/>
+          <a:chExt cx="0" cy="0"/>
+        </a:xfrm>
+      </p:grpSpPr>
+      <p:sp>
+        <p:nvSpPr>
+          <p:cNvPr id="172" name="Google Shape;172;p3"/>
+          <p:cNvSpPr txBox="1"/>
+          <p:nvPr>
+            <p:ph type="title"/>
+          </p:nvPr>
+        </p:nvSpPr>
+        <p:spPr>
+          <a:xfrm>
+            <a:off x="311700" y="445025"/>
+            <a:ext cx="8520600" cy="572700"/>
+          </a:xfrm>
+          <a:prstGeom prst="rect">
+            <a:avLst/>
+          </a:prstGeom>
+          <a:noFill/>
+          <a:ln>
+            <a:noFill/>
+          </a:ln>
+        </p:spPr>
+        <p:txBody>
+          <a:bodyPr anchorCtr="0" anchor="t" bIns="91425" lIns="91425" spcFirstLastPara="1" rIns="91425" wrap="square" tIns="91425">
+            <a:noAutofit/>
+          </a:bodyPr>
+          <a:lstStyle/>
+          <a:p>
+            <a:pPr indent="0" lvl="0" marL="0" rtl="0" algn="l">
+              <a:lnSpc>
+                <a:spcPct val="100000"/>
+              </a:lnSpc>
+              <a:spcBef>
+                <a:spcPts val="0"/>
+              </a:spcBef>
+              <a:spcAft>
+                <a:spcPts val="0"/>
+              </a:spcAft>
+              <a:buSzPts val="3000"/>
+              <a:buNone/>
+            </a:pPr>
+            <a:r>
+              <a:rPr lang="en"/>
+              <a:t>Mission and Goals</a:t>
+            </a:r>
+            <a:endParaRPr/>
+          </a:p>
+        </p:txBody>
+      </p:sp>
+      <p:sp>
+        <p:nvSpPr>
+          <p:cNvPr id="173" name="Google Shape;173;p3"/>
+          <p:cNvSpPr txBox="1"/>
+          <p:nvPr>
+            <p:ph idx="1" type="body"/>
+          </p:nvPr>
+        </p:nvSpPr>
+        <p:spPr>
+          <a:xfrm>
+            <a:off x="311700" y="1152475"/>
+            <a:ext cx="8520600" cy="3416400"/>
+          </a:xfrm>
+          <a:prstGeom prst="rect">
+            <a:avLst/>
+          </a:prstGeom>
+          <a:noFill/>
+          <a:ln>
+            <a:noFill/>
+          </a:ln>
+        </p:spPr>
+        <p:txBody>
+          <a:bodyPr anchorCtr="0" anchor="t" bIns="91425" lIns="91425" spcFirstLastPara="1" rIns="91425" wrap="square" tIns="91425">
+            <a:noAutofit/>
+          </a:bodyPr>
+          <a:lstStyle/>
+          <a:p>
+            <a:pPr indent="0" lvl="0" marL="0" rtl="0" algn="l">
+              <a:lnSpc>
+                <a:spcPct val="115000"/>
+              </a:lnSpc>
+              <a:spcBef>
+                <a:spcPts val="0"/>
+              </a:spcBef>
+              <a:spcAft>
+                <a:spcPts val="0"/>
+              </a:spcAft>
+              <a:buNone/>
+            </a:pPr>
+            <a:r>
+              <a:t/>
+            </a:r>
+            <a:endParaRPr/>
+          </a:p>
+          <a:p>
+            <a:pPr indent="-342900" lvl="0" marL="457200" rtl="0" algn="l">
+              <a:lnSpc>
+                <a:spcPct val="115000"/>
+              </a:lnSpc>
+              <a:spcBef>
+                <a:spcPts val="0"/>
+              </a:spcBef>
+              <a:spcAft>
+                <a:spcPts val="0"/>
+              </a:spcAft>
+              <a:buSzPts val="1800"/>
+              <a:buChar char="●"/>
+            </a:pPr>
+            <a:r>
+              <a:rPr lang="en"/>
+              <a:t>The goal of this project is to create a machine learning model to predict housing prices. We also have a secondary goal, we want to see how or if Covid-19 has affected housing prices. </a:t>
+            </a:r>
+            <a:endParaRPr/>
+          </a:p>
+          <a:p>
+            <a:pPr indent="-342900" lvl="0" marL="457200" rtl="0" algn="l">
+              <a:lnSpc>
+                <a:spcPct val="115000"/>
+              </a:lnSpc>
+              <a:spcBef>
+                <a:spcPts val="0"/>
+              </a:spcBef>
+              <a:spcAft>
+                <a:spcPts val="0"/>
+              </a:spcAft>
+              <a:buSzPts val="1800"/>
+              <a:buChar char="●"/>
+            </a:pPr>
+            <a:r>
+              <a:rPr lang="en"/>
+              <a:t>Questions we hope to answer:</a:t>
+            </a:r>
+            <a:endParaRPr/>
+          </a:p>
+          <a:p>
+            <a:pPr indent="-342900" lvl="0" marL="457200" rtl="0" algn="l">
+              <a:lnSpc>
+                <a:spcPct val="115000"/>
+              </a:lnSpc>
+              <a:spcBef>
+                <a:spcPts val="0"/>
+              </a:spcBef>
+              <a:spcAft>
+                <a:spcPts val="0"/>
+              </a:spcAft>
+              <a:buSzPts val="1800"/>
+              <a:buChar char="-"/>
+            </a:pPr>
+            <a:r>
+              <a:rPr lang="en"/>
+              <a:t>Did Covid-19 cause prices to go up or down?</a:t>
+            </a:r>
+            <a:endParaRPr/>
+          </a:p>
+          <a:p>
+            <a:pPr indent="-342900" lvl="0" marL="457200" rtl="0" algn="l">
+              <a:lnSpc>
+                <a:spcPct val="115000"/>
+              </a:lnSpc>
+              <a:spcBef>
+                <a:spcPts val="0"/>
+              </a:spcBef>
+              <a:spcAft>
+                <a:spcPts val="0"/>
+              </a:spcAft>
+              <a:buSzPts val="1800"/>
+              <a:buChar char="-"/>
+            </a:pPr>
+            <a:r>
+              <a:rPr lang="en"/>
+              <a:t>Did the amount of cases in the area affect the prices?</a:t>
+            </a:r>
+            <a:endParaRPr/>
+          </a:p>
+          <a:p>
+            <a:pPr indent="-342900" lvl="0" marL="457200" rtl="0" algn="l">
+              <a:lnSpc>
+                <a:spcPct val="115000"/>
+              </a:lnSpc>
+              <a:spcBef>
+                <a:spcPts val="0"/>
+              </a:spcBef>
+              <a:spcAft>
+                <a:spcPts val="0"/>
+              </a:spcAft>
+              <a:buSzPts val="1800"/>
+              <a:buChar char="-"/>
+            </a:pPr>
+            <a:r>
+              <a:rPr lang="en"/>
+              <a:t>Were there any unusual trends in the data leading up to 2020?</a:t>
+            </a:r>
+            <a:endParaRPr/>
+          </a:p>
+        </p:txBody>
+      </p:sp>
+    </p:spTree>
+  </p:cSld>
+  <p:clrMapOvr>
+    <a:masterClrMapping/>
+  </p:clrMapOvr>
+</p:sld>
+</file>
+
+<file path=ppt/slides/slide14.xml><?xml version="1.0" encoding="utf-8"?>
+<p:sld xmlns:a="http://schemas.openxmlformats.org/drawingml/2006/main" xmlns:r="http://schemas.openxmlformats.org/officeDocument/2006/relationships" xmlns:mc="http://schemas.openxmlformats.org/markup-compatibility/2006" xmlns:mv="urn:schemas-microsoft-com:mac:vml" xmlns:p="http://schemas.openxmlformats.org/presentationml/2006/main" xmlns:c="http://schemas.openxmlformats.org/drawingml/2006/chart" xmlns:dgm="http://schemas.openxmlformats.org/drawingml/2006/diagram" xmlns:o="urn:schemas-microsoft-com:office:office" xmlns:v="urn:schemas-microsoft-com:vml" xmlns:pvml="urn:schemas-microsoft-com:office:powerpoint" xmlns:com="http://schemas.openxmlformats.org/drawingml/2006/compatibility" xmlns:p14="http://schemas.microsoft.com/office/powerpoint/2010/main" xmlns:p15="http://schemas.microsoft.com/office/powerpoint/2012/main" xmlns:ahyp="http://schemas.microsoft.com/office/drawing/2018/hyperlinkcolor">
+  <p:cSld>
+    <p:spTree>
+      <p:nvGrpSpPr>
+        <p:cNvPr id="177" name="Shape 177"/>
+        <p:cNvGrpSpPr/>
+        <p:nvPr/>
+      </p:nvGrpSpPr>
+      <p:grpSpPr>
+        <a:xfrm>
+          <a:off x="0" y="0"/>
+          <a:ext cx="0" cy="0"/>
+          <a:chOff x="0" y="0"/>
+          <a:chExt cx="0" cy="0"/>
+        </a:xfrm>
+      </p:grpSpPr>
+      <p:sp>
+        <p:nvSpPr>
+          <p:cNvPr id="178" name="Google Shape;178;p8"/>
+          <p:cNvSpPr txBox="1"/>
+          <p:nvPr>
+            <p:ph type="title"/>
+          </p:nvPr>
+        </p:nvSpPr>
+        <p:spPr>
+          <a:xfrm>
+            <a:off x="265500" y="1733850"/>
+            <a:ext cx="4045200" cy="1675800"/>
+          </a:xfrm>
+          <a:prstGeom prst="rect">
+            <a:avLst/>
+          </a:prstGeom>
+          <a:noFill/>
+          <a:ln>
+            <a:noFill/>
+          </a:ln>
+        </p:spPr>
+        <p:txBody>
+          <a:bodyPr anchorCtr="0" anchor="ctr" bIns="91425" lIns="91425" spcFirstLastPara="1" rIns="91425" wrap="square" tIns="91425">
+            <a:noAutofit/>
+          </a:bodyPr>
+          <a:lstStyle/>
+          <a:p>
+            <a:pPr indent="0" lvl="0" marL="0" rtl="0" algn="ctr">
+              <a:lnSpc>
+                <a:spcPct val="100000"/>
+              </a:lnSpc>
+              <a:spcBef>
+                <a:spcPts val="0"/>
+              </a:spcBef>
+              <a:spcAft>
+                <a:spcPts val="0"/>
+              </a:spcAft>
+              <a:buSzPts val="4200"/>
+              <a:buNone/>
+            </a:pPr>
+            <a:r>
+              <a:rPr lang="en"/>
+              <a:t>Tools</a:t>
+            </a:r>
+            <a:endParaRPr/>
+          </a:p>
+        </p:txBody>
+      </p:sp>
+      <p:sp>
+        <p:nvSpPr>
+          <p:cNvPr id="179" name="Google Shape;179;p8"/>
+          <p:cNvSpPr txBox="1"/>
+          <p:nvPr>
+            <p:ph idx="2" type="body"/>
+          </p:nvPr>
+        </p:nvSpPr>
+        <p:spPr>
+          <a:xfrm>
+            <a:off x="4939500" y="724200"/>
+            <a:ext cx="3837000" cy="3695100"/>
+          </a:xfrm>
+          <a:prstGeom prst="rect">
+            <a:avLst/>
+          </a:prstGeom>
+          <a:noFill/>
+          <a:ln>
+            <a:noFill/>
+          </a:ln>
+        </p:spPr>
+        <p:txBody>
+          <a:bodyPr anchorCtr="0" anchor="ctr" bIns="91425" lIns="91425" spcFirstLastPara="1" rIns="91425" wrap="square" tIns="91425">
+            <a:noAutofit/>
+          </a:bodyPr>
+          <a:lstStyle/>
+          <a:p>
+            <a:pPr indent="-342900" lvl="0" marL="457200" rtl="0" algn="l">
+              <a:lnSpc>
+                <a:spcPct val="115000"/>
+              </a:lnSpc>
+              <a:spcBef>
+                <a:spcPts val="0"/>
+              </a:spcBef>
+              <a:spcAft>
+                <a:spcPts val="0"/>
+              </a:spcAft>
+              <a:buSzPts val="1800"/>
+              <a:buChar char="●"/>
+            </a:pPr>
+            <a:r>
+              <a:rPr lang="en"/>
+              <a:t>Pandas - ETL</a:t>
+            </a:r>
+            <a:endParaRPr/>
+          </a:p>
+          <a:p>
+            <a:pPr indent="-342900" lvl="0" marL="457200" rtl="0" algn="l">
+              <a:lnSpc>
+                <a:spcPct val="115000"/>
+              </a:lnSpc>
+              <a:spcBef>
+                <a:spcPts val="0"/>
+              </a:spcBef>
+              <a:spcAft>
+                <a:spcPts val="0"/>
+              </a:spcAft>
+              <a:buSzPts val="1800"/>
+              <a:buChar char="●"/>
+            </a:pPr>
+            <a:r>
+              <a:rPr lang="en"/>
+              <a:t>Database(s) - SQL</a:t>
+            </a:r>
+            <a:endParaRPr/>
+          </a:p>
+          <a:p>
+            <a:pPr indent="-342900" lvl="0" marL="457200" rtl="0" algn="l">
+              <a:lnSpc>
+                <a:spcPct val="115000"/>
+              </a:lnSpc>
+              <a:spcBef>
+                <a:spcPts val="0"/>
+              </a:spcBef>
+              <a:spcAft>
+                <a:spcPts val="0"/>
+              </a:spcAft>
+              <a:buSzPts val="1800"/>
+              <a:buChar char="●"/>
+            </a:pPr>
+            <a:r>
+              <a:rPr lang="en"/>
+              <a:t>Machine Learning</a:t>
+            </a:r>
+            <a:endParaRPr/>
+          </a:p>
+          <a:p>
+            <a:pPr indent="-342900" lvl="0" marL="457200" rtl="0" algn="l">
+              <a:lnSpc>
+                <a:spcPct val="115000"/>
+              </a:lnSpc>
+              <a:spcBef>
+                <a:spcPts val="0"/>
+              </a:spcBef>
+              <a:spcAft>
+                <a:spcPts val="0"/>
+              </a:spcAft>
+              <a:buSzPts val="1800"/>
+              <a:buChar char="●"/>
+            </a:pPr>
+            <a:r>
+              <a:rPr lang="en"/>
+              <a:t>Linear Regression</a:t>
+            </a:r>
+            <a:endParaRPr/>
+          </a:p>
+          <a:p>
+            <a:pPr indent="-342900" lvl="0" marL="457200" rtl="0" algn="l">
+              <a:lnSpc>
+                <a:spcPct val="115000"/>
+              </a:lnSpc>
+              <a:spcBef>
+                <a:spcPts val="0"/>
+              </a:spcBef>
+              <a:spcAft>
+                <a:spcPts val="0"/>
+              </a:spcAft>
+              <a:buSzPts val="1800"/>
+              <a:buChar char="●"/>
+            </a:pPr>
+            <a:r>
+              <a:rPr lang="en"/>
+              <a:t>Tableau/Google Slides - visualizations</a:t>
+            </a:r>
+            <a:endParaRPr/>
+          </a:p>
+        </p:txBody>
+      </p:sp>
+    </p:spTree>
+  </p:cSld>
+  <p:clrMapOvr>
+    <a:masterClrMapping/>
+  </p:clrMapOvr>
+</p:sld>
+</file>
+
+<file path=ppt/slides/slide15.xml><?xml version="1.0" encoding="utf-8"?>
+<p:sld xmlns:a="http://schemas.openxmlformats.org/drawingml/2006/main" xmlns:r="http://schemas.openxmlformats.org/officeDocument/2006/relationships" xmlns:mc="http://schemas.openxmlformats.org/markup-compatibility/2006" xmlns:mv="urn:schemas-microsoft-com:mac:vml" xmlns:p="http://schemas.openxmlformats.org/presentationml/2006/main" xmlns:c="http://schemas.openxmlformats.org/drawingml/2006/chart" xmlns:dgm="http://schemas.openxmlformats.org/drawingml/2006/diagram" xmlns:o="urn:schemas-microsoft-com:office:office" xmlns:v="urn:schemas-microsoft-com:vml" xmlns:pvml="urn:schemas-microsoft-com:office:powerpoint" xmlns:com="http://schemas.openxmlformats.org/drawingml/2006/compatibility" xmlns:p14="http://schemas.microsoft.com/office/powerpoint/2010/main" xmlns:p15="http://schemas.microsoft.com/office/powerpoint/2012/main" xmlns:ahyp="http://schemas.microsoft.com/office/drawing/2018/hyperlinkcolor">
+  <p:cSld>
+    <p:spTree>
+      <p:nvGrpSpPr>
+        <p:cNvPr id="183" name="Shape 183"/>
+        <p:cNvGrpSpPr/>
+        <p:nvPr/>
+      </p:nvGrpSpPr>
+      <p:grpSpPr>
+        <a:xfrm>
+          <a:off x="0" y="0"/>
+          <a:ext cx="0" cy="0"/>
+          <a:chOff x="0" y="0"/>
+          <a:chExt cx="0" cy="0"/>
+        </a:xfrm>
+      </p:grpSpPr>
+      <p:sp>
+        <p:nvSpPr>
+          <p:cNvPr id="184" name="Google Shape;184;p9"/>
+          <p:cNvSpPr txBox="1"/>
+          <p:nvPr>
+            <p:ph type="title"/>
+          </p:nvPr>
+        </p:nvSpPr>
+        <p:spPr>
+          <a:xfrm>
+            <a:off x="311700" y="445025"/>
+            <a:ext cx="8520600" cy="572700"/>
+          </a:xfrm>
+          <a:prstGeom prst="rect">
+            <a:avLst/>
+          </a:prstGeom>
+          <a:noFill/>
+          <a:ln>
+            <a:noFill/>
+          </a:ln>
+        </p:spPr>
+        <p:txBody>
+          <a:bodyPr anchorCtr="0" anchor="t" bIns="91425" lIns="91425" spcFirstLastPara="1" rIns="91425" wrap="square" tIns="91425">
+            <a:noAutofit/>
+          </a:bodyPr>
+          <a:lstStyle/>
+          <a:p>
+            <a:pPr indent="0" lvl="0" marL="0" rtl="0" algn="l">
+              <a:lnSpc>
+                <a:spcPct val="100000"/>
+              </a:lnSpc>
+              <a:spcBef>
+                <a:spcPts val="0"/>
+              </a:spcBef>
+              <a:spcAft>
+                <a:spcPts val="0"/>
+              </a:spcAft>
+              <a:buSzPts val="3000"/>
+              <a:buNone/>
+            </a:pPr>
+            <a:r>
+              <a:rPr lang="en"/>
               <a:t>Data Preparation</a:t>
             </a:r>
             <a:endParaRPr/>
@@ -10024,7 +12418,7 @@
       </p:sp>
       <p:sp>
         <p:nvSpPr>
-          <p:cNvPr id="155" name="Google Shape;155;p9"/>
+          <p:cNvPr id="185" name="Google Shape;185;p9"/>
           <p:cNvSpPr txBox="1"/>
           <p:nvPr>
             <p:ph idx="4294967295" type="body"/>
@@ -10080,7 +12474,7 @@
       </p:sp>
       <p:sp>
         <p:nvSpPr>
-          <p:cNvPr id="156" name="Google Shape;156;p9"/>
+          <p:cNvPr id="186" name="Google Shape;186;p9"/>
           <p:cNvSpPr txBox="1"/>
           <p:nvPr>
             <p:ph idx="4294967295" type="body"/>
@@ -10136,14 +12530,14 @@
       </p:sp>
       <p:sp>
         <p:nvSpPr>
-          <p:cNvPr id="157" name="Google Shape;157;p9"/>
+          <p:cNvPr id="187" name="Google Shape;187;p9"/>
           <p:cNvSpPr txBox="1"/>
           <p:nvPr/>
         </p:nvSpPr>
         <p:spPr>
           <a:xfrm>
-            <a:off x="533400" y="1223012"/>
-            <a:ext cx="4267200" cy="1015663"/>
+            <a:off x="533400" y="1222976"/>
+            <a:ext cx="4267200" cy="3060900"/>
           </a:xfrm>
           <a:prstGeom prst="rect">
             <a:avLst/>
@@ -10186,9 +12580,39 @@
                 <a:cs typeface="Arial"/>
                 <a:sym typeface="Arial"/>
               </a:rPr>
-              <a:t>Selection</a:t>
+              <a:t>Selection - What kind of data we chose?</a:t>
             </a:r>
-            <a:endParaRPr/>
+            <a:endParaRPr b="0" i="0" sz="2000" u="none" cap="none" strike="noStrike">
+              <a:solidFill>
+                <a:schemeClr val="dk1"/>
+              </a:solidFill>
+              <a:latin typeface="Arial"/>
+              <a:ea typeface="Arial"/>
+              <a:cs typeface="Arial"/>
+              <a:sym typeface="Arial"/>
+            </a:endParaRPr>
+          </a:p>
+          <a:p>
+            <a:pPr indent="0" lvl="0" marL="457200" marR="0" rtl="0" algn="l">
+              <a:lnSpc>
+                <a:spcPct val="100000"/>
+              </a:lnSpc>
+              <a:spcBef>
+                <a:spcPts val="0"/>
+              </a:spcBef>
+              <a:spcAft>
+                <a:spcPts val="0"/>
+              </a:spcAft>
+              <a:buNone/>
+            </a:pPr>
+            <a:r>
+              <a:t/>
+            </a:r>
+            <a:endParaRPr sz="2000">
+              <a:solidFill>
+                <a:schemeClr val="dk1"/>
+              </a:solidFill>
+            </a:endParaRPr>
           </a:p>
           <a:p>
             <a:pPr indent="-285750" lvl="0" marL="285750" marR="0" rtl="0" algn="l">
@@ -10218,9 +12642,39 @@
                 <a:cs typeface="Arial"/>
                 <a:sym typeface="Arial"/>
               </a:rPr>
-              <a:t>Transformation</a:t>
+              <a:t>Transformation - What did it need to look like?</a:t>
             </a:r>
-            <a:endParaRPr/>
+            <a:endParaRPr b="0" i="0" sz="2000" u="none" cap="none" strike="noStrike">
+              <a:solidFill>
+                <a:schemeClr val="dk1"/>
+              </a:solidFill>
+              <a:latin typeface="Arial"/>
+              <a:ea typeface="Arial"/>
+              <a:cs typeface="Arial"/>
+              <a:sym typeface="Arial"/>
+            </a:endParaRPr>
+          </a:p>
+          <a:p>
+            <a:pPr indent="0" lvl="0" marL="457200" marR="0" rtl="0" algn="l">
+              <a:lnSpc>
+                <a:spcPct val="100000"/>
+              </a:lnSpc>
+              <a:spcBef>
+                <a:spcPts val="0"/>
+              </a:spcBef>
+              <a:spcAft>
+                <a:spcPts val="0"/>
+              </a:spcAft>
+              <a:buNone/>
+            </a:pPr>
+            <a:r>
+              <a:t/>
+            </a:r>
+            <a:endParaRPr sz="2000">
+              <a:solidFill>
+                <a:schemeClr val="dk1"/>
+              </a:solidFill>
+            </a:endParaRPr>
           </a:p>
           <a:p>
             <a:pPr indent="-285750" lvl="0" marL="285750" marR="0" rtl="0" algn="l">
@@ -10250,9 +12704,39 @@
                 <a:cs typeface="Arial"/>
                 <a:sym typeface="Arial"/>
               </a:rPr>
-              <a:t>Database</a:t>
+              <a:t>Database - What was the best database to use?</a:t>
             </a:r>
-            <a:endParaRPr/>
+            <a:endParaRPr b="0" i="0" sz="2000" u="none" cap="none" strike="noStrike">
+              <a:solidFill>
+                <a:schemeClr val="dk1"/>
+              </a:solidFill>
+              <a:latin typeface="Arial"/>
+              <a:ea typeface="Arial"/>
+              <a:cs typeface="Arial"/>
+              <a:sym typeface="Arial"/>
+            </a:endParaRPr>
+          </a:p>
+          <a:p>
+            <a:pPr indent="0" lvl="0" marL="0" marR="0" rtl="0" algn="l">
+              <a:lnSpc>
+                <a:spcPct val="100000"/>
+              </a:lnSpc>
+              <a:spcBef>
+                <a:spcPts val="0"/>
+              </a:spcBef>
+              <a:spcAft>
+                <a:spcPts val="0"/>
+              </a:spcAft>
+              <a:buNone/>
+            </a:pPr>
+            <a:r>
+              <a:t/>
+            </a:r>
+            <a:endParaRPr sz="2000">
+              <a:solidFill>
+                <a:schemeClr val="dk1"/>
+              </a:solidFill>
+            </a:endParaRPr>
           </a:p>
         </p:txBody>
       </p:sp>
@@ -10264,12 +12748,12 @@
 </p:sld>
 </file>
 
-<file path=ppt/slides/slide11.xml><?xml version="1.0" encoding="utf-8"?>
+<file path=ppt/slides/slide16.xml><?xml version="1.0" encoding="utf-8"?>
 <p:sld xmlns:a="http://schemas.openxmlformats.org/drawingml/2006/main" xmlns:r="http://schemas.openxmlformats.org/officeDocument/2006/relationships" xmlns:mc="http://schemas.openxmlformats.org/markup-compatibility/2006" xmlns:mv="urn:schemas-microsoft-com:mac:vml" xmlns:p="http://schemas.openxmlformats.org/presentationml/2006/main" xmlns:c="http://schemas.openxmlformats.org/drawingml/2006/chart" xmlns:dgm="http://schemas.openxmlformats.org/drawingml/2006/diagram" xmlns:o="urn:schemas-microsoft-com:office:office" xmlns:v="urn:schemas-microsoft-com:vml" xmlns:pvml="urn:schemas-microsoft-com:office:powerpoint" xmlns:com="http://schemas.openxmlformats.org/drawingml/2006/compatibility" xmlns:p14="http://schemas.microsoft.com/office/powerpoint/2010/main" xmlns:p15="http://schemas.microsoft.com/office/powerpoint/2012/main" xmlns:ahyp="http://schemas.microsoft.com/office/drawing/2018/hyperlinkcolor">
   <p:cSld>
     <p:spTree>
       <p:nvGrpSpPr>
-        <p:cNvPr id="161" name="Shape 161"/>
+        <p:cNvPr id="191" name="Shape 191"/>
         <p:cNvGrpSpPr/>
         <p:nvPr/>
       </p:nvGrpSpPr>
@@ -10283,7 +12767,7 @@
       </p:grpSpPr>
       <p:sp>
         <p:nvSpPr>
-          <p:cNvPr id="162" name="Google Shape;162;p10"/>
+          <p:cNvPr id="192" name="Google Shape;192;p10"/>
           <p:cNvSpPr txBox="1"/>
           <p:nvPr>
             <p:ph type="title"/>
@@ -10331,7 +12815,7 @@
       </p:sp>
       <p:sp>
         <p:nvSpPr>
-          <p:cNvPr id="163" name="Google Shape;163;p10"/>
+          <p:cNvPr id="193" name="Google Shape;193;p10"/>
           <p:cNvSpPr txBox="1"/>
           <p:nvPr>
             <p:ph idx="4294967295" type="body"/>
@@ -10387,7 +12871,7 @@
       </p:sp>
       <p:sp>
         <p:nvSpPr>
-          <p:cNvPr id="164" name="Google Shape;164;p10"/>
+          <p:cNvPr id="194" name="Google Shape;194;p10"/>
           <p:cNvSpPr txBox="1"/>
           <p:nvPr>
             <p:ph idx="4294967295" type="body"/>
@@ -10443,14 +12927,14 @@
       </p:sp>
       <p:sp>
         <p:nvSpPr>
-          <p:cNvPr id="165" name="Google Shape;165;p10"/>
+          <p:cNvPr id="195" name="Google Shape;195;p10"/>
           <p:cNvSpPr txBox="1"/>
           <p:nvPr/>
         </p:nvSpPr>
         <p:spPr>
           <a:xfrm>
-            <a:off x="1295400" y="1736200"/>
-            <a:ext cx="4267200" cy="523220"/>
+            <a:off x="1295400" y="1017725"/>
+            <a:ext cx="4267200" cy="3628800"/>
           </a:xfrm>
           <a:prstGeom prst="rect">
             <a:avLst/>
@@ -10484,6 +12968,113 @@
               <a:buChar char="•"/>
             </a:pPr>
             <a:r>
+              <a:rPr lang="en">
+                <a:solidFill>
+                  <a:schemeClr val="dk1"/>
+                </a:solidFill>
+              </a:rPr>
+              <a:t>We chose to create a Linear Regression machine learning model.</a:t>
+            </a:r>
+            <a:endParaRPr>
+              <a:solidFill>
+                <a:schemeClr val="dk1"/>
+              </a:solidFill>
+            </a:endParaRPr>
+          </a:p>
+          <a:p>
+            <a:pPr indent="0" lvl="0" marL="457200" marR="0" rtl="0" algn="l">
+              <a:lnSpc>
+                <a:spcPct val="100000"/>
+              </a:lnSpc>
+              <a:spcBef>
+                <a:spcPts val="0"/>
+              </a:spcBef>
+              <a:spcAft>
+                <a:spcPts val="0"/>
+              </a:spcAft>
+              <a:buNone/>
+            </a:pPr>
+            <a:r>
+              <a:t/>
+            </a:r>
+            <a:endParaRPr>
+              <a:solidFill>
+                <a:schemeClr val="dk1"/>
+              </a:solidFill>
+            </a:endParaRPr>
+          </a:p>
+          <a:p>
+            <a:pPr indent="-285750" lvl="0" marL="285750" marR="0" rtl="0" algn="l">
+              <a:lnSpc>
+                <a:spcPct val="100000"/>
+              </a:lnSpc>
+              <a:spcBef>
+                <a:spcPts val="0"/>
+              </a:spcBef>
+              <a:spcAft>
+                <a:spcPts val="0"/>
+              </a:spcAft>
+              <a:buClr>
+                <a:schemeClr val="dk1"/>
+              </a:buClr>
+              <a:buSzPts val="1400"/>
+              <a:buChar char="•"/>
+            </a:pPr>
+            <a:r>
+              <a:rPr lang="en">
+                <a:solidFill>
+                  <a:schemeClr val="dk1"/>
+                </a:solidFill>
+              </a:rPr>
+              <a:t>We chose linear regression because its used to predict values within a continuous range, like price.</a:t>
+            </a:r>
+            <a:endParaRPr>
+              <a:solidFill>
+                <a:schemeClr val="dk1"/>
+              </a:solidFill>
+            </a:endParaRPr>
+          </a:p>
+          <a:p>
+            <a:pPr indent="0" lvl="0" marL="457200" marR="0" rtl="0" algn="l">
+              <a:lnSpc>
+                <a:spcPct val="100000"/>
+              </a:lnSpc>
+              <a:spcBef>
+                <a:spcPts val="0"/>
+              </a:spcBef>
+              <a:spcAft>
+                <a:spcPts val="0"/>
+              </a:spcAft>
+              <a:buNone/>
+            </a:pPr>
+            <a:r>
+              <a:t/>
+            </a:r>
+            <a:endParaRPr>
+              <a:solidFill>
+                <a:schemeClr val="dk1"/>
+              </a:solidFill>
+            </a:endParaRPr>
+          </a:p>
+          <a:p>
+            <a:pPr indent="-285750" lvl="0" marL="285750" marR="0" rtl="0" algn="l">
+              <a:lnSpc>
+                <a:spcPct val="100000"/>
+              </a:lnSpc>
+              <a:spcBef>
+                <a:spcPts val="0"/>
+              </a:spcBef>
+              <a:spcAft>
+                <a:spcPts val="0"/>
+              </a:spcAft>
+              <a:buClr>
+                <a:srgbClr val="000000"/>
+              </a:buClr>
+              <a:buSzPts val="1400"/>
+              <a:buFont typeface="Arial"/>
+              <a:buChar char="•"/>
+            </a:pPr>
+            <a:r>
               <a:rPr b="0" i="0" lang="en" sz="1400" u="none" cap="none" strike="noStrike">
                 <a:solidFill>
                   <a:schemeClr val="dk1"/>
@@ -10493,9 +13084,143 @@
                 <a:cs typeface="Arial"/>
                 <a:sym typeface="Arial"/>
               </a:rPr>
-              <a:t>Predictive Modeling – 2020 “should have been” vs. 2020 actual</a:t>
+              <a:t>Predictive Modeling – </a:t>
             </a:r>
-            <a:endParaRPr/>
+            <a:r>
+              <a:rPr lang="en">
+                <a:solidFill>
+                  <a:schemeClr val="dk1"/>
+                </a:solidFill>
+              </a:rPr>
+              <a:t>We are creating two machine learning models.</a:t>
+            </a:r>
+            <a:endParaRPr>
+              <a:solidFill>
+                <a:schemeClr val="dk1"/>
+              </a:solidFill>
+            </a:endParaRPr>
+          </a:p>
+          <a:p>
+            <a:pPr indent="0" lvl="0" marL="457200" marR="0" rtl="0" algn="l">
+              <a:lnSpc>
+                <a:spcPct val="100000"/>
+              </a:lnSpc>
+              <a:spcBef>
+                <a:spcPts val="0"/>
+              </a:spcBef>
+              <a:spcAft>
+                <a:spcPts val="0"/>
+              </a:spcAft>
+              <a:buNone/>
+            </a:pPr>
+            <a:r>
+              <a:t/>
+            </a:r>
+            <a:endParaRPr>
+              <a:solidFill>
+                <a:schemeClr val="dk1"/>
+              </a:solidFill>
+            </a:endParaRPr>
+          </a:p>
+          <a:p>
+            <a:pPr indent="-285750" lvl="0" marL="285750" marR="0" rtl="0" algn="l">
+              <a:lnSpc>
+                <a:spcPct val="100000"/>
+              </a:lnSpc>
+              <a:spcBef>
+                <a:spcPts val="0"/>
+              </a:spcBef>
+              <a:spcAft>
+                <a:spcPts val="0"/>
+              </a:spcAft>
+              <a:buClr>
+                <a:schemeClr val="dk1"/>
+              </a:buClr>
+              <a:buSzPts val="1400"/>
+              <a:buChar char="•"/>
+            </a:pPr>
+            <a:r>
+              <a:rPr lang="en">
+                <a:solidFill>
+                  <a:schemeClr val="dk1"/>
+                </a:solidFill>
+              </a:rPr>
+              <a:t>One model will predict what 2020 prices should have been. </a:t>
+            </a:r>
+            <a:endParaRPr>
+              <a:solidFill>
+                <a:schemeClr val="dk1"/>
+              </a:solidFill>
+            </a:endParaRPr>
+          </a:p>
+          <a:p>
+            <a:pPr indent="0" lvl="0" marL="457200" marR="0" rtl="0" algn="l">
+              <a:lnSpc>
+                <a:spcPct val="100000"/>
+              </a:lnSpc>
+              <a:spcBef>
+                <a:spcPts val="0"/>
+              </a:spcBef>
+              <a:spcAft>
+                <a:spcPts val="0"/>
+              </a:spcAft>
+              <a:buNone/>
+            </a:pPr>
+            <a:r>
+              <a:t/>
+            </a:r>
+            <a:endParaRPr>
+              <a:solidFill>
+                <a:schemeClr val="dk1"/>
+              </a:solidFill>
+            </a:endParaRPr>
+          </a:p>
+          <a:p>
+            <a:pPr indent="-285750" lvl="0" marL="285750" marR="0" rtl="0" algn="l">
+              <a:lnSpc>
+                <a:spcPct val="100000"/>
+              </a:lnSpc>
+              <a:spcBef>
+                <a:spcPts val="0"/>
+              </a:spcBef>
+              <a:spcAft>
+                <a:spcPts val="0"/>
+              </a:spcAft>
+              <a:buClr>
+                <a:schemeClr val="dk1"/>
+              </a:buClr>
+              <a:buSzPts val="1400"/>
+              <a:buChar char="•"/>
+            </a:pPr>
+            <a:r>
+              <a:rPr lang="en">
+                <a:solidFill>
+                  <a:schemeClr val="dk1"/>
+                </a:solidFill>
+              </a:rPr>
+              <a:t>The second model </a:t>
+            </a:r>
+            <a:r>
+              <a:rPr lang="en">
+                <a:solidFill>
+                  <a:schemeClr val="dk1"/>
+                </a:solidFill>
+              </a:rPr>
+              <a:t>will</a:t>
+            </a:r>
+            <a:r>
+              <a:rPr lang="en">
+                <a:solidFill>
+                  <a:schemeClr val="dk1"/>
+                </a:solidFill>
+              </a:rPr>
+              <a:t> include the actual 2020 data and examine how it affected the market. </a:t>
+            </a:r>
+            <a:endParaRPr>
+              <a:solidFill>
+                <a:schemeClr val="dk1"/>
+              </a:solidFill>
+            </a:endParaRPr>
           </a:p>
         </p:txBody>
       </p:sp>
@@ -10507,12 +13232,12 @@
 </p:sld>
 </file>
 
-<file path=ppt/slides/slide12.xml><?xml version="1.0" encoding="utf-8"?>
+<file path=ppt/slides/slide17.xml><?xml version="1.0" encoding="utf-8"?>
 <p:sld xmlns:a="http://schemas.openxmlformats.org/drawingml/2006/main" xmlns:r="http://schemas.openxmlformats.org/officeDocument/2006/relationships" xmlns:mc="http://schemas.openxmlformats.org/markup-compatibility/2006" xmlns:mv="urn:schemas-microsoft-com:mac:vml" xmlns:p="http://schemas.openxmlformats.org/presentationml/2006/main" xmlns:c="http://schemas.openxmlformats.org/drawingml/2006/chart" xmlns:dgm="http://schemas.openxmlformats.org/drawingml/2006/diagram" xmlns:o="urn:schemas-microsoft-com:office:office" xmlns:v="urn:schemas-microsoft-com:vml" xmlns:pvml="urn:schemas-microsoft-com:office:powerpoint" xmlns:com="http://schemas.openxmlformats.org/drawingml/2006/compatibility" xmlns:p14="http://schemas.microsoft.com/office/powerpoint/2010/main" xmlns:p15="http://schemas.microsoft.com/office/powerpoint/2012/main" xmlns:ahyp="http://schemas.microsoft.com/office/drawing/2018/hyperlinkcolor">
   <p:cSld>
     <p:spTree>
       <p:nvGrpSpPr>
-        <p:cNvPr id="169" name="Shape 169"/>
+        <p:cNvPr id="199" name="Shape 199"/>
         <p:cNvGrpSpPr/>
         <p:nvPr/>
       </p:nvGrpSpPr>
@@ -10526,7 +13251,7 @@
       </p:grpSpPr>
       <p:sp>
         <p:nvSpPr>
-          <p:cNvPr id="170" name="Google Shape;170;p11"/>
+          <p:cNvPr id="200" name="Google Shape;200;p11"/>
           <p:cNvSpPr txBox="1"/>
           <p:nvPr>
             <p:ph idx="4294967295" type="title"/>
@@ -10566,7 +13291,7 @@
             </a:pPr>
             <a:r>
               <a:rPr lang="en"/>
-              <a:t>Visualizations</a:t>
+              <a:t>Analysis</a:t>
             </a:r>
             <a:endParaRPr/>
           </a:p>
@@ -10574,7 +13299,7 @@
       </p:sp>
       <p:sp>
         <p:nvSpPr>
-          <p:cNvPr id="171" name="Google Shape;171;p11"/>
+          <p:cNvPr id="201" name="Google Shape;201;p11"/>
           <p:cNvSpPr txBox="1"/>
           <p:nvPr>
             <p:ph idx="4294967295" type="body"/>
@@ -10618,9 +13343,59 @@
                   <a:schemeClr val="dk1"/>
                 </a:solidFill>
               </a:rPr>
-              <a:t>2020 ML model vs. 2020 actual (box &amp; whisker)</a:t>
+              <a:t>2020 ML model vs. 2020 actual </a:t>
             </a:r>
-            <a:endParaRPr/>
+            <a:endParaRPr b="1" sz="2100">
+              <a:solidFill>
+                <a:schemeClr val="dk1"/>
+              </a:solidFill>
+            </a:endParaRPr>
+          </a:p>
+          <a:p>
+            <a:pPr indent="0" lvl="0" marL="0" rtl="0" algn="l">
+              <a:lnSpc>
+                <a:spcPct val="115000"/>
+              </a:lnSpc>
+              <a:spcBef>
+                <a:spcPts val="0"/>
+              </a:spcBef>
+              <a:spcAft>
+                <a:spcPts val="0"/>
+              </a:spcAft>
+              <a:buSzPts val="1800"/>
+              <a:buNone/>
+            </a:pPr>
+            <a:r>
+              <a:t/>
+            </a:r>
+            <a:endParaRPr b="1" sz="2100">
+              <a:solidFill>
+                <a:schemeClr val="dk1"/>
+              </a:solidFill>
+            </a:endParaRPr>
+          </a:p>
+          <a:p>
+            <a:pPr indent="0" lvl="0" marL="0" rtl="0" algn="l">
+              <a:lnSpc>
+                <a:spcPct val="115000"/>
+              </a:lnSpc>
+              <a:spcBef>
+                <a:spcPts val="0"/>
+              </a:spcBef>
+              <a:spcAft>
+                <a:spcPts val="0"/>
+              </a:spcAft>
+              <a:buSzPts val="1800"/>
+              <a:buNone/>
+            </a:pPr>
+            <a:r>
+              <a:t/>
+            </a:r>
+            <a:endParaRPr b="1" sz="2100">
+              <a:solidFill>
+                <a:schemeClr val="dk1"/>
+              </a:solidFill>
+            </a:endParaRPr>
           </a:p>
           <a:p>
             <a:pPr indent="0" lvl="0" marL="0" rtl="0" algn="l">
@@ -10696,7 +13471,7 @@
       </p:sp>
       <p:sp>
         <p:nvSpPr>
-          <p:cNvPr id="172" name="Google Shape;172;p11"/>
+          <p:cNvPr id="202" name="Google Shape;202;p11"/>
           <p:cNvSpPr txBox="1"/>
           <p:nvPr>
             <p:ph idx="4294967295" type="body"/>
@@ -10752,7 +13527,7 @@
       </p:sp>
       <p:sp>
         <p:nvSpPr>
-          <p:cNvPr id="173" name="Google Shape;173;p11"/>
+          <p:cNvPr id="203" name="Google Shape;203;p11"/>
           <p:cNvSpPr txBox="1"/>
           <p:nvPr>
             <p:ph idx="4294967295" type="body"/>
@@ -10808,7 +13583,7 @@
       </p:sp>
       <p:sp>
         <p:nvSpPr>
-          <p:cNvPr id="174" name="Google Shape;174;p11"/>
+          <p:cNvPr id="204" name="Google Shape;204;p11"/>
           <p:cNvSpPr txBox="1"/>
           <p:nvPr>
             <p:ph idx="4294967295" type="body"/>
@@ -10864,7 +13639,7 @@
       </p:sp>
       <p:sp>
         <p:nvSpPr>
-          <p:cNvPr id="175" name="Google Shape;175;p11"/>
+          <p:cNvPr id="205" name="Google Shape;205;p11"/>
           <p:cNvSpPr txBox="1"/>
           <p:nvPr>
             <p:ph idx="4294967295" type="body"/>
@@ -10920,7 +13695,7 @@
       </p:sp>
       <p:sp>
         <p:nvSpPr>
-          <p:cNvPr id="176" name="Google Shape;176;p11"/>
+          <p:cNvPr id="206" name="Google Shape;206;p11"/>
           <p:cNvSpPr txBox="1"/>
           <p:nvPr>
             <p:ph idx="4294967295" type="body"/>
@@ -10976,7 +13751,7 @@
       </p:sp>
       <p:sp>
         <p:nvSpPr>
-          <p:cNvPr id="177" name="Google Shape;177;p11"/>
+          <p:cNvPr id="207" name="Google Shape;207;p11"/>
           <p:cNvSpPr txBox="1"/>
           <p:nvPr>
             <p:ph idx="4294967295" type="body"/>
@@ -11032,7 +13807,7 @@
       </p:sp>
       <p:sp>
         <p:nvSpPr>
-          <p:cNvPr id="178" name="Google Shape;178;p11"/>
+          <p:cNvPr id="208" name="Google Shape;208;p11"/>
           <p:cNvSpPr txBox="1"/>
           <p:nvPr>
             <p:ph idx="4294967295" type="body"/>
@@ -11086,6 +13861,34 @@
           </a:p>
         </p:txBody>
       </p:sp>
+      <p:pic>
+        <p:nvPicPr>
+          <p:cNvPr id="209" name="Google Shape;209;p11"/>
+          <p:cNvPicPr preferRelativeResize="0"/>
+          <p:nvPr/>
+        </p:nvPicPr>
+        <p:blipFill>
+          <a:blip r:embed="rId3">
+            <a:alphaModFix/>
+          </a:blip>
+          <a:stretch>
+            <a:fillRect/>
+          </a:stretch>
+        </p:blipFill>
+        <p:spPr>
+          <a:xfrm>
+            <a:off x="4073175" y="0"/>
+            <a:ext cx="5070826" cy="5143500"/>
+          </a:xfrm>
+          <a:prstGeom prst="rect">
+            <a:avLst/>
+          </a:prstGeom>
+          <a:noFill/>
+          <a:ln>
+            <a:noFill/>
+          </a:ln>
+        </p:spPr>
+      </p:pic>
     </p:spTree>
   </p:cSld>
   <p:clrMapOvr>
@@ -11094,12 +13897,12 @@
 </p:sld>
 </file>
 
-<file path=ppt/slides/slide13.xml><?xml version="1.0" encoding="utf-8"?>
+<file path=ppt/slides/slide18.xml><?xml version="1.0" encoding="utf-8"?>
 <p:sld xmlns:a="http://schemas.openxmlformats.org/drawingml/2006/main" xmlns:r="http://schemas.openxmlformats.org/officeDocument/2006/relationships" xmlns:mc="http://schemas.openxmlformats.org/markup-compatibility/2006" xmlns:mv="urn:schemas-microsoft-com:mac:vml" xmlns:p="http://schemas.openxmlformats.org/presentationml/2006/main" xmlns:c="http://schemas.openxmlformats.org/drawingml/2006/chart" xmlns:dgm="http://schemas.openxmlformats.org/drawingml/2006/diagram" xmlns:o="urn:schemas-microsoft-com:office:office" xmlns:v="urn:schemas-microsoft-com:vml" xmlns:pvml="urn:schemas-microsoft-com:office:powerpoint" xmlns:com="http://schemas.openxmlformats.org/drawingml/2006/compatibility" xmlns:p14="http://schemas.microsoft.com/office/powerpoint/2010/main" xmlns:p15="http://schemas.microsoft.com/office/powerpoint/2012/main" xmlns:ahyp="http://schemas.microsoft.com/office/drawing/2018/hyperlinkcolor">
   <p:cSld>
     <p:spTree>
       <p:nvGrpSpPr>
-        <p:cNvPr id="182" name="Shape 182"/>
+        <p:cNvPr id="213" name="Shape 213"/>
         <p:cNvGrpSpPr/>
         <p:nvPr/>
       </p:nvGrpSpPr>
@@ -11113,7 +13916,7 @@
       </p:grpSpPr>
       <p:sp>
         <p:nvSpPr>
-          <p:cNvPr id="183" name="Google Shape;183;p12"/>
+          <p:cNvPr id="214" name="Google Shape;214;p12"/>
           <p:cNvSpPr txBox="1"/>
           <p:nvPr>
             <p:ph type="title"/>
@@ -11153,7 +13956,7 @@
             </a:pPr>
             <a:r>
               <a:rPr lang="en"/>
-              <a:t>Limitations</a:t>
+              <a:t>Limitations and Challenges</a:t>
             </a:r>
             <a:endParaRPr/>
           </a:p>
@@ -11161,7 +13964,7 @@
       </p:sp>
       <p:sp>
         <p:nvSpPr>
-          <p:cNvPr id="184" name="Google Shape;184;p12"/>
+          <p:cNvPr id="215" name="Google Shape;215;p12"/>
           <p:cNvSpPr txBox="1"/>
           <p:nvPr>
             <p:ph idx="1" type="body"/>
@@ -11275,12 +14078,12 @@
 </p:sld>
 </file>
 
-<file path=ppt/slides/slide14.xml><?xml version="1.0" encoding="utf-8"?>
+<file path=ppt/slides/slide19.xml><?xml version="1.0" encoding="utf-8"?>
 <p:sld xmlns:a="http://schemas.openxmlformats.org/drawingml/2006/main" xmlns:r="http://schemas.openxmlformats.org/officeDocument/2006/relationships" xmlns:mc="http://schemas.openxmlformats.org/markup-compatibility/2006" xmlns:mv="urn:schemas-microsoft-com:mac:vml" xmlns:p="http://schemas.openxmlformats.org/presentationml/2006/main" xmlns:c="http://schemas.openxmlformats.org/drawingml/2006/chart" xmlns:dgm="http://schemas.openxmlformats.org/drawingml/2006/diagram" xmlns:o="urn:schemas-microsoft-com:office:office" xmlns:v="urn:schemas-microsoft-com:vml" xmlns:pvml="urn:schemas-microsoft-com:office:powerpoint" xmlns:com="http://schemas.openxmlformats.org/drawingml/2006/compatibility" xmlns:p14="http://schemas.microsoft.com/office/powerpoint/2010/main" xmlns:p15="http://schemas.microsoft.com/office/powerpoint/2012/main" xmlns:ahyp="http://schemas.microsoft.com/office/drawing/2018/hyperlinkcolor">
   <p:cSld>
     <p:spTree>
       <p:nvGrpSpPr>
-        <p:cNvPr id="188" name="Shape 188"/>
+        <p:cNvPr id="219" name="Shape 219"/>
         <p:cNvGrpSpPr/>
         <p:nvPr/>
       </p:nvGrpSpPr>
@@ -11294,7 +14097,7 @@
       </p:grpSpPr>
       <p:sp>
         <p:nvSpPr>
-          <p:cNvPr id="189" name="Google Shape;189;p13"/>
+          <p:cNvPr id="220" name="Google Shape;220;p13"/>
           <p:cNvSpPr txBox="1"/>
           <p:nvPr>
             <p:ph type="title"/>
@@ -11342,7 +14145,7 @@
       </p:sp>
       <p:sp>
         <p:nvSpPr>
-          <p:cNvPr id="190" name="Google Shape;190;p13"/>
+          <p:cNvPr id="221" name="Google Shape;221;p13"/>
           <p:cNvSpPr/>
           <p:nvPr/>
         </p:nvSpPr>
@@ -11403,7 +14206,7 @@
       </p:sp>
       <p:sp>
         <p:nvSpPr>
-          <p:cNvPr id="191" name="Google Shape;191;p13"/>
+          <p:cNvPr id="222" name="Google Shape;222;p13"/>
           <p:cNvSpPr/>
           <p:nvPr/>
         </p:nvSpPr>
@@ -11464,7 +14267,7 @@
       </p:sp>
       <p:sp>
         <p:nvSpPr>
-          <p:cNvPr id="192" name="Google Shape;192;p13"/>
+          <p:cNvPr id="223" name="Google Shape;223;p13"/>
           <p:cNvSpPr/>
           <p:nvPr/>
         </p:nvSpPr>
@@ -11525,7 +14328,7 @@
       </p:sp>
       <p:sp>
         <p:nvSpPr>
-          <p:cNvPr id="193" name="Google Shape;193;p13"/>
+          <p:cNvPr id="224" name="Google Shape;224;p13"/>
           <p:cNvSpPr/>
           <p:nvPr/>
         </p:nvSpPr>
@@ -11581,201 +14384,6 @@
               <a:cs typeface="Arial"/>
               <a:sym typeface="Arial"/>
             </a:endParaRPr>
-          </a:p>
-        </p:txBody>
-      </p:sp>
-    </p:spTree>
-  </p:cSld>
-  <p:clrMapOvr>
-    <a:masterClrMapping/>
-  </p:clrMapOvr>
-</p:sld>
-</file>
-
-<file path=ppt/slides/slide15.xml><?xml version="1.0" encoding="utf-8"?>
-<p:sld xmlns:a="http://schemas.openxmlformats.org/drawingml/2006/main" xmlns:r="http://schemas.openxmlformats.org/officeDocument/2006/relationships" xmlns:mc="http://schemas.openxmlformats.org/markup-compatibility/2006" xmlns:mv="urn:schemas-microsoft-com:mac:vml" xmlns:p="http://schemas.openxmlformats.org/presentationml/2006/main" xmlns:c="http://schemas.openxmlformats.org/drawingml/2006/chart" xmlns:dgm="http://schemas.openxmlformats.org/drawingml/2006/diagram" xmlns:o="urn:schemas-microsoft-com:office:office" xmlns:v="urn:schemas-microsoft-com:vml" xmlns:pvml="urn:schemas-microsoft-com:office:powerpoint" xmlns:com="http://schemas.openxmlformats.org/drawingml/2006/compatibility" xmlns:p14="http://schemas.microsoft.com/office/powerpoint/2010/main" xmlns:p15="http://schemas.microsoft.com/office/powerpoint/2012/main" xmlns:ahyp="http://schemas.microsoft.com/office/drawing/2018/hyperlinkcolor">
-  <p:cSld>
-    <p:spTree>
-      <p:nvGrpSpPr>
-        <p:cNvPr id="197" name="Shape 197"/>
-        <p:cNvGrpSpPr/>
-        <p:nvPr/>
-      </p:nvGrpSpPr>
-      <p:grpSpPr>
-        <a:xfrm>
-          <a:off x="0" y="0"/>
-          <a:ext cx="0" cy="0"/>
-          <a:chOff x="0" y="0"/>
-          <a:chExt cx="0" cy="0"/>
-        </a:xfrm>
-      </p:grpSpPr>
-      <p:sp>
-        <p:nvSpPr>
-          <p:cNvPr id="198" name="Google Shape;198;p14"/>
-          <p:cNvSpPr txBox="1"/>
-          <p:nvPr>
-            <p:ph type="title"/>
-          </p:nvPr>
-        </p:nvSpPr>
-        <p:spPr>
-          <a:xfrm>
-            <a:off x="311700" y="445025"/>
-            <a:ext cx="8520600" cy="572700"/>
-          </a:xfrm>
-          <a:prstGeom prst="rect">
-            <a:avLst/>
-          </a:prstGeom>
-          <a:noFill/>
-          <a:ln>
-            <a:noFill/>
-          </a:ln>
-        </p:spPr>
-        <p:txBody>
-          <a:bodyPr anchorCtr="0" anchor="t" bIns="91425" lIns="91425" spcFirstLastPara="1" rIns="91425" wrap="square" tIns="91425">
-            <a:noAutofit/>
-          </a:bodyPr>
-          <a:lstStyle/>
-          <a:p>
-            <a:pPr indent="0" lvl="0" marL="0" rtl="0" algn="l">
-              <a:lnSpc>
-                <a:spcPct val="100000"/>
-              </a:lnSpc>
-              <a:spcBef>
-                <a:spcPts val="0"/>
-              </a:spcBef>
-              <a:spcAft>
-                <a:spcPts val="0"/>
-              </a:spcAft>
-              <a:buSzPts val="3000"/>
-              <a:buNone/>
-            </a:pPr>
-            <a:r>
-              <a:rPr lang="en"/>
-              <a:t>Sources</a:t>
-            </a:r>
-            <a:endParaRPr/>
-          </a:p>
-        </p:txBody>
-      </p:sp>
-      <p:sp>
-        <p:nvSpPr>
-          <p:cNvPr id="199" name="Google Shape;199;p14"/>
-          <p:cNvSpPr txBox="1"/>
-          <p:nvPr>
-            <p:ph idx="1" type="body"/>
-          </p:nvPr>
-        </p:nvSpPr>
-        <p:spPr>
-          <a:xfrm>
-            <a:off x="311700" y="1152475"/>
-            <a:ext cx="8520600" cy="3416400"/>
-          </a:xfrm>
-          <a:prstGeom prst="rect">
-            <a:avLst/>
-          </a:prstGeom>
-          <a:noFill/>
-          <a:ln>
-            <a:noFill/>
-          </a:ln>
-        </p:spPr>
-        <p:txBody>
-          <a:bodyPr anchorCtr="0" anchor="t" bIns="91425" lIns="91425" spcFirstLastPara="1" rIns="91425" wrap="square" tIns="91425">
-            <a:noAutofit/>
-          </a:bodyPr>
-          <a:lstStyle/>
-          <a:p>
-            <a:pPr indent="-342900" lvl="0" marL="457200" rtl="0" algn="l">
-              <a:lnSpc>
-                <a:spcPct val="115000"/>
-              </a:lnSpc>
-              <a:spcBef>
-                <a:spcPts val="0"/>
-              </a:spcBef>
-              <a:spcAft>
-                <a:spcPts val="0"/>
-              </a:spcAft>
-              <a:buSzPts val="1800"/>
-              <a:buChar char="●"/>
-            </a:pPr>
-            <a:r>
-              <a:rPr lang="en" u="sng">
-                <a:solidFill>
-                  <a:schemeClr val="hlink"/>
-                </a:solidFill>
-                <a:hlinkClick r:id="rId3"/>
-              </a:rPr>
-              <a:t>https://www.macrotrends.net/</a:t>
-            </a:r>
-            <a:endParaRPr/>
-          </a:p>
-          <a:p>
-            <a:pPr indent="-342900" lvl="0" marL="457200" rtl="0" algn="l">
-              <a:lnSpc>
-                <a:spcPct val="115000"/>
-              </a:lnSpc>
-              <a:spcBef>
-                <a:spcPts val="0"/>
-              </a:spcBef>
-              <a:spcAft>
-                <a:spcPts val="0"/>
-              </a:spcAft>
-              <a:buSzPts val="1800"/>
-              <a:buChar char="●"/>
-            </a:pPr>
-            <a:r>
-              <a:rPr lang="en" u="sng">
-                <a:solidFill>
-                  <a:schemeClr val="hlink"/>
-                </a:solidFill>
-                <a:hlinkClick r:id="rId4"/>
-              </a:rPr>
-              <a:t>https://www.Zillow.com</a:t>
-            </a:r>
-            <a:endParaRPr/>
-          </a:p>
-          <a:p>
-            <a:pPr indent="-342900" lvl="0" marL="457200" rtl="0" algn="l">
-              <a:lnSpc>
-                <a:spcPct val="115000"/>
-              </a:lnSpc>
-              <a:spcBef>
-                <a:spcPts val="0"/>
-              </a:spcBef>
-              <a:spcAft>
-                <a:spcPts val="0"/>
-              </a:spcAft>
-              <a:buSzPts val="1800"/>
-              <a:buChar char="●"/>
-            </a:pPr>
-            <a:r>
-              <a:rPr lang="en" u="sng">
-                <a:solidFill>
-                  <a:schemeClr val="hlink"/>
-                </a:solidFill>
-                <a:hlinkClick r:id="rId5"/>
-              </a:rPr>
-              <a:t>https://www.Kaggle.com</a:t>
-            </a:r>
-            <a:endParaRPr/>
-          </a:p>
-          <a:p>
-            <a:pPr indent="-228600" lvl="0" marL="457200" rtl="0" algn="l">
-              <a:lnSpc>
-                <a:spcPct val="115000"/>
-              </a:lnSpc>
-              <a:spcBef>
-                <a:spcPts val="0"/>
-              </a:spcBef>
-              <a:spcAft>
-                <a:spcPts val="0"/>
-              </a:spcAft>
-              <a:buSzPts val="1800"/>
-              <a:buNone/>
-            </a:pPr>
-            <a:r>
-              <a:t/>
-            </a:r>
-            <a:endParaRPr/>
           </a:p>
         </p:txBody>
       </p:sp>
@@ -12491,130 +15099,7 @@
           </a:bodyPr>
           <a:lstStyle/>
           <a:p>
-            <a:pPr indent="0" lvl="0" marL="0" marR="0" rtl="0" algn="l">
-              <a:lnSpc>
-                <a:spcPct val="100000"/>
-              </a:lnSpc>
-              <a:spcBef>
-                <a:spcPts val="0"/>
-              </a:spcBef>
-              <a:spcAft>
-                <a:spcPts val="0"/>
-              </a:spcAft>
-              <a:buNone/>
-            </a:pPr>
-            <a:r>
-              <a:rPr b="0" i="0" lang="en" sz="1400" u="none" cap="none" strike="noStrike">
-                <a:solidFill>
-                  <a:srgbClr val="A6B7C0"/>
-                </a:solidFill>
-                <a:latin typeface="Arial"/>
-                <a:ea typeface="Arial"/>
-                <a:cs typeface="Arial"/>
-                <a:sym typeface="Arial"/>
-              </a:rPr>
-              <a:t>How we chose approached this project:</a:t>
-            </a:r>
-            <a:endParaRPr/>
-          </a:p>
-          <a:p>
-            <a:pPr indent="-171450" lvl="0" marL="171450" marR="0" rtl="0" algn="l">
-              <a:lnSpc>
-                <a:spcPct val="100000"/>
-              </a:lnSpc>
-              <a:spcBef>
-                <a:spcPts val="0"/>
-              </a:spcBef>
-              <a:spcAft>
-                <a:spcPts val="0"/>
-              </a:spcAft>
-              <a:buClr>
-                <a:srgbClr val="000000"/>
-              </a:buClr>
-              <a:buSzPts val="1400"/>
-              <a:buFont typeface="Arial"/>
-              <a:buChar char="-"/>
-            </a:pPr>
-            <a:r>
-              <a:rPr b="0" i="0" lang="en" sz="1400" u="none" cap="none" strike="noStrike">
-                <a:solidFill>
-                  <a:srgbClr val="A6B7C0"/>
-                </a:solidFill>
-                <a:latin typeface="Arial"/>
-                <a:ea typeface="Arial"/>
-                <a:cs typeface="Arial"/>
-                <a:sym typeface="Arial"/>
-              </a:rPr>
-              <a:t>Multiple ideas identified</a:t>
-            </a:r>
-            <a:endParaRPr/>
-          </a:p>
-          <a:p>
-            <a:pPr indent="-171450" lvl="0" marL="171450" marR="0" rtl="0" algn="l">
-              <a:lnSpc>
-                <a:spcPct val="100000"/>
-              </a:lnSpc>
-              <a:spcBef>
-                <a:spcPts val="0"/>
-              </a:spcBef>
-              <a:spcAft>
-                <a:spcPts val="0"/>
-              </a:spcAft>
-              <a:buClr>
-                <a:srgbClr val="000000"/>
-              </a:buClr>
-              <a:buSzPts val="1400"/>
-              <a:buFont typeface="Arial"/>
-              <a:buChar char="-"/>
-            </a:pPr>
-            <a:r>
-              <a:rPr b="0" i="0" lang="en" sz="1400" u="none" cap="none" strike="noStrike">
-                <a:solidFill>
-                  <a:srgbClr val="A6B7C0"/>
-                </a:solidFill>
-                <a:latin typeface="Arial"/>
-                <a:ea typeface="Arial"/>
-                <a:cs typeface="Arial"/>
-                <a:sym typeface="Arial"/>
-              </a:rPr>
-              <a:t>Reviewed data available for each idea - some were ruled out as not being viable options</a:t>
-            </a:r>
-            <a:endParaRPr/>
-          </a:p>
-          <a:p>
-            <a:pPr indent="-171450" lvl="0" marL="171450" marR="0" rtl="0" algn="l">
-              <a:lnSpc>
-                <a:spcPct val="100000"/>
-              </a:lnSpc>
-              <a:spcBef>
-                <a:spcPts val="0"/>
-              </a:spcBef>
-              <a:spcAft>
-                <a:spcPts val="0"/>
-              </a:spcAft>
-              <a:buClr>
-                <a:srgbClr val="000000"/>
-              </a:buClr>
-              <a:buSzPts val="1400"/>
-              <a:buFont typeface="Arial"/>
-              <a:buChar char="-"/>
-            </a:pPr>
-            <a:r>
-              <a:rPr b="0" i="0" lang="en" sz="1400" u="none" cap="none" strike="noStrike">
-                <a:solidFill>
-                  <a:srgbClr val="A6B7C0"/>
-                </a:solidFill>
-                <a:latin typeface="Arial"/>
-                <a:ea typeface="Arial"/>
-                <a:cs typeface="Arial"/>
-                <a:sym typeface="Arial"/>
-              </a:rPr>
-              <a:t>Two datasets emerged as being robust &amp; relevant – COVID-19 and home sales</a:t>
-            </a:r>
-            <a:endParaRPr/>
-          </a:p>
-          <a:p>
-            <a:pPr indent="0" lvl="0" marL="0" marR="0" rtl="0" algn="l">
+            <a:pPr indent="0" lvl="0" marL="457200" marR="0" rtl="0" algn="l">
               <a:lnSpc>
                 <a:spcPct val="100000"/>
               </a:lnSpc>
@@ -12638,6 +15123,201 @@
               <a:cs typeface="Arial"/>
               <a:sym typeface="Arial"/>
             </a:endParaRPr>
+          </a:p>
+        </p:txBody>
+      </p:sp>
+    </p:spTree>
+  </p:cSld>
+  <p:clrMapOvr>
+    <a:masterClrMapping/>
+  </p:clrMapOvr>
+</p:sld>
+</file>
+
+<file path=ppt/slides/slide20.xml><?xml version="1.0" encoding="utf-8"?>
+<p:sld xmlns:a="http://schemas.openxmlformats.org/drawingml/2006/main" xmlns:r="http://schemas.openxmlformats.org/officeDocument/2006/relationships" xmlns:mc="http://schemas.openxmlformats.org/markup-compatibility/2006" xmlns:mv="urn:schemas-microsoft-com:mac:vml" xmlns:p="http://schemas.openxmlformats.org/presentationml/2006/main" xmlns:c="http://schemas.openxmlformats.org/drawingml/2006/chart" xmlns:dgm="http://schemas.openxmlformats.org/drawingml/2006/diagram" xmlns:o="urn:schemas-microsoft-com:office:office" xmlns:v="urn:schemas-microsoft-com:vml" xmlns:pvml="urn:schemas-microsoft-com:office:powerpoint" xmlns:com="http://schemas.openxmlformats.org/drawingml/2006/compatibility" xmlns:p14="http://schemas.microsoft.com/office/powerpoint/2010/main" xmlns:p15="http://schemas.microsoft.com/office/powerpoint/2012/main" xmlns:ahyp="http://schemas.microsoft.com/office/drawing/2018/hyperlinkcolor">
+  <p:cSld>
+    <p:spTree>
+      <p:nvGrpSpPr>
+        <p:cNvPr id="228" name="Shape 228"/>
+        <p:cNvGrpSpPr/>
+        <p:nvPr/>
+      </p:nvGrpSpPr>
+      <p:grpSpPr>
+        <a:xfrm>
+          <a:off x="0" y="0"/>
+          <a:ext cx="0" cy="0"/>
+          <a:chOff x="0" y="0"/>
+          <a:chExt cx="0" cy="0"/>
+        </a:xfrm>
+      </p:grpSpPr>
+      <p:sp>
+        <p:nvSpPr>
+          <p:cNvPr id="229" name="Google Shape;229;p14"/>
+          <p:cNvSpPr txBox="1"/>
+          <p:nvPr>
+            <p:ph type="title"/>
+          </p:nvPr>
+        </p:nvSpPr>
+        <p:spPr>
+          <a:xfrm>
+            <a:off x="311700" y="445025"/>
+            <a:ext cx="8520600" cy="572700"/>
+          </a:xfrm>
+          <a:prstGeom prst="rect">
+            <a:avLst/>
+          </a:prstGeom>
+          <a:noFill/>
+          <a:ln>
+            <a:noFill/>
+          </a:ln>
+        </p:spPr>
+        <p:txBody>
+          <a:bodyPr anchorCtr="0" anchor="t" bIns="91425" lIns="91425" spcFirstLastPara="1" rIns="91425" wrap="square" tIns="91425">
+            <a:noAutofit/>
+          </a:bodyPr>
+          <a:lstStyle/>
+          <a:p>
+            <a:pPr indent="0" lvl="0" marL="0" rtl="0" algn="l">
+              <a:lnSpc>
+                <a:spcPct val="100000"/>
+              </a:lnSpc>
+              <a:spcBef>
+                <a:spcPts val="0"/>
+              </a:spcBef>
+              <a:spcAft>
+                <a:spcPts val="0"/>
+              </a:spcAft>
+              <a:buSzPts val="3000"/>
+              <a:buNone/>
+            </a:pPr>
+            <a:r>
+              <a:rPr lang="en"/>
+              <a:t>Sources</a:t>
+            </a:r>
+            <a:endParaRPr/>
+          </a:p>
+        </p:txBody>
+      </p:sp>
+      <p:sp>
+        <p:nvSpPr>
+          <p:cNvPr id="230" name="Google Shape;230;p14"/>
+          <p:cNvSpPr txBox="1"/>
+          <p:nvPr>
+            <p:ph idx="1" type="body"/>
+          </p:nvPr>
+        </p:nvSpPr>
+        <p:spPr>
+          <a:xfrm>
+            <a:off x="311700" y="1152475"/>
+            <a:ext cx="8520600" cy="3416400"/>
+          </a:xfrm>
+          <a:prstGeom prst="rect">
+            <a:avLst/>
+          </a:prstGeom>
+          <a:noFill/>
+          <a:ln>
+            <a:noFill/>
+          </a:ln>
+        </p:spPr>
+        <p:txBody>
+          <a:bodyPr anchorCtr="0" anchor="t" bIns="91425" lIns="91425" spcFirstLastPara="1" rIns="91425" wrap="square" tIns="91425">
+            <a:noAutofit/>
+          </a:bodyPr>
+          <a:lstStyle/>
+          <a:p>
+            <a:pPr indent="-342900" lvl="0" marL="457200" rtl="0" algn="l">
+              <a:lnSpc>
+                <a:spcPct val="115000"/>
+              </a:lnSpc>
+              <a:spcBef>
+                <a:spcPts val="0"/>
+              </a:spcBef>
+              <a:spcAft>
+                <a:spcPts val="0"/>
+              </a:spcAft>
+              <a:buSzPts val="1800"/>
+              <a:buChar char="●"/>
+            </a:pPr>
+            <a:r>
+              <a:rPr lang="en" u="sng">
+                <a:solidFill>
+                  <a:schemeClr val="hlink"/>
+                </a:solidFill>
+                <a:hlinkClick r:id="rId3"/>
+              </a:rPr>
+              <a:t>https://www.macrotrends.net/</a:t>
+            </a:r>
+            <a:endParaRPr/>
+          </a:p>
+          <a:p>
+            <a:pPr indent="-342900" lvl="0" marL="457200" rtl="0" algn="l">
+              <a:lnSpc>
+                <a:spcPct val="115000"/>
+              </a:lnSpc>
+              <a:spcBef>
+                <a:spcPts val="0"/>
+              </a:spcBef>
+              <a:spcAft>
+                <a:spcPts val="0"/>
+              </a:spcAft>
+              <a:buSzPts val="1800"/>
+              <a:buChar char="●"/>
+            </a:pPr>
+            <a:r>
+              <a:rPr lang="en" u="sng">
+                <a:solidFill>
+                  <a:schemeClr val="hlink"/>
+                </a:solidFill>
+                <a:hlinkClick r:id="rId4"/>
+              </a:rPr>
+              <a:t>https://www.Zillow.com</a:t>
+            </a:r>
+            <a:endParaRPr/>
+          </a:p>
+          <a:p>
+            <a:pPr indent="-342900" lvl="0" marL="457200" rtl="0" algn="l">
+              <a:lnSpc>
+                <a:spcPct val="115000"/>
+              </a:lnSpc>
+              <a:spcBef>
+                <a:spcPts val="0"/>
+              </a:spcBef>
+              <a:spcAft>
+                <a:spcPts val="0"/>
+              </a:spcAft>
+              <a:buSzPts val="1800"/>
+              <a:buChar char="●"/>
+            </a:pPr>
+            <a:r>
+              <a:rPr lang="en" u="sng">
+                <a:solidFill>
+                  <a:schemeClr val="hlink"/>
+                </a:solidFill>
+                <a:hlinkClick r:id="rId5"/>
+              </a:rPr>
+              <a:t>https://www.Kaggle.com</a:t>
+            </a:r>
+            <a:endParaRPr/>
+          </a:p>
+          <a:p>
+            <a:pPr indent="-228600" lvl="0" marL="457200" rtl="0" algn="l">
+              <a:lnSpc>
+                <a:spcPct val="115000"/>
+              </a:lnSpc>
+              <a:spcBef>
+                <a:spcPts val="0"/>
+              </a:spcBef>
+              <a:spcAft>
+                <a:spcPts val="0"/>
+              </a:spcAft>
+              <a:buSzPts val="1800"/>
+              <a:buNone/>
+            </a:pPr>
+            <a:r>
+              <a:t/>
+            </a:r>
+            <a:endParaRPr/>
           </a:p>
         </p:txBody>
       </p:sp>
@@ -12668,7 +15348,7 @@
       </p:grpSpPr>
       <p:sp>
         <p:nvSpPr>
-          <p:cNvPr id="82" name="Google Shape;82;p3"/>
+          <p:cNvPr id="82" name="Google Shape;82;gb4e3af2de7_0_4"/>
           <p:cNvSpPr txBox="1"/>
           <p:nvPr>
             <p:ph type="title"/>
@@ -12682,10 +15362,6 @@
           <a:prstGeom prst="rect">
             <a:avLst/>
           </a:prstGeom>
-          <a:noFill/>
-          <a:ln>
-            <a:noFill/>
-          </a:ln>
         </p:spPr>
         <p:txBody>
           <a:bodyPr anchorCtr="0" anchor="t" bIns="91425" lIns="91425" spcFirstLastPara="1" rIns="91425" wrap="square" tIns="91425">
@@ -12694,29 +15370,29 @@
           <a:lstStyle/>
           <a:p>
             <a:pPr indent="0" lvl="0" marL="0" rtl="0" algn="l">
-              <a:lnSpc>
-                <a:spcPct val="100000"/>
-              </a:lnSpc>
-              <a:spcBef>
-                <a:spcPts val="0"/>
-              </a:spcBef>
-              <a:spcAft>
-                <a:spcPts val="0"/>
-              </a:spcAft>
-              <a:buSzPts val="3000"/>
+              <a:spcBef>
+                <a:spcPts val="0"/>
+              </a:spcBef>
+              <a:spcAft>
+                <a:spcPts val="0"/>
+              </a:spcAft>
+              <a:buClr>
+                <a:srgbClr val="000000"/>
+              </a:buClr>
+              <a:buFont typeface="Arial"/>
               <a:buNone/>
             </a:pPr>
             <a:r>
-              <a:rPr lang="en"/>
-              <a:t>Mission and Goals</a:t>
+              <a:rPr lang="en" sz="2600"/>
+              <a:t>How we chose approached this project:</a:t>
             </a:r>
-            <a:endParaRPr/>
+            <a:endParaRPr sz="4200"/>
           </a:p>
         </p:txBody>
       </p:sp>
       <p:sp>
         <p:nvSpPr>
-          <p:cNvPr id="83" name="Google Shape;83;p3"/>
+          <p:cNvPr id="83" name="Google Shape;83;gb4e3af2de7_0_4"/>
           <p:cNvSpPr txBox="1"/>
           <p:nvPr>
             <p:ph idx="1" type="body"/>
@@ -12730,10 +15406,6 @@
           <a:prstGeom prst="rect">
             <a:avLst/>
           </a:prstGeom>
-          <a:noFill/>
-          <a:ln>
-            <a:noFill/>
-          </a:ln>
         </p:spPr>
         <p:txBody>
           <a:bodyPr anchorCtr="0" anchor="t" bIns="91425" lIns="91425" spcFirstLastPara="1" rIns="91425" wrap="square" tIns="91425">
@@ -12741,9 +15413,49 @@
           </a:bodyPr>
           <a:lstStyle/>
           <a:p>
-            <a:pPr indent="0" lvl="0" marL="0" rtl="0" algn="l">
-              <a:lnSpc>
-                <a:spcPct val="115000"/>
+            <a:pPr indent="-196850" lvl="0" marL="171450" rtl="0" algn="l">
+              <a:lnSpc>
+                <a:spcPct val="100000"/>
+              </a:lnSpc>
+              <a:spcBef>
+                <a:spcPts val="0"/>
+              </a:spcBef>
+              <a:spcAft>
+                <a:spcPts val="0"/>
+              </a:spcAft>
+              <a:buClr>
+                <a:srgbClr val="000000"/>
+              </a:buClr>
+              <a:buSzPts val="1800"/>
+              <a:buFont typeface="Arial"/>
+              <a:buChar char="-"/>
+            </a:pPr>
+            <a:r>
+              <a:rPr lang="en">
+                <a:solidFill>
+                  <a:srgbClr val="A6B7C0"/>
+                </a:solidFill>
+                <a:latin typeface="Arial"/>
+                <a:ea typeface="Arial"/>
+                <a:cs typeface="Arial"/>
+                <a:sym typeface="Arial"/>
+              </a:rPr>
+              <a:t>Multiple ideas identified</a:t>
+            </a:r>
+            <a:endParaRPr>
+              <a:solidFill>
+                <a:srgbClr val="A6B7C0"/>
+              </a:solidFill>
+              <a:latin typeface="Arial"/>
+              <a:ea typeface="Arial"/>
+              <a:cs typeface="Arial"/>
+              <a:sym typeface="Arial"/>
+            </a:endParaRPr>
+          </a:p>
+          <a:p>
+            <a:pPr indent="0" lvl="0" marL="457200" rtl="0" algn="l">
+              <a:lnSpc>
+                <a:spcPct val="100000"/>
               </a:lnSpc>
               <a:spcBef>
                 <a:spcPts val="0"/>
@@ -12756,107 +15468,179 @@
             <a:r>
               <a:t/>
             </a:r>
-            <a:endParaRPr/>
+            <a:endParaRPr>
+              <a:solidFill>
+                <a:srgbClr val="A6B7C0"/>
+              </a:solidFill>
+              <a:latin typeface="Arial"/>
+              <a:ea typeface="Arial"/>
+              <a:cs typeface="Arial"/>
+              <a:sym typeface="Arial"/>
+            </a:endParaRPr>
           </a:p>
           <a:p>
-            <a:pPr indent="-342900" lvl="0" marL="457200" rtl="0" algn="l">
-              <a:lnSpc>
-                <a:spcPct val="115000"/>
-              </a:lnSpc>
-              <a:spcBef>
-                <a:spcPts val="0"/>
-              </a:spcBef>
-              <a:spcAft>
-                <a:spcPts val="0"/>
-              </a:spcAft>
+            <a:pPr indent="-196850" lvl="0" marL="171450" rtl="0" algn="l">
+              <a:lnSpc>
+                <a:spcPct val="100000"/>
+              </a:lnSpc>
+              <a:spcBef>
+                <a:spcPts val="0"/>
+              </a:spcBef>
+              <a:spcAft>
+                <a:spcPts val="0"/>
+              </a:spcAft>
+              <a:buClr>
+                <a:srgbClr val="000000"/>
+              </a:buClr>
               <a:buSzPts val="1800"/>
-              <a:buChar char="●"/>
-            </a:pPr>
-            <a:r>
-              <a:rPr lang="en"/>
-              <a:t>The goal of this project is to create a machine learning model to predict housing prices. We also have a secondary goal, we want to see how or if Covid-19 has affected housing prices. </a:t>
-            </a:r>
-            <a:endParaRPr/>
-          </a:p>
-          <a:p>
-            <a:pPr indent="-342900" lvl="0" marL="457200" rtl="0" algn="l">
-              <a:lnSpc>
-                <a:spcPct val="115000"/>
-              </a:lnSpc>
-              <a:spcBef>
-                <a:spcPts val="0"/>
-              </a:spcBef>
-              <a:spcAft>
-                <a:spcPts val="0"/>
-              </a:spcAft>
-              <a:buSzPts val="1800"/>
-              <a:buChar char="●"/>
-            </a:pPr>
-            <a:r>
-              <a:rPr lang="en"/>
-              <a:t>Questions we hope to answer:</a:t>
-            </a:r>
-            <a:endParaRPr/>
-          </a:p>
-          <a:p>
-            <a:pPr indent="-342900" lvl="0" marL="457200" rtl="0" algn="l">
-              <a:lnSpc>
-                <a:spcPct val="115000"/>
-              </a:lnSpc>
-              <a:spcBef>
-                <a:spcPts val="0"/>
-              </a:spcBef>
-              <a:spcAft>
-                <a:spcPts val="0"/>
-              </a:spcAft>
-              <a:buSzPts val="1800"/>
+              <a:buFont typeface="Arial"/>
               <a:buChar char="-"/>
             </a:pPr>
             <a:r>
-              <a:rPr lang="en"/>
-              <a:t>Did Covid-19 cause prices to go up or down?</a:t>
+              <a:rPr lang="en">
+                <a:solidFill>
+                  <a:srgbClr val="A6B7C0"/>
+                </a:solidFill>
+                <a:latin typeface="Arial"/>
+                <a:ea typeface="Arial"/>
+                <a:cs typeface="Arial"/>
+                <a:sym typeface="Arial"/>
+              </a:rPr>
+              <a:t>Reviewed data available for each idea - some were ruled out as not being viable options</a:t>
             </a:r>
-            <a:endParaRPr/>
+            <a:endParaRPr>
+              <a:solidFill>
+                <a:srgbClr val="A6B7C0"/>
+              </a:solidFill>
+              <a:latin typeface="Arial"/>
+              <a:ea typeface="Arial"/>
+              <a:cs typeface="Arial"/>
+              <a:sym typeface="Arial"/>
+            </a:endParaRPr>
           </a:p>
           <a:p>
-            <a:pPr indent="-342900" lvl="0" marL="457200" rtl="0" algn="l">
-              <a:lnSpc>
-                <a:spcPct val="115000"/>
-              </a:lnSpc>
-              <a:spcBef>
-                <a:spcPts val="0"/>
-              </a:spcBef>
-              <a:spcAft>
-                <a:spcPts val="0"/>
-              </a:spcAft>
+            <a:pPr indent="0" lvl="0" marL="457200" rtl="0" algn="l">
+              <a:lnSpc>
+                <a:spcPct val="100000"/>
+              </a:lnSpc>
+              <a:spcBef>
+                <a:spcPts val="0"/>
+              </a:spcBef>
+              <a:spcAft>
+                <a:spcPts val="0"/>
+              </a:spcAft>
+              <a:buNone/>
+            </a:pPr>
+            <a:r>
+              <a:t/>
+            </a:r>
+            <a:endParaRPr>
+              <a:solidFill>
+                <a:srgbClr val="A6B7C0"/>
+              </a:solidFill>
+              <a:latin typeface="Arial"/>
+              <a:ea typeface="Arial"/>
+              <a:cs typeface="Arial"/>
+              <a:sym typeface="Arial"/>
+            </a:endParaRPr>
+          </a:p>
+          <a:p>
+            <a:pPr indent="-196850" lvl="0" marL="171450" rtl="0" algn="l">
+              <a:lnSpc>
+                <a:spcPct val="100000"/>
+              </a:lnSpc>
+              <a:spcBef>
+                <a:spcPts val="0"/>
+              </a:spcBef>
+              <a:spcAft>
+                <a:spcPts val="0"/>
+              </a:spcAft>
+              <a:buClr>
+                <a:srgbClr val="A6B7C0"/>
+              </a:buClr>
               <a:buSzPts val="1800"/>
+              <a:buFont typeface="Arial"/>
               <a:buChar char="-"/>
             </a:pPr>
             <a:r>
-              <a:rPr lang="en"/>
-              <a:t>Did the amount of cases in the area affect the prices?</a:t>
+              <a:rPr lang="en">
+                <a:solidFill>
+                  <a:srgbClr val="A6B7C0"/>
+                </a:solidFill>
+                <a:latin typeface="Arial"/>
+                <a:ea typeface="Arial"/>
+                <a:cs typeface="Arial"/>
+                <a:sym typeface="Arial"/>
+              </a:rPr>
+              <a:t>We discussed trying to find something related to video games, housing, Covid-19</a:t>
             </a:r>
-            <a:endParaRPr/>
+            <a:endParaRPr>
+              <a:solidFill>
+                <a:srgbClr val="A6B7C0"/>
+              </a:solidFill>
+              <a:latin typeface="Arial"/>
+              <a:ea typeface="Arial"/>
+              <a:cs typeface="Arial"/>
+              <a:sym typeface="Arial"/>
+            </a:endParaRPr>
           </a:p>
           <a:p>
-            <a:pPr indent="-342900" lvl="0" marL="457200" rtl="0" algn="l">
-              <a:lnSpc>
-                <a:spcPct val="115000"/>
-              </a:lnSpc>
-              <a:spcBef>
-                <a:spcPts val="0"/>
-              </a:spcBef>
-              <a:spcAft>
-                <a:spcPts val="0"/>
-              </a:spcAft>
+            <a:pPr indent="0" lvl="0" marL="0" rtl="0" algn="l">
+              <a:lnSpc>
+                <a:spcPct val="100000"/>
+              </a:lnSpc>
+              <a:spcBef>
+                <a:spcPts val="0"/>
+              </a:spcBef>
+              <a:spcAft>
+                <a:spcPts val="0"/>
+              </a:spcAft>
+              <a:buNone/>
+            </a:pPr>
+            <a:r>
+              <a:t/>
+            </a:r>
+            <a:endParaRPr>
+              <a:solidFill>
+                <a:srgbClr val="A6B7C0"/>
+              </a:solidFill>
+              <a:latin typeface="Arial"/>
+              <a:ea typeface="Arial"/>
+              <a:cs typeface="Arial"/>
+              <a:sym typeface="Arial"/>
+            </a:endParaRPr>
+          </a:p>
+          <a:p>
+            <a:pPr indent="-196850" lvl="0" marL="171450" rtl="0" algn="l">
+              <a:lnSpc>
+                <a:spcPct val="100000"/>
+              </a:lnSpc>
+              <a:spcBef>
+                <a:spcPts val="0"/>
+              </a:spcBef>
+              <a:spcAft>
+                <a:spcPts val="0"/>
+              </a:spcAft>
+              <a:buClr>
+                <a:srgbClr val="000000"/>
+              </a:buClr>
               <a:buSzPts val="1800"/>
+              <a:buFont typeface="Arial"/>
               <a:buChar char="-"/>
             </a:pPr>
             <a:r>
-              <a:rPr lang="en"/>
-              <a:t>Were there any unusual trends in the data leading up to 2020?</a:t>
+              <a:rPr lang="en">
+                <a:solidFill>
+                  <a:srgbClr val="A6B7C0"/>
+                </a:solidFill>
+                <a:latin typeface="Arial"/>
+                <a:ea typeface="Arial"/>
+                <a:cs typeface="Arial"/>
+                <a:sym typeface="Arial"/>
+              </a:rPr>
+              <a:t>Two datasets emerged as being robust &amp; relevant – COVID-19 and home sales</a:t>
             </a:r>
-            <a:endParaRPr/>
+            <a:endParaRPr sz="2200"/>
           </a:p>
         </p:txBody>
       </p:sp>
@@ -13227,7 +16011,269 @@
       </p:grpSpPr>
       <p:sp>
         <p:nvSpPr>
-          <p:cNvPr id="97" name="Google Shape;97;p5"/>
+          <p:cNvPr id="97" name="Google Shape;97;gb4e3af2de7_0_27"/>
+          <p:cNvSpPr txBox="1"/>
+          <p:nvPr>
+            <p:ph type="title"/>
+          </p:nvPr>
+        </p:nvSpPr>
+        <p:spPr>
+          <a:xfrm>
+            <a:off x="311700" y="445025"/>
+            <a:ext cx="8520600" cy="572700"/>
+          </a:xfrm>
+          <a:prstGeom prst="rect">
+            <a:avLst/>
+          </a:prstGeom>
+        </p:spPr>
+        <p:txBody>
+          <a:bodyPr anchorCtr="0" anchor="t" bIns="91425" lIns="91425" spcFirstLastPara="1" rIns="91425" wrap="square" tIns="91425">
+            <a:noAutofit/>
+          </a:bodyPr>
+          <a:lstStyle/>
+          <a:p>
+            <a:pPr indent="0" lvl="0" marL="0" rtl="0" algn="l">
+              <a:spcBef>
+                <a:spcPts val="0"/>
+              </a:spcBef>
+              <a:spcAft>
+                <a:spcPts val="0"/>
+              </a:spcAft>
+              <a:buNone/>
+            </a:pPr>
+            <a:r>
+              <a:t/>
+            </a:r>
+            <a:endParaRPr/>
+          </a:p>
+        </p:txBody>
+      </p:sp>
+      <p:sp>
+        <p:nvSpPr>
+          <p:cNvPr id="98" name="Google Shape;98;gb4e3af2de7_0_27"/>
+          <p:cNvSpPr txBox="1"/>
+          <p:nvPr>
+            <p:ph idx="1" type="body"/>
+          </p:nvPr>
+        </p:nvSpPr>
+        <p:spPr>
+          <a:xfrm>
+            <a:off x="311700" y="1152475"/>
+            <a:ext cx="8520600" cy="3416400"/>
+          </a:xfrm>
+          <a:prstGeom prst="rect">
+            <a:avLst/>
+          </a:prstGeom>
+        </p:spPr>
+        <p:txBody>
+          <a:bodyPr anchorCtr="0" anchor="t" bIns="91425" lIns="91425" spcFirstLastPara="1" rIns="91425" wrap="square" tIns="91425">
+            <a:noAutofit/>
+          </a:bodyPr>
+          <a:lstStyle/>
+          <a:p>
+            <a:pPr indent="0" lvl="0" marL="0" rtl="0" algn="l">
+              <a:spcBef>
+                <a:spcPts val="0"/>
+              </a:spcBef>
+              <a:spcAft>
+                <a:spcPts val="0"/>
+              </a:spcAft>
+              <a:buNone/>
+            </a:pPr>
+            <a:r>
+              <a:t/>
+            </a:r>
+            <a:endParaRPr/>
+          </a:p>
+        </p:txBody>
+      </p:sp>
+      <p:pic>
+        <p:nvPicPr>
+          <p:cNvPr id="99" name="Google Shape;99;gb4e3af2de7_0_27"/>
+          <p:cNvPicPr preferRelativeResize="0"/>
+          <p:nvPr/>
+        </p:nvPicPr>
+        <p:blipFill>
+          <a:blip r:embed="rId3">
+            <a:alphaModFix/>
+          </a:blip>
+          <a:stretch>
+            <a:fillRect/>
+          </a:stretch>
+        </p:blipFill>
+        <p:spPr>
+          <a:xfrm>
+            <a:off x="0" y="0"/>
+            <a:ext cx="9144000" cy="5143500"/>
+          </a:xfrm>
+          <a:prstGeom prst="rect">
+            <a:avLst/>
+          </a:prstGeom>
+          <a:noFill/>
+          <a:ln>
+            <a:noFill/>
+          </a:ln>
+        </p:spPr>
+      </p:pic>
+    </p:spTree>
+  </p:cSld>
+  <p:clrMapOvr>
+    <a:masterClrMapping/>
+  </p:clrMapOvr>
+</p:sld>
+</file>
+
+<file path=ppt/slides/slide6.xml><?xml version="1.0" encoding="utf-8"?>
+<p:sld xmlns:a="http://schemas.openxmlformats.org/drawingml/2006/main" xmlns:r="http://schemas.openxmlformats.org/officeDocument/2006/relationships" xmlns:mc="http://schemas.openxmlformats.org/markup-compatibility/2006" xmlns:mv="urn:schemas-microsoft-com:mac:vml" xmlns:p="http://schemas.openxmlformats.org/presentationml/2006/main" xmlns:c="http://schemas.openxmlformats.org/drawingml/2006/chart" xmlns:dgm="http://schemas.openxmlformats.org/drawingml/2006/diagram" xmlns:o="urn:schemas-microsoft-com:office:office" xmlns:v="urn:schemas-microsoft-com:vml" xmlns:pvml="urn:schemas-microsoft-com:office:powerpoint" xmlns:com="http://schemas.openxmlformats.org/drawingml/2006/compatibility" xmlns:p14="http://schemas.microsoft.com/office/powerpoint/2010/main" xmlns:p15="http://schemas.microsoft.com/office/powerpoint/2012/main" xmlns:ahyp="http://schemas.microsoft.com/office/drawing/2018/hyperlinkcolor">
+  <p:cSld>
+    <p:spTree>
+      <p:nvGrpSpPr>
+        <p:cNvPr id="103" name="Shape 103"/>
+        <p:cNvGrpSpPr/>
+        <p:nvPr/>
+      </p:nvGrpSpPr>
+      <p:grpSpPr>
+        <a:xfrm>
+          <a:off x="0" y="0"/>
+          <a:ext cx="0" cy="0"/>
+          <a:chOff x="0" y="0"/>
+          <a:chExt cx="0" cy="0"/>
+        </a:xfrm>
+      </p:grpSpPr>
+      <p:sp>
+        <p:nvSpPr>
+          <p:cNvPr id="104" name="Google Shape;104;gb4e3af2de7_0_33"/>
+          <p:cNvSpPr txBox="1"/>
+          <p:nvPr>
+            <p:ph type="title"/>
+          </p:nvPr>
+        </p:nvSpPr>
+        <p:spPr>
+          <a:xfrm>
+            <a:off x="311700" y="445025"/>
+            <a:ext cx="8520600" cy="572700"/>
+          </a:xfrm>
+          <a:prstGeom prst="rect">
+            <a:avLst/>
+          </a:prstGeom>
+        </p:spPr>
+        <p:txBody>
+          <a:bodyPr anchorCtr="0" anchor="t" bIns="91425" lIns="91425" spcFirstLastPara="1" rIns="91425" wrap="square" tIns="91425">
+            <a:noAutofit/>
+          </a:bodyPr>
+          <a:lstStyle/>
+          <a:p>
+            <a:pPr indent="0" lvl="0" marL="0" rtl="0" algn="l">
+              <a:spcBef>
+                <a:spcPts val="0"/>
+              </a:spcBef>
+              <a:spcAft>
+                <a:spcPts val="0"/>
+              </a:spcAft>
+              <a:buNone/>
+            </a:pPr>
+            <a:r>
+              <a:t/>
+            </a:r>
+            <a:endParaRPr/>
+          </a:p>
+        </p:txBody>
+      </p:sp>
+      <p:sp>
+        <p:nvSpPr>
+          <p:cNvPr id="105" name="Google Shape;105;gb4e3af2de7_0_33"/>
+          <p:cNvSpPr txBox="1"/>
+          <p:nvPr>
+            <p:ph idx="1" type="body"/>
+          </p:nvPr>
+        </p:nvSpPr>
+        <p:spPr>
+          <a:xfrm>
+            <a:off x="311700" y="1152475"/>
+            <a:ext cx="8520600" cy="3416400"/>
+          </a:xfrm>
+          <a:prstGeom prst="rect">
+            <a:avLst/>
+          </a:prstGeom>
+        </p:spPr>
+        <p:txBody>
+          <a:bodyPr anchorCtr="0" anchor="t" bIns="91425" lIns="91425" spcFirstLastPara="1" rIns="91425" wrap="square" tIns="91425">
+            <a:noAutofit/>
+          </a:bodyPr>
+          <a:lstStyle/>
+          <a:p>
+            <a:pPr indent="0" lvl="0" marL="0" rtl="0" algn="l">
+              <a:spcBef>
+                <a:spcPts val="0"/>
+              </a:spcBef>
+              <a:spcAft>
+                <a:spcPts val="0"/>
+              </a:spcAft>
+              <a:buNone/>
+            </a:pPr>
+            <a:r>
+              <a:t/>
+            </a:r>
+            <a:endParaRPr/>
+          </a:p>
+        </p:txBody>
+      </p:sp>
+      <p:pic>
+        <p:nvPicPr>
+          <p:cNvPr id="106" name="Google Shape;106;gb4e3af2de7_0_33"/>
+          <p:cNvPicPr preferRelativeResize="0"/>
+          <p:nvPr/>
+        </p:nvPicPr>
+        <p:blipFill>
+          <a:blip r:embed="rId3">
+            <a:alphaModFix/>
+          </a:blip>
+          <a:stretch>
+            <a:fillRect/>
+          </a:stretch>
+        </p:blipFill>
+        <p:spPr>
+          <a:xfrm>
+            <a:off x="0" y="0"/>
+            <a:ext cx="9144000" cy="5143500"/>
+          </a:xfrm>
+          <a:prstGeom prst="rect">
+            <a:avLst/>
+          </a:prstGeom>
+          <a:noFill/>
+          <a:ln>
+            <a:noFill/>
+          </a:ln>
+        </p:spPr>
+      </p:pic>
+    </p:spTree>
+  </p:cSld>
+  <p:clrMapOvr>
+    <a:masterClrMapping/>
+  </p:clrMapOvr>
+</p:sld>
+</file>
+
+<file path=ppt/slides/slide7.xml><?xml version="1.0" encoding="utf-8"?>
+<p:sld xmlns:a="http://schemas.openxmlformats.org/drawingml/2006/main" xmlns:r="http://schemas.openxmlformats.org/officeDocument/2006/relationships" xmlns:mc="http://schemas.openxmlformats.org/markup-compatibility/2006" xmlns:mv="urn:schemas-microsoft-com:mac:vml" xmlns:p="http://schemas.openxmlformats.org/presentationml/2006/main" xmlns:c="http://schemas.openxmlformats.org/drawingml/2006/chart" xmlns:dgm="http://schemas.openxmlformats.org/drawingml/2006/diagram" xmlns:o="urn:schemas-microsoft-com:office:office" xmlns:v="urn:schemas-microsoft-com:vml" xmlns:pvml="urn:schemas-microsoft-com:office:powerpoint" xmlns:com="http://schemas.openxmlformats.org/drawingml/2006/compatibility" xmlns:p14="http://schemas.microsoft.com/office/powerpoint/2010/main" xmlns:p15="http://schemas.microsoft.com/office/powerpoint/2012/main" xmlns:ahyp="http://schemas.microsoft.com/office/drawing/2018/hyperlinkcolor">
+  <p:cSld>
+    <p:spTree>
+      <p:nvGrpSpPr>
+        <p:cNvPr id="110" name="Shape 110"/>
+        <p:cNvGrpSpPr/>
+        <p:nvPr/>
+      </p:nvGrpSpPr>
+      <p:grpSpPr>
+        <a:xfrm>
+          <a:off x="0" y="0"/>
+          <a:ext cx="0" cy="0"/>
+          <a:chOff x="0" y="0"/>
+          <a:chExt cx="0" cy="0"/>
+        </a:xfrm>
+      </p:grpSpPr>
+      <p:sp>
+        <p:nvSpPr>
+          <p:cNvPr id="111" name="Google Shape;111;p5"/>
           <p:cNvSpPr txBox="1"/>
           <p:nvPr>
             <p:ph type="title"/>
@@ -13275,7 +16321,7 @@
       </p:sp>
       <p:sp>
         <p:nvSpPr>
-          <p:cNvPr id="98" name="Google Shape;98;p5"/>
+          <p:cNvPr id="112" name="Google Shape;112;p5"/>
           <p:cNvSpPr txBox="1"/>
           <p:nvPr>
             <p:ph idx="1" type="body"/>
@@ -13375,7 +16421,7 @@
             </a:pPr>
             <a:r>
               <a:rPr lang="en"/>
-              <a:t>We narrowed that down to 2009-2020, and single family residences(SFR). </a:t>
+              <a:t>We wanted to avoid the 2008 recession due to outliers. </a:t>
             </a:r>
             <a:endParaRPr/>
           </a:p>
@@ -13395,7 +16441,27 @@
             </a:pPr>
             <a:r>
               <a:rPr lang="en"/>
-              <a:t>We chose four cities, the ones with the highest and lowest Covid-19 rates in California and Florida. </a:t>
+              <a:t>We narrowed that down to 2010-2020, and single family residences(SFR). </a:t>
+            </a:r>
+            <a:endParaRPr/>
+          </a:p>
+          <a:p>
+            <a:pPr indent="-342900" lvl="0" marL="457200" rtl="0" algn="l">
+              <a:lnSpc>
+                <a:spcPct val="115000"/>
+              </a:lnSpc>
+              <a:spcBef>
+                <a:spcPts val="0"/>
+              </a:spcBef>
+              <a:spcAft>
+                <a:spcPts val="0"/>
+              </a:spcAft>
+              <a:buSzPts val="1800"/>
+              <a:buChar char="●"/>
+            </a:pPr>
+            <a:r>
+              <a:rPr lang="en"/>
+              <a:t>We chose four cities Los Angeles, Miami, Lakeland, and San Jose..</a:t>
             </a:r>
             <a:endParaRPr/>
           </a:p>
@@ -13427,12 +16493,12 @@
 </p:sld>
 </file>
 
-<file path=ppt/slides/slide6.xml><?xml version="1.0" encoding="utf-8"?>
+<file path=ppt/slides/slide8.xml><?xml version="1.0" encoding="utf-8"?>
 <p:sld xmlns:a="http://schemas.openxmlformats.org/drawingml/2006/main" xmlns:r="http://schemas.openxmlformats.org/officeDocument/2006/relationships" xmlns:mc="http://schemas.openxmlformats.org/markup-compatibility/2006" xmlns:mv="urn:schemas-microsoft-com:mac:vml" xmlns:p="http://schemas.openxmlformats.org/presentationml/2006/main" xmlns:c="http://schemas.openxmlformats.org/drawingml/2006/chart" xmlns:dgm="http://schemas.openxmlformats.org/drawingml/2006/diagram" xmlns:o="urn:schemas-microsoft-com:office:office" xmlns:v="urn:schemas-microsoft-com:vml" xmlns:pvml="urn:schemas-microsoft-com:office:powerpoint" xmlns:com="http://schemas.openxmlformats.org/drawingml/2006/compatibility" xmlns:p14="http://schemas.microsoft.com/office/powerpoint/2010/main" xmlns:p15="http://schemas.microsoft.com/office/powerpoint/2012/main" xmlns:ahyp="http://schemas.microsoft.com/office/drawing/2018/hyperlinkcolor">
   <p:cSld>
     <p:spTree>
       <p:nvGrpSpPr>
-        <p:cNvPr id="102" name="Shape 102"/>
+        <p:cNvPr id="116" name="Shape 116"/>
         <p:cNvGrpSpPr/>
         <p:nvPr/>
       </p:nvGrpSpPr>
@@ -13446,7 +16512,7 @@
       </p:grpSpPr>
       <p:sp>
         <p:nvSpPr>
-          <p:cNvPr id="103" name="Google Shape;103;p6"/>
+          <p:cNvPr id="117" name="Google Shape;117;p6"/>
           <p:cNvSpPr txBox="1"/>
           <p:nvPr>
             <p:ph type="title"/>
@@ -13494,7 +16560,7 @@
       </p:sp>
       <p:grpSp>
         <p:nvGrpSpPr>
-          <p:cNvPr id="104" name="Google Shape;104;p6"/>
+          <p:cNvPr id="118" name="Google Shape;118;p6"/>
           <p:cNvGrpSpPr/>
           <p:nvPr/>
         </p:nvGrpSpPr>
@@ -13508,7 +16574,7 @@
         </p:grpSpPr>
         <p:sp>
           <p:nvSpPr>
-            <p:cNvPr id="105" name="Google Shape;105;p6"/>
+            <p:cNvPr id="119" name="Google Shape;119;p6"/>
             <p:cNvSpPr txBox="1"/>
             <p:nvPr/>
           </p:nvSpPr>
@@ -13567,7 +16633,7 @@
         </p:sp>
         <p:sp>
           <p:nvSpPr>
-            <p:cNvPr id="106" name="Google Shape;106;p6"/>
+            <p:cNvPr id="120" name="Google Shape;120;p6"/>
             <p:cNvSpPr/>
             <p:nvPr/>
           </p:nvSpPr>
@@ -13631,7 +16697,7 @@
       </p:grpSp>
       <p:sp>
         <p:nvSpPr>
-          <p:cNvPr id="107" name="Google Shape;107;p6"/>
+          <p:cNvPr id="121" name="Google Shape;121;p6"/>
           <p:cNvSpPr txBox="1"/>
           <p:nvPr>
             <p:ph idx="4294967295" type="body"/>
@@ -13675,7 +16741,7 @@
                   <a:schemeClr val="lt1"/>
                 </a:solidFill>
               </a:rPr>
-              <a:t>Los Angeles Metro</a:t>
+              <a:t>Los Angeles</a:t>
             </a:r>
             <a:endParaRPr>
               <a:solidFill>
@@ -13687,7 +16753,7 @@
       </p:sp>
       <p:sp>
         <p:nvSpPr>
-          <p:cNvPr id="108" name="Google Shape;108;p6"/>
+          <p:cNvPr id="122" name="Google Shape;122;p6"/>
           <p:cNvSpPr txBox="1"/>
           <p:nvPr>
             <p:ph idx="4294967295" type="body"/>
@@ -13727,27 +16793,7 @@
             </a:pPr>
             <a:r>
               <a:rPr lang="en" sz="1600"/>
-              <a:t>Population: 12,447,000 (2020)</a:t>
-            </a:r>
-            <a:endParaRPr sz="1600"/>
-          </a:p>
-          <a:p>
-            <a:pPr indent="0" lvl="0" marL="0" rtl="0" algn="l">
-              <a:lnSpc>
-                <a:spcPct val="115000"/>
-              </a:lnSpc>
-              <a:spcBef>
-                <a:spcPts val="1600"/>
-              </a:spcBef>
-              <a:spcAft>
-                <a:spcPts val="0"/>
-              </a:spcAft>
-              <a:buSzPts val="1800"/>
-              <a:buNone/>
-            </a:pPr>
-            <a:r>
-              <a:rPr lang="en" sz="1600"/>
-              <a:t>33,954 sq miles</a:t>
+              <a:t>Population: 3,979,576 (2019)</a:t>
             </a:r>
             <a:endParaRPr/>
           </a:p>
@@ -13767,7 +16813,7 @@
             </a:pPr>
             <a:r>
               <a:rPr lang="en" sz="1600"/>
-              <a:t>Second largest urban region in the US</a:t>
+              <a:t>Second Largest city in the US.</a:t>
             </a:r>
             <a:endParaRPr/>
           </a:p>
@@ -13791,11 +16837,30 @@
             </a:r>
             <a:endParaRPr sz="1600"/>
           </a:p>
+          <a:p>
+            <a:pPr indent="0" lvl="0" marL="0" rtl="0" algn="l">
+              <a:lnSpc>
+                <a:spcPct val="115000"/>
+              </a:lnSpc>
+              <a:spcBef>
+                <a:spcPts val="1600"/>
+              </a:spcBef>
+              <a:spcAft>
+                <a:spcPts val="0"/>
+              </a:spcAft>
+              <a:buSzPts val="1800"/>
+              <a:buNone/>
+            </a:pPr>
+            <a:r>
+              <a:t/>
+            </a:r>
+            <a:endParaRPr sz="1600"/>
+          </a:p>
         </p:txBody>
       </p:sp>
       <p:grpSp>
         <p:nvGrpSpPr>
-          <p:cNvPr id="109" name="Google Shape;109;p6"/>
+          <p:cNvPr id="123" name="Google Shape;123;p6"/>
           <p:cNvGrpSpPr/>
           <p:nvPr/>
         </p:nvGrpSpPr>
@@ -13809,7 +16874,7 @@
         </p:grpSpPr>
         <p:sp>
           <p:nvSpPr>
-            <p:cNvPr id="110" name="Google Shape;110;p6"/>
+            <p:cNvPr id="124" name="Google Shape;124;p6"/>
             <p:cNvSpPr txBox="1"/>
             <p:nvPr/>
           </p:nvSpPr>
@@ -13868,7 +16933,7 @@
         </p:sp>
         <p:sp>
           <p:nvSpPr>
-            <p:cNvPr id="111" name="Google Shape;111;p6"/>
+            <p:cNvPr id="125" name="Google Shape;125;p6"/>
             <p:cNvSpPr/>
             <p:nvPr/>
           </p:nvSpPr>
@@ -13932,7 +16997,7 @@
       </p:grpSp>
       <p:sp>
         <p:nvSpPr>
-          <p:cNvPr id="112" name="Google Shape;112;p6"/>
+          <p:cNvPr id="126" name="Google Shape;126;p6"/>
           <p:cNvSpPr txBox="1"/>
           <p:nvPr>
             <p:ph idx="4294967295" type="body"/>
@@ -13976,7 +17041,15 @@
                   <a:schemeClr val="lt1"/>
                 </a:solidFill>
               </a:rPr>
-              <a:t>Miami Metro</a:t>
+              <a:t>San Jose</a:t>
+            </a:r>
+            <a:r>
+              <a:rPr lang="en">
+                <a:solidFill>
+                  <a:schemeClr val="lt1"/>
+                </a:solidFill>
+              </a:rPr>
+              <a:t> </a:t>
             </a:r>
             <a:endParaRPr>
               <a:solidFill>
@@ -13988,7 +17061,7 @@
       </p:sp>
       <p:sp>
         <p:nvSpPr>
-          <p:cNvPr id="113" name="Google Shape;113;p6"/>
+          <p:cNvPr id="127" name="Google Shape;127;p6"/>
           <p:cNvSpPr txBox="1"/>
           <p:nvPr>
             <p:ph idx="4294967295" type="body"/>
@@ -14028,7 +17101,7 @@
             </a:pPr>
             <a:r>
               <a:rPr lang="en" sz="1600"/>
-              <a:t>Population: 6,122,000 (2020)</a:t>
+              <a:t>Population: 1,021,795  (2019)</a:t>
             </a:r>
             <a:endParaRPr/>
           </a:p>
@@ -14067,46 +17140,7 @@
             </a:pPr>
             <a:r>
               <a:rPr lang="en" sz="1600"/>
-              <a:t>6,137 sq miles</a:t>
-            </a:r>
-            <a:endParaRPr/>
-          </a:p>
-          <a:p>
-            <a:pPr indent="0" lvl="0" marL="0" rtl="0" algn="l">
-              <a:lnSpc>
-                <a:spcPct val="115000"/>
-              </a:lnSpc>
-              <a:spcBef>
-                <a:spcPts val="0"/>
-              </a:spcBef>
-              <a:spcAft>
-                <a:spcPts val="0"/>
-              </a:spcAft>
-              <a:buSzPts val="1800"/>
-              <a:buNone/>
-            </a:pPr>
-            <a:r>
-              <a:t/>
-            </a:r>
-            <a:endParaRPr sz="1600"/>
-          </a:p>
-          <a:p>
-            <a:pPr indent="0" lvl="0" marL="0" rtl="0" algn="l">
-              <a:lnSpc>
-                <a:spcPct val="115000"/>
-              </a:lnSpc>
-              <a:spcBef>
-                <a:spcPts val="0"/>
-              </a:spcBef>
-              <a:spcAft>
-                <a:spcPts val="0"/>
-              </a:spcAft>
-              <a:buSzPts val="1800"/>
-              <a:buNone/>
-            </a:pPr>
-            <a:r>
-              <a:rPr lang="en" sz="1600"/>
-              <a:t>Seventh largest urban region in the US</a:t>
+              <a:t>Largest city in Northern California</a:t>
             </a:r>
             <a:endParaRPr/>
           </a:p>
@@ -14129,1458 +17163,7 @@
             </a:br>
             <a:r>
               <a:rPr lang="en" sz="1600"/>
-              <a:t>Closest Ocean: Atlantic</a:t>
-            </a:r>
-            <a:endParaRPr sz="1600"/>
-          </a:p>
-        </p:txBody>
-      </p:sp>
-    </p:spTree>
-  </p:cSld>
-  <p:clrMapOvr>
-    <a:masterClrMapping/>
-  </p:clrMapOvr>
-</p:sld>
-</file>
-
-<file path=ppt/slides/slide7.xml><?xml version="1.0" encoding="utf-8"?>
-<p:sld xmlns:a="http://schemas.openxmlformats.org/drawingml/2006/main" xmlns:r="http://schemas.openxmlformats.org/officeDocument/2006/relationships" xmlns:mc="http://schemas.openxmlformats.org/markup-compatibility/2006" xmlns:mv="urn:schemas-microsoft-com:mac:vml" xmlns:p="http://schemas.openxmlformats.org/presentationml/2006/main" xmlns:c="http://schemas.openxmlformats.org/drawingml/2006/chart" xmlns:dgm="http://schemas.openxmlformats.org/drawingml/2006/diagram" xmlns:o="urn:schemas-microsoft-com:office:office" xmlns:v="urn:schemas-microsoft-com:vml" xmlns:pvml="urn:schemas-microsoft-com:office:powerpoint" xmlns:com="http://schemas.openxmlformats.org/drawingml/2006/compatibility" xmlns:p14="http://schemas.microsoft.com/office/powerpoint/2010/main" xmlns:p15="http://schemas.microsoft.com/office/powerpoint/2012/main" xmlns:ahyp="http://schemas.microsoft.com/office/drawing/2018/hyperlinkcolor">
-  <p:cSld>
-    <p:spTree>
-      <p:nvGrpSpPr>
-        <p:cNvPr id="117" name="Shape 117"/>
-        <p:cNvGrpSpPr/>
-        <p:nvPr/>
-      </p:nvGrpSpPr>
-      <p:grpSpPr>
-        <a:xfrm>
-          <a:off x="0" y="0"/>
-          <a:ext cx="0" cy="0"/>
-          <a:chOff x="0" y="0"/>
-          <a:chExt cx="0" cy="0"/>
-        </a:xfrm>
-      </p:grpSpPr>
-      <p:sp>
-        <p:nvSpPr>
-          <p:cNvPr id="118" name="Google Shape;118;gb4c4ba5fb0_0_7"/>
-          <p:cNvSpPr txBox="1"/>
-          <p:nvPr>
-            <p:ph type="title"/>
-          </p:nvPr>
-        </p:nvSpPr>
-        <p:spPr>
-          <a:xfrm>
-            <a:off x="311700" y="445025"/>
-            <a:ext cx="8520600" cy="572700"/>
-          </a:xfrm>
-          <a:prstGeom prst="rect">
-            <a:avLst/>
-          </a:prstGeom>
-          <a:noFill/>
-          <a:ln>
-            <a:noFill/>
-          </a:ln>
-        </p:spPr>
-        <p:txBody>
-          <a:bodyPr anchorCtr="0" anchor="t" bIns="91425" lIns="91425" spcFirstLastPara="1" rIns="91425" wrap="square" tIns="91425">
-            <a:noAutofit/>
-          </a:bodyPr>
-          <a:lstStyle/>
-          <a:p>
-            <a:pPr indent="0" lvl="0" marL="0" rtl="0" algn="l">
-              <a:lnSpc>
-                <a:spcPct val="100000"/>
-              </a:lnSpc>
-              <a:spcBef>
-                <a:spcPts val="0"/>
-              </a:spcBef>
-              <a:spcAft>
-                <a:spcPts val="0"/>
-              </a:spcAft>
-              <a:buSzPts val="3000"/>
-              <a:buNone/>
-            </a:pPr>
-            <a:r>
-              <a:rPr lang="en"/>
-              <a:t>Background &amp; Overview</a:t>
-            </a:r>
-            <a:endParaRPr/>
-          </a:p>
-        </p:txBody>
-      </p:sp>
-      <p:grpSp>
-        <p:nvGrpSpPr>
-          <p:cNvPr id="119" name="Google Shape;119;gb4c4ba5fb0_0_7"/>
-          <p:cNvGrpSpPr/>
-          <p:nvPr/>
-        </p:nvGrpSpPr>
-        <p:grpSpPr>
-          <a:xfrm>
-            <a:off x="977740" y="1304875"/>
-            <a:ext cx="3441789" cy="3416400"/>
-            <a:chOff x="431925" y="1304875"/>
-            <a:chExt cx="2628925" cy="3416400"/>
-          </a:xfrm>
-        </p:grpSpPr>
-        <p:sp>
-          <p:nvSpPr>
-            <p:cNvPr id="120" name="Google Shape;120;gb4c4ba5fb0_0_7"/>
-            <p:cNvSpPr txBox="1"/>
-            <p:nvPr/>
-          </p:nvSpPr>
-          <p:spPr>
-            <a:xfrm>
-              <a:off x="431925" y="1304875"/>
-              <a:ext cx="2628900" cy="464100"/>
-            </a:xfrm>
-            <a:prstGeom prst="rect">
-              <a:avLst/>
-            </a:prstGeom>
-            <a:solidFill>
-              <a:schemeClr val="dk1"/>
-            </a:solidFill>
-            <a:ln>
-              <a:noFill/>
-            </a:ln>
-          </p:spPr>
-          <p:txBody>
-            <a:bodyPr anchorCtr="0" anchor="ctr" bIns="91425" lIns="91425" spcFirstLastPara="1" rIns="91425" wrap="square" tIns="91425">
-              <a:noAutofit/>
-            </a:bodyPr>
-            <a:lstStyle/>
-            <a:p>
-              <a:pPr indent="0" lvl="0" marL="0" marR="0" rtl="0" algn="l">
-                <a:lnSpc>
-                  <a:spcPct val="100000"/>
-                </a:lnSpc>
-                <a:spcBef>
-                  <a:spcPts val="0"/>
-                </a:spcBef>
-                <a:spcAft>
-                  <a:spcPts val="0"/>
-                </a:spcAft>
-                <a:buClr>
-                  <a:srgbClr val="000000"/>
-                </a:buClr>
-                <a:buSzPts val="1400"/>
-                <a:buFont typeface="Arial"/>
-                <a:buNone/>
-              </a:pPr>
-              <a:r>
-                <a:t/>
-              </a:r>
-              <a:endParaRPr b="0" i="0" sz="1400" u="none" cap="none" strike="noStrike">
-                <a:solidFill>
-                  <a:srgbClr val="000000"/>
-                </a:solidFill>
-                <a:latin typeface="Arial"/>
-                <a:ea typeface="Arial"/>
-                <a:cs typeface="Arial"/>
-                <a:sym typeface="Arial"/>
-              </a:endParaRPr>
-            </a:p>
-          </p:txBody>
-        </p:sp>
-        <p:sp>
-          <p:nvSpPr>
-            <p:cNvPr id="121" name="Google Shape;121;gb4c4ba5fb0_0_7"/>
-            <p:cNvSpPr/>
-            <p:nvPr/>
-          </p:nvSpPr>
-          <p:spPr>
-            <a:xfrm>
-              <a:off x="431950" y="1304875"/>
-              <a:ext cx="2628900" cy="3416400"/>
-            </a:xfrm>
-            <a:prstGeom prst="rect">
-              <a:avLst/>
-            </a:prstGeom>
-            <a:noFill/>
-            <a:ln cap="flat" cmpd="sng" w="9525">
-              <a:solidFill>
-                <a:schemeClr val="dk1"/>
-              </a:solidFill>
-              <a:prstDash val="solid"/>
-              <a:round/>
-              <a:headEnd len="sm" w="sm" type="none"/>
-              <a:tailEnd len="sm" w="sm" type="none"/>
-            </a:ln>
-          </p:spPr>
-          <p:txBody>
-            <a:bodyPr anchorCtr="0" anchor="ctr" bIns="91425" lIns="91425" spcFirstLastPara="1" rIns="91425" wrap="square" tIns="91425">
-              <a:noAutofit/>
-            </a:bodyPr>
-            <a:lstStyle/>
-            <a:p>
-              <a:pPr indent="0" lvl="0" marL="0" marR="0" rtl="0" algn="l">
-                <a:lnSpc>
-                  <a:spcPct val="100000"/>
-                </a:lnSpc>
-                <a:spcBef>
-                  <a:spcPts val="0"/>
-                </a:spcBef>
-                <a:spcAft>
-                  <a:spcPts val="0"/>
-                </a:spcAft>
-                <a:buClr>
-                  <a:srgbClr val="000000"/>
-                </a:buClr>
-                <a:buSzPts val="1400"/>
-                <a:buFont typeface="Arial"/>
-                <a:buNone/>
-              </a:pPr>
-              <a:r>
-                <a:t/>
-              </a:r>
-              <a:endParaRPr b="0" i="0" sz="1400" u="none" cap="none" strike="noStrike">
-                <a:solidFill>
-                  <a:srgbClr val="000000"/>
-                </a:solidFill>
-                <a:latin typeface="Arial"/>
-                <a:ea typeface="Arial"/>
-                <a:cs typeface="Arial"/>
-                <a:sym typeface="Arial"/>
-              </a:endParaRPr>
-            </a:p>
-          </p:txBody>
-        </p:sp>
-      </p:grpSp>
-      <p:sp>
-        <p:nvSpPr>
-          <p:cNvPr id="122" name="Google Shape;122;gb4c4ba5fb0_0_7"/>
-          <p:cNvSpPr txBox="1"/>
-          <p:nvPr>
-            <p:ph idx="4294967295" type="body"/>
-          </p:nvPr>
-        </p:nvSpPr>
-        <p:spPr>
-          <a:xfrm>
-            <a:off x="1371600" y="1304875"/>
-            <a:ext cx="2494500" cy="461400"/>
-          </a:xfrm>
-          <a:prstGeom prst="rect">
-            <a:avLst/>
-          </a:prstGeom>
-          <a:noFill/>
-          <a:ln>
-            <a:noFill/>
-          </a:ln>
-        </p:spPr>
-        <p:txBody>
-          <a:bodyPr anchorCtr="0" anchor="t" bIns="91425" lIns="91425" spcFirstLastPara="1" rIns="91425" wrap="square" tIns="91425">
-            <a:noAutofit/>
-          </a:bodyPr>
-          <a:lstStyle/>
-          <a:p>
-            <a:pPr indent="0" lvl="0" marL="0" rtl="0" algn="ctr">
-              <a:lnSpc>
-                <a:spcPct val="115000"/>
-              </a:lnSpc>
-              <a:spcBef>
-                <a:spcPts val="0"/>
-              </a:spcBef>
-              <a:spcAft>
-                <a:spcPts val="0"/>
-              </a:spcAft>
-              <a:buSzPts val="1800"/>
-              <a:buNone/>
-            </a:pPr>
-            <a:r>
-              <a:rPr lang="en">
-                <a:solidFill>
-                  <a:schemeClr val="lt1"/>
-                </a:solidFill>
-              </a:rPr>
-              <a:t>Other City</a:t>
-            </a:r>
-            <a:endParaRPr>
-              <a:solidFill>
-                <a:schemeClr val="lt1"/>
-              </a:solidFill>
-            </a:endParaRPr>
-          </a:p>
-        </p:txBody>
-      </p:sp>
-      <p:sp>
-        <p:nvSpPr>
-          <p:cNvPr id="123" name="Google Shape;123;gb4c4ba5fb0_0_7"/>
-          <p:cNvSpPr txBox="1"/>
-          <p:nvPr>
-            <p:ph idx="4294967295" type="body"/>
-          </p:nvPr>
-        </p:nvSpPr>
-        <p:spPr>
-          <a:xfrm>
-            <a:off x="1051675" y="1850300"/>
-            <a:ext cx="3291600" cy="2794800"/>
-          </a:xfrm>
-          <a:prstGeom prst="rect">
-            <a:avLst/>
-          </a:prstGeom>
-          <a:noFill/>
-          <a:ln>
-            <a:noFill/>
-          </a:ln>
-        </p:spPr>
-        <p:txBody>
-          <a:bodyPr anchorCtr="0" anchor="t" bIns="91425" lIns="91425" spcFirstLastPara="1" rIns="91425" wrap="square" tIns="91425">
-            <a:noAutofit/>
-          </a:bodyPr>
-          <a:lstStyle/>
-          <a:p>
-            <a:pPr indent="0" lvl="0" marL="0" rtl="0" algn="l">
-              <a:lnSpc>
-                <a:spcPct val="115000"/>
-              </a:lnSpc>
-              <a:spcBef>
-                <a:spcPts val="0"/>
-              </a:spcBef>
-              <a:spcAft>
-                <a:spcPts val="0"/>
-              </a:spcAft>
-              <a:buSzPts val="1800"/>
-              <a:buNone/>
-            </a:pPr>
-            <a:r>
-              <a:rPr lang="en" sz="1600"/>
-              <a:t>Population: 12,447,000 (2020)</a:t>
-            </a:r>
-            <a:endParaRPr sz="1600"/>
-          </a:p>
-          <a:p>
-            <a:pPr indent="0" lvl="0" marL="0" rtl="0" algn="l">
-              <a:lnSpc>
-                <a:spcPct val="115000"/>
-              </a:lnSpc>
-              <a:spcBef>
-                <a:spcPts val="1600"/>
-              </a:spcBef>
-              <a:spcAft>
-                <a:spcPts val="0"/>
-              </a:spcAft>
-              <a:buSzPts val="1800"/>
-              <a:buNone/>
-            </a:pPr>
-            <a:r>
-              <a:rPr lang="en" sz="1600"/>
-              <a:t>33,954 sq miles</a:t>
-            </a:r>
-            <a:endParaRPr/>
-          </a:p>
-          <a:p>
-            <a:pPr indent="0" lvl="0" marL="0" rtl="0" algn="l">
-              <a:lnSpc>
-                <a:spcPct val="115000"/>
-              </a:lnSpc>
-              <a:spcBef>
-                <a:spcPts val="1600"/>
-              </a:spcBef>
-              <a:spcAft>
-                <a:spcPts val="0"/>
-              </a:spcAft>
-              <a:buSzPts val="1800"/>
-              <a:buNone/>
-            </a:pPr>
-            <a:r>
-              <a:rPr lang="en" sz="1600"/>
-              <a:t>Second largest urban region in the US</a:t>
-            </a:r>
-            <a:endParaRPr/>
-          </a:p>
-          <a:p>
-            <a:pPr indent="0" lvl="0" marL="0" rtl="0" algn="l">
-              <a:lnSpc>
-                <a:spcPct val="115000"/>
-              </a:lnSpc>
-              <a:spcBef>
-                <a:spcPts val="1600"/>
-              </a:spcBef>
-              <a:spcAft>
-                <a:spcPts val="0"/>
-              </a:spcAft>
-              <a:buSzPts val="1800"/>
-              <a:buNone/>
-            </a:pPr>
-            <a:r>
-              <a:rPr lang="en" sz="1600"/>
               <a:t>Closest Ocean: Pacific</a:t>
-            </a:r>
-            <a:endParaRPr sz="1600"/>
-          </a:p>
-        </p:txBody>
-      </p:sp>
-      <p:grpSp>
-        <p:nvGrpSpPr>
-          <p:cNvPr id="124" name="Google Shape;124;gb4c4ba5fb0_0_7"/>
-          <p:cNvGrpSpPr/>
-          <p:nvPr/>
-        </p:nvGrpSpPr>
-        <p:grpSpPr>
-          <a:xfrm>
-            <a:off x="4952891" y="1304875"/>
-            <a:ext cx="3441731" cy="3416400"/>
-            <a:chOff x="3320450" y="1304875"/>
-            <a:chExt cx="2632500" cy="3416400"/>
-          </a:xfrm>
-        </p:grpSpPr>
-        <p:sp>
-          <p:nvSpPr>
-            <p:cNvPr id="125" name="Google Shape;125;gb4c4ba5fb0_0_7"/>
-            <p:cNvSpPr txBox="1"/>
-            <p:nvPr/>
-          </p:nvSpPr>
-          <p:spPr>
-            <a:xfrm>
-              <a:off x="3324050" y="1304875"/>
-              <a:ext cx="2628900" cy="464100"/>
-            </a:xfrm>
-            <a:prstGeom prst="rect">
-              <a:avLst/>
-            </a:prstGeom>
-            <a:solidFill>
-              <a:schemeClr val="dk1"/>
-            </a:solidFill>
-            <a:ln>
-              <a:noFill/>
-            </a:ln>
-          </p:spPr>
-          <p:txBody>
-            <a:bodyPr anchorCtr="0" anchor="ctr" bIns="91425" lIns="91425" spcFirstLastPara="1" rIns="91425" wrap="square" tIns="91425">
-              <a:noAutofit/>
-            </a:bodyPr>
-            <a:lstStyle/>
-            <a:p>
-              <a:pPr indent="0" lvl="0" marL="0" marR="0" rtl="0" algn="l">
-                <a:lnSpc>
-                  <a:spcPct val="100000"/>
-                </a:lnSpc>
-                <a:spcBef>
-                  <a:spcPts val="0"/>
-                </a:spcBef>
-                <a:spcAft>
-                  <a:spcPts val="0"/>
-                </a:spcAft>
-                <a:buClr>
-                  <a:srgbClr val="000000"/>
-                </a:buClr>
-                <a:buSzPts val="1400"/>
-                <a:buFont typeface="Arial"/>
-                <a:buNone/>
-              </a:pPr>
-              <a:r>
-                <a:t/>
-              </a:r>
-              <a:endParaRPr b="0" i="0" sz="1400" u="none" cap="none" strike="noStrike">
-                <a:solidFill>
-                  <a:srgbClr val="000000"/>
-                </a:solidFill>
-                <a:latin typeface="Arial"/>
-                <a:ea typeface="Arial"/>
-                <a:cs typeface="Arial"/>
-                <a:sym typeface="Arial"/>
-              </a:endParaRPr>
-            </a:p>
-          </p:txBody>
-        </p:sp>
-        <p:sp>
-          <p:nvSpPr>
-            <p:cNvPr id="126" name="Google Shape;126;gb4c4ba5fb0_0_7"/>
-            <p:cNvSpPr/>
-            <p:nvPr/>
-          </p:nvSpPr>
-          <p:spPr>
-            <a:xfrm>
-              <a:off x="3320450" y="1304875"/>
-              <a:ext cx="2628900" cy="3416400"/>
-            </a:xfrm>
-            <a:prstGeom prst="rect">
-              <a:avLst/>
-            </a:prstGeom>
-            <a:noFill/>
-            <a:ln cap="flat" cmpd="sng" w="9525">
-              <a:solidFill>
-                <a:schemeClr val="dk1"/>
-              </a:solidFill>
-              <a:prstDash val="solid"/>
-              <a:round/>
-              <a:headEnd len="sm" w="sm" type="none"/>
-              <a:tailEnd len="sm" w="sm" type="none"/>
-            </a:ln>
-          </p:spPr>
-          <p:txBody>
-            <a:bodyPr anchorCtr="0" anchor="ctr" bIns="91425" lIns="91425" spcFirstLastPara="1" rIns="91425" wrap="square" tIns="91425">
-              <a:noAutofit/>
-            </a:bodyPr>
-            <a:lstStyle/>
-            <a:p>
-              <a:pPr indent="0" lvl="0" marL="0" marR="0" rtl="0" algn="l">
-                <a:lnSpc>
-                  <a:spcPct val="100000"/>
-                </a:lnSpc>
-                <a:spcBef>
-                  <a:spcPts val="0"/>
-                </a:spcBef>
-                <a:spcAft>
-                  <a:spcPts val="0"/>
-                </a:spcAft>
-                <a:buClr>
-                  <a:srgbClr val="000000"/>
-                </a:buClr>
-                <a:buSzPts val="1400"/>
-                <a:buFont typeface="Arial"/>
-                <a:buNone/>
-              </a:pPr>
-              <a:r>
-                <a:t/>
-              </a:r>
-              <a:endParaRPr b="0" i="0" sz="1400" u="none" cap="none" strike="noStrike">
-                <a:solidFill>
-                  <a:srgbClr val="000000"/>
-                </a:solidFill>
-                <a:latin typeface="Arial"/>
-                <a:ea typeface="Arial"/>
-                <a:cs typeface="Arial"/>
-                <a:sym typeface="Arial"/>
-              </a:endParaRPr>
-            </a:p>
-          </p:txBody>
-        </p:sp>
-      </p:grpSp>
-      <p:sp>
-        <p:nvSpPr>
-          <p:cNvPr id="127" name="Google Shape;127;gb4c4ba5fb0_0_7"/>
-          <p:cNvSpPr txBox="1"/>
-          <p:nvPr>
-            <p:ph idx="4294967295" type="body"/>
-          </p:nvPr>
-        </p:nvSpPr>
-        <p:spPr>
-          <a:xfrm>
-            <a:off x="5370025" y="1304875"/>
-            <a:ext cx="2494500" cy="461400"/>
-          </a:xfrm>
-          <a:prstGeom prst="rect">
-            <a:avLst/>
-          </a:prstGeom>
-          <a:noFill/>
-          <a:ln>
-            <a:noFill/>
-          </a:ln>
-        </p:spPr>
-        <p:txBody>
-          <a:bodyPr anchorCtr="0" anchor="t" bIns="91425" lIns="91425" spcFirstLastPara="1" rIns="91425" wrap="square" tIns="91425">
-            <a:noAutofit/>
-          </a:bodyPr>
-          <a:lstStyle/>
-          <a:p>
-            <a:pPr indent="0" lvl="0" marL="0" rtl="0" algn="ctr">
-              <a:lnSpc>
-                <a:spcPct val="115000"/>
-              </a:lnSpc>
-              <a:spcBef>
-                <a:spcPts val="0"/>
-              </a:spcBef>
-              <a:spcAft>
-                <a:spcPts val="0"/>
-              </a:spcAft>
-              <a:buSzPts val="1800"/>
-              <a:buNone/>
-            </a:pPr>
-            <a:r>
-              <a:rPr lang="en">
-                <a:solidFill>
-                  <a:schemeClr val="lt1"/>
-                </a:solidFill>
-              </a:rPr>
-              <a:t>Other City</a:t>
-            </a:r>
-            <a:endParaRPr>
-              <a:solidFill>
-                <a:schemeClr val="lt1"/>
-              </a:solidFill>
-            </a:endParaRPr>
-          </a:p>
-        </p:txBody>
-      </p:sp>
-      <p:sp>
-        <p:nvSpPr>
-          <p:cNvPr id="128" name="Google Shape;128;gb4c4ba5fb0_0_7"/>
-          <p:cNvSpPr txBox="1"/>
-          <p:nvPr>
-            <p:ph idx="4294967295" type="body"/>
-          </p:nvPr>
-        </p:nvSpPr>
-        <p:spPr>
-          <a:xfrm>
-            <a:off x="5021216" y="1850300"/>
-            <a:ext cx="3360900" cy="2794800"/>
-          </a:xfrm>
-          <a:prstGeom prst="rect">
-            <a:avLst/>
-          </a:prstGeom>
-          <a:noFill/>
-          <a:ln>
-            <a:noFill/>
-          </a:ln>
-        </p:spPr>
-        <p:txBody>
-          <a:bodyPr anchorCtr="0" anchor="t" bIns="91425" lIns="91425" spcFirstLastPara="1" rIns="91425" wrap="square" tIns="91425">
-            <a:noAutofit/>
-          </a:bodyPr>
-          <a:lstStyle/>
-          <a:p>
-            <a:pPr indent="0" lvl="0" marL="0" rtl="0" algn="l">
-              <a:lnSpc>
-                <a:spcPct val="115000"/>
-              </a:lnSpc>
-              <a:spcBef>
-                <a:spcPts val="0"/>
-              </a:spcBef>
-              <a:spcAft>
-                <a:spcPts val="0"/>
-              </a:spcAft>
-              <a:buSzPts val="1800"/>
-              <a:buNone/>
-            </a:pPr>
-            <a:r>
-              <a:rPr lang="en" sz="1600"/>
-              <a:t>Population: 6,122,000 (2020)</a:t>
-            </a:r>
-            <a:endParaRPr/>
-          </a:p>
-          <a:p>
-            <a:pPr indent="0" lvl="0" marL="0" rtl="0" algn="l">
-              <a:lnSpc>
-                <a:spcPct val="115000"/>
-              </a:lnSpc>
-              <a:spcBef>
-                <a:spcPts val="0"/>
-              </a:spcBef>
-              <a:spcAft>
-                <a:spcPts val="0"/>
-              </a:spcAft>
-              <a:buSzPts val="1800"/>
-              <a:buNone/>
-            </a:pPr>
-            <a:r>
-              <a:t/>
-            </a:r>
-            <a:endParaRPr sz="1600"/>
-          </a:p>
-          <a:p>
-            <a:pPr indent="0" lvl="0" marL="0" rtl="0" algn="l">
-              <a:lnSpc>
-                <a:spcPct val="115000"/>
-              </a:lnSpc>
-              <a:spcBef>
-                <a:spcPts val="0"/>
-              </a:spcBef>
-              <a:spcAft>
-                <a:spcPts val="0"/>
-              </a:spcAft>
-              <a:buSzPts val="1800"/>
-              <a:buNone/>
-            </a:pPr>
-            <a:r>
-              <a:rPr lang="en" sz="1600"/>
-              <a:t>6,137 sq miles</a:t>
-            </a:r>
-            <a:endParaRPr/>
-          </a:p>
-          <a:p>
-            <a:pPr indent="0" lvl="0" marL="0" rtl="0" algn="l">
-              <a:lnSpc>
-                <a:spcPct val="115000"/>
-              </a:lnSpc>
-              <a:spcBef>
-                <a:spcPts val="0"/>
-              </a:spcBef>
-              <a:spcAft>
-                <a:spcPts val="0"/>
-              </a:spcAft>
-              <a:buSzPts val="1800"/>
-              <a:buNone/>
-            </a:pPr>
-            <a:r>
-              <a:t/>
-            </a:r>
-            <a:endParaRPr sz="1600"/>
-          </a:p>
-          <a:p>
-            <a:pPr indent="0" lvl="0" marL="0" rtl="0" algn="l">
-              <a:lnSpc>
-                <a:spcPct val="115000"/>
-              </a:lnSpc>
-              <a:spcBef>
-                <a:spcPts val="0"/>
-              </a:spcBef>
-              <a:spcAft>
-                <a:spcPts val="0"/>
-              </a:spcAft>
-              <a:buSzPts val="1800"/>
-              <a:buNone/>
-            </a:pPr>
-            <a:r>
-              <a:rPr lang="en" sz="1600"/>
-              <a:t>Seventh largest urban region in the US</a:t>
-            </a:r>
-            <a:endParaRPr/>
-          </a:p>
-          <a:p>
-            <a:pPr indent="0" lvl="0" marL="0" rtl="0" algn="l">
-              <a:lnSpc>
-                <a:spcPct val="115000"/>
-              </a:lnSpc>
-              <a:spcBef>
-                <a:spcPts val="0"/>
-              </a:spcBef>
-              <a:spcAft>
-                <a:spcPts val="0"/>
-              </a:spcAft>
-              <a:buSzPts val="1800"/>
-              <a:buNone/>
-            </a:pPr>
-            <a:br>
-              <a:rPr lang="en" sz="1600"/>
-            </a:br>
-            <a:r>
-              <a:rPr lang="en" sz="1600"/>
-              <a:t>Closest Ocean: Atlantic</a:t>
-            </a:r>
-            <a:endParaRPr sz="1600"/>
-          </a:p>
-        </p:txBody>
-      </p:sp>
-    </p:spTree>
-  </p:cSld>
-  <p:clrMapOvr>
-    <a:masterClrMapping/>
-  </p:clrMapOvr>
-</p:sld>
-</file>
-
-<file path=ppt/slides/slide8.xml><?xml version="1.0" encoding="utf-8"?>
-<p:sld xmlns:a="http://schemas.openxmlformats.org/drawingml/2006/main" xmlns:r="http://schemas.openxmlformats.org/officeDocument/2006/relationships" xmlns:mc="http://schemas.openxmlformats.org/markup-compatibility/2006" xmlns:mv="urn:schemas-microsoft-com:mac:vml" xmlns:p="http://schemas.openxmlformats.org/presentationml/2006/main" xmlns:c="http://schemas.openxmlformats.org/drawingml/2006/chart" xmlns:dgm="http://schemas.openxmlformats.org/drawingml/2006/diagram" xmlns:o="urn:schemas-microsoft-com:office:office" xmlns:v="urn:schemas-microsoft-com:vml" xmlns:pvml="urn:schemas-microsoft-com:office:powerpoint" xmlns:com="http://schemas.openxmlformats.org/drawingml/2006/compatibility" xmlns:p14="http://schemas.microsoft.com/office/powerpoint/2010/main" xmlns:p15="http://schemas.microsoft.com/office/powerpoint/2012/main" xmlns:ahyp="http://schemas.microsoft.com/office/drawing/2018/hyperlinkcolor">
-  <p:cSld>
-    <p:spTree>
-      <p:nvGrpSpPr>
-        <p:cNvPr id="132" name="Shape 132"/>
-        <p:cNvGrpSpPr/>
-        <p:nvPr/>
-      </p:nvGrpSpPr>
-      <p:grpSpPr>
-        <a:xfrm>
-          <a:off x="0" y="0"/>
-          <a:ext cx="0" cy="0"/>
-          <a:chOff x="0" y="0"/>
-          <a:chExt cx="0" cy="0"/>
-        </a:xfrm>
-      </p:grpSpPr>
-      <p:sp>
-        <p:nvSpPr>
-          <p:cNvPr id="133" name="Google Shape;133;p7"/>
-          <p:cNvSpPr txBox="1"/>
-          <p:nvPr>
-            <p:ph type="title"/>
-          </p:nvPr>
-        </p:nvSpPr>
-        <p:spPr>
-          <a:xfrm>
-            <a:off x="311700" y="445025"/>
-            <a:ext cx="8520600" cy="572700"/>
-          </a:xfrm>
-          <a:prstGeom prst="rect">
-            <a:avLst/>
-          </a:prstGeom>
-          <a:noFill/>
-          <a:ln>
-            <a:noFill/>
-          </a:ln>
-        </p:spPr>
-        <p:txBody>
-          <a:bodyPr anchorCtr="0" anchor="t" bIns="91425" lIns="91425" spcFirstLastPara="1" rIns="91425" wrap="square" tIns="91425">
-            <a:noAutofit/>
-          </a:bodyPr>
-          <a:lstStyle/>
-          <a:p>
-            <a:pPr indent="0" lvl="0" marL="0" rtl="0" algn="ctr">
-              <a:lnSpc>
-                <a:spcPct val="100000"/>
-              </a:lnSpc>
-              <a:spcBef>
-                <a:spcPts val="0"/>
-              </a:spcBef>
-              <a:spcAft>
-                <a:spcPts val="0"/>
-              </a:spcAft>
-              <a:buSzPts val="3000"/>
-              <a:buNone/>
-            </a:pPr>
-            <a:r>
-              <a:rPr lang="en"/>
-              <a:t>Understanding the data</a:t>
-            </a:r>
-            <a:endParaRPr/>
-          </a:p>
-        </p:txBody>
-      </p:sp>
-      <p:grpSp>
-        <p:nvGrpSpPr>
-          <p:cNvPr id="134" name="Google Shape;134;p7"/>
-          <p:cNvGrpSpPr/>
-          <p:nvPr/>
-        </p:nvGrpSpPr>
-        <p:grpSpPr>
-          <a:xfrm>
-            <a:off x="977750" y="1304875"/>
-            <a:ext cx="3441850" cy="3416400"/>
-            <a:chOff x="431925" y="1304875"/>
-            <a:chExt cx="2628925" cy="3416400"/>
-          </a:xfrm>
-        </p:grpSpPr>
-        <p:sp>
-          <p:nvSpPr>
-            <p:cNvPr id="135" name="Google Shape;135;p7"/>
-            <p:cNvSpPr txBox="1"/>
-            <p:nvPr/>
-          </p:nvSpPr>
-          <p:spPr>
-            <a:xfrm>
-              <a:off x="431925" y="1304875"/>
-              <a:ext cx="2628900" cy="464100"/>
-            </a:xfrm>
-            <a:prstGeom prst="rect">
-              <a:avLst/>
-            </a:prstGeom>
-            <a:solidFill>
-              <a:schemeClr val="dk1"/>
-            </a:solidFill>
-            <a:ln>
-              <a:noFill/>
-            </a:ln>
-          </p:spPr>
-          <p:txBody>
-            <a:bodyPr anchorCtr="0" anchor="ctr" bIns="91425" lIns="91425" spcFirstLastPara="1" rIns="91425" wrap="square" tIns="91425">
-              <a:noAutofit/>
-            </a:bodyPr>
-            <a:lstStyle/>
-            <a:p>
-              <a:pPr indent="0" lvl="0" marL="0" marR="0" rtl="0" algn="l">
-                <a:lnSpc>
-                  <a:spcPct val="100000"/>
-                </a:lnSpc>
-                <a:spcBef>
-                  <a:spcPts val="0"/>
-                </a:spcBef>
-                <a:spcAft>
-                  <a:spcPts val="0"/>
-                </a:spcAft>
-                <a:buClr>
-                  <a:srgbClr val="000000"/>
-                </a:buClr>
-                <a:buSzPts val="1400"/>
-                <a:buFont typeface="Arial"/>
-                <a:buNone/>
-              </a:pPr>
-              <a:r>
-                <a:t/>
-              </a:r>
-              <a:endParaRPr b="0" i="0" sz="1400" u="none" cap="none" strike="noStrike">
-                <a:solidFill>
-                  <a:srgbClr val="000000"/>
-                </a:solidFill>
-                <a:latin typeface="Arial"/>
-                <a:ea typeface="Arial"/>
-                <a:cs typeface="Arial"/>
-                <a:sym typeface="Arial"/>
-              </a:endParaRPr>
-            </a:p>
-          </p:txBody>
-        </p:sp>
-        <p:sp>
-          <p:nvSpPr>
-            <p:cNvPr id="136" name="Google Shape;136;p7"/>
-            <p:cNvSpPr/>
-            <p:nvPr/>
-          </p:nvSpPr>
-          <p:spPr>
-            <a:xfrm>
-              <a:off x="431950" y="1304875"/>
-              <a:ext cx="2628900" cy="3416400"/>
-            </a:xfrm>
-            <a:prstGeom prst="rect">
-              <a:avLst/>
-            </a:prstGeom>
-            <a:noFill/>
-            <a:ln cap="flat" cmpd="sng" w="9525">
-              <a:solidFill>
-                <a:schemeClr val="dk1"/>
-              </a:solidFill>
-              <a:prstDash val="solid"/>
-              <a:round/>
-              <a:headEnd len="sm" w="sm" type="none"/>
-              <a:tailEnd len="sm" w="sm" type="none"/>
-            </a:ln>
-          </p:spPr>
-          <p:txBody>
-            <a:bodyPr anchorCtr="0" anchor="ctr" bIns="91425" lIns="91425" spcFirstLastPara="1" rIns="91425" wrap="square" tIns="91425">
-              <a:noAutofit/>
-            </a:bodyPr>
-            <a:lstStyle/>
-            <a:p>
-              <a:pPr indent="0" lvl="0" marL="0" marR="0" rtl="0" algn="l">
-                <a:lnSpc>
-                  <a:spcPct val="100000"/>
-                </a:lnSpc>
-                <a:spcBef>
-                  <a:spcPts val="0"/>
-                </a:spcBef>
-                <a:spcAft>
-                  <a:spcPts val="0"/>
-                </a:spcAft>
-                <a:buClr>
-                  <a:srgbClr val="000000"/>
-                </a:buClr>
-                <a:buSzPts val="1400"/>
-                <a:buFont typeface="Arial"/>
-                <a:buNone/>
-              </a:pPr>
-              <a:r>
-                <a:t/>
-              </a:r>
-              <a:endParaRPr b="0" i="0" sz="1400" u="none" cap="none" strike="noStrike">
-                <a:solidFill>
-                  <a:srgbClr val="000000"/>
-                </a:solidFill>
-                <a:latin typeface="Arial"/>
-                <a:ea typeface="Arial"/>
-                <a:cs typeface="Arial"/>
-                <a:sym typeface="Arial"/>
-              </a:endParaRPr>
-            </a:p>
-          </p:txBody>
-        </p:sp>
-      </p:grpSp>
-      <p:sp>
-        <p:nvSpPr>
-          <p:cNvPr id="137" name="Google Shape;137;p7"/>
-          <p:cNvSpPr txBox="1"/>
-          <p:nvPr>
-            <p:ph idx="4294967295" type="body"/>
-          </p:nvPr>
-        </p:nvSpPr>
-        <p:spPr>
-          <a:xfrm>
-            <a:off x="1371600" y="1304875"/>
-            <a:ext cx="2494500" cy="461400"/>
-          </a:xfrm>
-          <a:prstGeom prst="rect">
-            <a:avLst/>
-          </a:prstGeom>
-          <a:noFill/>
-          <a:ln>
-            <a:noFill/>
-          </a:ln>
-        </p:spPr>
-        <p:txBody>
-          <a:bodyPr anchorCtr="0" anchor="t" bIns="91425" lIns="91425" spcFirstLastPara="1" rIns="91425" wrap="square" tIns="91425">
-            <a:noAutofit/>
-          </a:bodyPr>
-          <a:lstStyle/>
-          <a:p>
-            <a:pPr indent="0" lvl="0" marL="0" rtl="0" algn="ctr">
-              <a:lnSpc>
-                <a:spcPct val="115000"/>
-              </a:lnSpc>
-              <a:spcBef>
-                <a:spcPts val="0"/>
-              </a:spcBef>
-              <a:spcAft>
-                <a:spcPts val="0"/>
-              </a:spcAft>
-              <a:buSzPts val="1800"/>
-              <a:buNone/>
-            </a:pPr>
-            <a:r>
-              <a:rPr lang="en">
-                <a:solidFill>
-                  <a:schemeClr val="lt1"/>
-                </a:solidFill>
-              </a:rPr>
-              <a:t>Real Estate</a:t>
-            </a:r>
-            <a:endParaRPr>
-              <a:solidFill>
-                <a:schemeClr val="lt1"/>
-              </a:solidFill>
-            </a:endParaRPr>
-          </a:p>
-        </p:txBody>
-      </p:sp>
-      <p:sp>
-        <p:nvSpPr>
-          <p:cNvPr id="138" name="Google Shape;138;p7"/>
-          <p:cNvSpPr txBox="1"/>
-          <p:nvPr>
-            <p:ph idx="4294967295" type="body"/>
-          </p:nvPr>
-        </p:nvSpPr>
-        <p:spPr>
-          <a:xfrm>
-            <a:off x="1051675" y="1850300"/>
-            <a:ext cx="3291725" cy="2794800"/>
-          </a:xfrm>
-          <a:prstGeom prst="rect">
-            <a:avLst/>
-          </a:prstGeom>
-          <a:noFill/>
-          <a:ln>
-            <a:noFill/>
-          </a:ln>
-        </p:spPr>
-        <p:txBody>
-          <a:bodyPr anchorCtr="0" anchor="t" bIns="91425" lIns="91425" spcFirstLastPara="1" rIns="91425" wrap="square" tIns="91425">
-            <a:noAutofit/>
-          </a:bodyPr>
-          <a:lstStyle/>
-          <a:p>
-            <a:pPr indent="0" lvl="0" marL="0" rtl="0" algn="l">
-              <a:lnSpc>
-                <a:spcPct val="115000"/>
-              </a:lnSpc>
-              <a:spcBef>
-                <a:spcPts val="0"/>
-              </a:spcBef>
-              <a:spcAft>
-                <a:spcPts val="0"/>
-              </a:spcAft>
-              <a:buSzPts val="1800"/>
-              <a:buNone/>
-            </a:pPr>
-            <a:r>
-              <a:rPr lang="en" sz="1600"/>
-              <a:t>Zillow dataset</a:t>
-            </a:r>
-            <a:endParaRPr sz="1600"/>
-          </a:p>
-          <a:p>
-            <a:pPr indent="0" lvl="0" marL="0" rtl="0" algn="l">
-              <a:lnSpc>
-                <a:spcPct val="115000"/>
-              </a:lnSpc>
-              <a:spcBef>
-                <a:spcPts val="1600"/>
-              </a:spcBef>
-              <a:spcAft>
-                <a:spcPts val="0"/>
-              </a:spcAft>
-              <a:buSzPts val="1800"/>
-              <a:buNone/>
-            </a:pPr>
-            <a:r>
-              <a:rPr lang="en" sz="1600"/>
-              <a:t>3,000+ datapoints</a:t>
-            </a:r>
-            <a:endParaRPr sz="1600"/>
-          </a:p>
-          <a:p>
-            <a:pPr indent="-330200" lvl="0" marL="457200" rtl="0" algn="l">
-              <a:lnSpc>
-                <a:spcPct val="115000"/>
-              </a:lnSpc>
-              <a:spcBef>
-                <a:spcPts val="1600"/>
-              </a:spcBef>
-              <a:spcAft>
-                <a:spcPts val="0"/>
-              </a:spcAft>
-              <a:buSzPts val="1600"/>
-              <a:buChar char="●"/>
-            </a:pPr>
-            <a:r>
-              <a:rPr lang="en" sz="1600"/>
-              <a:t>City/State</a:t>
-            </a:r>
-            <a:endParaRPr sz="1600"/>
-          </a:p>
-          <a:p>
-            <a:pPr indent="-330200" lvl="0" marL="457200" rtl="0" algn="l">
-              <a:lnSpc>
-                <a:spcPct val="115000"/>
-              </a:lnSpc>
-              <a:spcBef>
-                <a:spcPts val="0"/>
-              </a:spcBef>
-              <a:spcAft>
-                <a:spcPts val="0"/>
-              </a:spcAft>
-              <a:buSzPts val="1600"/>
-              <a:buChar char="●"/>
-            </a:pPr>
-            <a:r>
-              <a:rPr lang="en" sz="1600"/>
-              <a:t>Sale Price</a:t>
-            </a:r>
-            <a:endParaRPr sz="1600"/>
-          </a:p>
-          <a:p>
-            <a:pPr indent="-330200" lvl="0" marL="457200" rtl="0" algn="l">
-              <a:lnSpc>
-                <a:spcPct val="115000"/>
-              </a:lnSpc>
-              <a:spcBef>
-                <a:spcPts val="0"/>
-              </a:spcBef>
-              <a:spcAft>
-                <a:spcPts val="0"/>
-              </a:spcAft>
-              <a:buSzPts val="1600"/>
-              <a:buChar char="●"/>
-            </a:pPr>
-            <a:r>
-              <a:rPr lang="en" sz="1600"/>
-              <a:t>Month/Year</a:t>
-            </a:r>
-            <a:endParaRPr sz="1600"/>
-          </a:p>
-          <a:p>
-            <a:pPr indent="-330200" lvl="1" marL="914400" rtl="0" algn="l">
-              <a:lnSpc>
-                <a:spcPct val="115000"/>
-              </a:lnSpc>
-              <a:spcBef>
-                <a:spcPts val="0"/>
-              </a:spcBef>
-              <a:spcAft>
-                <a:spcPts val="0"/>
-              </a:spcAft>
-              <a:buSzPts val="1600"/>
-              <a:buChar char="○"/>
-            </a:pPr>
-            <a:r>
-              <a:rPr lang="en" sz="1600"/>
-              <a:t>2009-2020</a:t>
-            </a:r>
-            <a:endParaRPr sz="1600"/>
-          </a:p>
-        </p:txBody>
-      </p:sp>
-      <p:grpSp>
-        <p:nvGrpSpPr>
-          <p:cNvPr id="139" name="Google Shape;139;p7"/>
-          <p:cNvGrpSpPr/>
-          <p:nvPr/>
-        </p:nvGrpSpPr>
-        <p:grpSpPr>
-          <a:xfrm>
-            <a:off x="4953000" y="1304875"/>
-            <a:ext cx="3441817" cy="3416400"/>
-            <a:chOff x="3320450" y="1304875"/>
-            <a:chExt cx="2632500" cy="3416400"/>
-          </a:xfrm>
-        </p:grpSpPr>
-        <p:sp>
-          <p:nvSpPr>
-            <p:cNvPr id="140" name="Google Shape;140;p7"/>
-            <p:cNvSpPr txBox="1"/>
-            <p:nvPr/>
-          </p:nvSpPr>
-          <p:spPr>
-            <a:xfrm>
-              <a:off x="3324050" y="1304875"/>
-              <a:ext cx="2628900" cy="464100"/>
-            </a:xfrm>
-            <a:prstGeom prst="rect">
-              <a:avLst/>
-            </a:prstGeom>
-            <a:solidFill>
-              <a:schemeClr val="dk1"/>
-            </a:solidFill>
-            <a:ln>
-              <a:noFill/>
-            </a:ln>
-          </p:spPr>
-          <p:txBody>
-            <a:bodyPr anchorCtr="0" anchor="ctr" bIns="91425" lIns="91425" spcFirstLastPara="1" rIns="91425" wrap="square" tIns="91425">
-              <a:noAutofit/>
-            </a:bodyPr>
-            <a:lstStyle/>
-            <a:p>
-              <a:pPr indent="0" lvl="0" marL="0" marR="0" rtl="0" algn="l">
-                <a:lnSpc>
-                  <a:spcPct val="100000"/>
-                </a:lnSpc>
-                <a:spcBef>
-                  <a:spcPts val="0"/>
-                </a:spcBef>
-                <a:spcAft>
-                  <a:spcPts val="0"/>
-                </a:spcAft>
-                <a:buClr>
-                  <a:srgbClr val="000000"/>
-                </a:buClr>
-                <a:buSzPts val="1400"/>
-                <a:buFont typeface="Arial"/>
-                <a:buNone/>
-              </a:pPr>
-              <a:r>
-                <a:t/>
-              </a:r>
-              <a:endParaRPr b="0" i="0" sz="1400" u="none" cap="none" strike="noStrike">
-                <a:solidFill>
-                  <a:srgbClr val="000000"/>
-                </a:solidFill>
-                <a:latin typeface="Arial"/>
-                <a:ea typeface="Arial"/>
-                <a:cs typeface="Arial"/>
-                <a:sym typeface="Arial"/>
-              </a:endParaRPr>
-            </a:p>
-          </p:txBody>
-        </p:sp>
-        <p:sp>
-          <p:nvSpPr>
-            <p:cNvPr id="141" name="Google Shape;141;p7"/>
-            <p:cNvSpPr/>
-            <p:nvPr/>
-          </p:nvSpPr>
-          <p:spPr>
-            <a:xfrm>
-              <a:off x="3320450" y="1304875"/>
-              <a:ext cx="2628900" cy="3416400"/>
-            </a:xfrm>
-            <a:prstGeom prst="rect">
-              <a:avLst/>
-            </a:prstGeom>
-            <a:noFill/>
-            <a:ln cap="flat" cmpd="sng" w="9525">
-              <a:solidFill>
-                <a:schemeClr val="dk1"/>
-              </a:solidFill>
-              <a:prstDash val="solid"/>
-              <a:round/>
-              <a:headEnd len="sm" w="sm" type="none"/>
-              <a:tailEnd len="sm" w="sm" type="none"/>
-            </a:ln>
-          </p:spPr>
-          <p:txBody>
-            <a:bodyPr anchorCtr="0" anchor="ctr" bIns="91425" lIns="91425" spcFirstLastPara="1" rIns="91425" wrap="square" tIns="91425">
-              <a:noAutofit/>
-            </a:bodyPr>
-            <a:lstStyle/>
-            <a:p>
-              <a:pPr indent="0" lvl="0" marL="0" marR="0" rtl="0" algn="l">
-                <a:lnSpc>
-                  <a:spcPct val="100000"/>
-                </a:lnSpc>
-                <a:spcBef>
-                  <a:spcPts val="0"/>
-                </a:spcBef>
-                <a:spcAft>
-                  <a:spcPts val="0"/>
-                </a:spcAft>
-                <a:buClr>
-                  <a:srgbClr val="000000"/>
-                </a:buClr>
-                <a:buSzPts val="1400"/>
-                <a:buFont typeface="Arial"/>
-                <a:buNone/>
-              </a:pPr>
-              <a:r>
-                <a:t/>
-              </a:r>
-              <a:endParaRPr b="0" i="0" sz="1400" u="none" cap="none" strike="noStrike">
-                <a:solidFill>
-                  <a:srgbClr val="000000"/>
-                </a:solidFill>
-                <a:latin typeface="Arial"/>
-                <a:ea typeface="Arial"/>
-                <a:cs typeface="Arial"/>
-                <a:sym typeface="Arial"/>
-              </a:endParaRPr>
-            </a:p>
-          </p:txBody>
-        </p:sp>
-      </p:grpSp>
-      <p:sp>
-        <p:nvSpPr>
-          <p:cNvPr id="142" name="Google Shape;142;p7"/>
-          <p:cNvSpPr txBox="1"/>
-          <p:nvPr>
-            <p:ph idx="4294967295" type="body"/>
-          </p:nvPr>
-        </p:nvSpPr>
-        <p:spPr>
-          <a:xfrm>
-            <a:off x="5370025" y="1304875"/>
-            <a:ext cx="2494500" cy="461400"/>
-          </a:xfrm>
-          <a:prstGeom prst="rect">
-            <a:avLst/>
-          </a:prstGeom>
-          <a:noFill/>
-          <a:ln>
-            <a:noFill/>
-          </a:ln>
-        </p:spPr>
-        <p:txBody>
-          <a:bodyPr anchorCtr="0" anchor="t" bIns="91425" lIns="91425" spcFirstLastPara="1" rIns="91425" wrap="square" tIns="91425">
-            <a:noAutofit/>
-          </a:bodyPr>
-          <a:lstStyle/>
-          <a:p>
-            <a:pPr indent="0" lvl="0" marL="0" rtl="0" algn="ctr">
-              <a:lnSpc>
-                <a:spcPct val="115000"/>
-              </a:lnSpc>
-              <a:spcBef>
-                <a:spcPts val="0"/>
-              </a:spcBef>
-              <a:spcAft>
-                <a:spcPts val="0"/>
-              </a:spcAft>
-              <a:buSzPts val="1800"/>
-              <a:buNone/>
-            </a:pPr>
-            <a:r>
-              <a:rPr lang="en">
-                <a:solidFill>
-                  <a:schemeClr val="lt1"/>
-                </a:solidFill>
-              </a:rPr>
-              <a:t>COVID-19</a:t>
-            </a:r>
-            <a:endParaRPr>
-              <a:solidFill>
-                <a:schemeClr val="lt1"/>
-              </a:solidFill>
-            </a:endParaRPr>
-          </a:p>
-        </p:txBody>
-      </p:sp>
-      <p:sp>
-        <p:nvSpPr>
-          <p:cNvPr id="143" name="Google Shape;143;p7"/>
-          <p:cNvSpPr txBox="1"/>
-          <p:nvPr>
-            <p:ph idx="4294967295" type="body"/>
-          </p:nvPr>
-        </p:nvSpPr>
-        <p:spPr>
-          <a:xfrm>
-            <a:off x="5021216" y="1850300"/>
-            <a:ext cx="3360784" cy="2794800"/>
-          </a:xfrm>
-          <a:prstGeom prst="rect">
-            <a:avLst/>
-          </a:prstGeom>
-          <a:noFill/>
-          <a:ln>
-            <a:noFill/>
-          </a:ln>
-        </p:spPr>
-        <p:txBody>
-          <a:bodyPr anchorCtr="0" anchor="t" bIns="91425" lIns="91425" spcFirstLastPara="1" rIns="91425" wrap="square" tIns="91425">
-            <a:noAutofit/>
-          </a:bodyPr>
-          <a:lstStyle/>
-          <a:p>
-            <a:pPr indent="0" lvl="0" marL="0" rtl="0" algn="l">
-              <a:lnSpc>
-                <a:spcPct val="115000"/>
-              </a:lnSpc>
-              <a:spcBef>
-                <a:spcPts val="0"/>
-              </a:spcBef>
-              <a:spcAft>
-                <a:spcPts val="0"/>
-              </a:spcAft>
-              <a:buSzPts val="1800"/>
-              <a:buNone/>
-            </a:pPr>
-            <a:r>
-              <a:rPr lang="en" sz="1600"/>
-              <a:t>John Hopkins University dataset (available on Kaggle.com)</a:t>
-            </a:r>
-            <a:endParaRPr sz="1600"/>
-          </a:p>
-          <a:p>
-            <a:pPr indent="0" lvl="0" marL="0" rtl="0" algn="l">
-              <a:lnSpc>
-                <a:spcPct val="115000"/>
-              </a:lnSpc>
-              <a:spcBef>
-                <a:spcPts val="1600"/>
-              </a:spcBef>
-              <a:spcAft>
-                <a:spcPts val="0"/>
-              </a:spcAft>
-              <a:buSzPts val="1800"/>
-              <a:buNone/>
-            </a:pPr>
-            <a:r>
-              <a:rPr lang="en" sz="1600"/>
-              <a:t>3,000+ datapoints</a:t>
-            </a:r>
-            <a:endParaRPr sz="1600"/>
-          </a:p>
-          <a:p>
-            <a:pPr indent="-330200" lvl="0" marL="457200" rtl="0" algn="l">
-              <a:lnSpc>
-                <a:spcPct val="115000"/>
-              </a:lnSpc>
-              <a:spcBef>
-                <a:spcPts val="1600"/>
-              </a:spcBef>
-              <a:spcAft>
-                <a:spcPts val="0"/>
-              </a:spcAft>
-              <a:buSzPts val="1600"/>
-              <a:buChar char="●"/>
-            </a:pPr>
-            <a:r>
-              <a:rPr lang="en" sz="1600"/>
-              <a:t>County/State</a:t>
-            </a:r>
-            <a:endParaRPr sz="1600"/>
-          </a:p>
-          <a:p>
-            <a:pPr indent="-330200" lvl="0" marL="457200" rtl="0" algn="l">
-              <a:lnSpc>
-                <a:spcPct val="115000"/>
-              </a:lnSpc>
-              <a:spcBef>
-                <a:spcPts val="0"/>
-              </a:spcBef>
-              <a:spcAft>
-                <a:spcPts val="0"/>
-              </a:spcAft>
-              <a:buSzPts val="1600"/>
-              <a:buChar char="●"/>
-            </a:pPr>
-            <a:r>
-              <a:rPr lang="en" sz="1600"/>
-              <a:t>Daily confirmed cases</a:t>
-            </a:r>
-            <a:endParaRPr sz="1600"/>
-          </a:p>
-          <a:p>
-            <a:pPr indent="-330200" lvl="0" marL="457200" rtl="0" algn="l">
-              <a:lnSpc>
-                <a:spcPct val="115000"/>
-              </a:lnSpc>
-              <a:spcBef>
-                <a:spcPts val="0"/>
-              </a:spcBef>
-              <a:spcAft>
-                <a:spcPts val="0"/>
-              </a:spcAft>
-              <a:buSzPts val="1600"/>
-              <a:buChar char="●"/>
-            </a:pPr>
-            <a:r>
-              <a:rPr lang="en" sz="1600"/>
-              <a:t>1/22/20-12/7/20</a:t>
             </a:r>
             <a:endParaRPr sz="1600"/>
           </a:p>
@@ -15599,7 +17182,7 @@
   <p:cSld>
     <p:spTree>
       <p:nvGrpSpPr>
-        <p:cNvPr id="147" name="Shape 147"/>
+        <p:cNvPr id="131" name="Shape 131"/>
         <p:cNvGrpSpPr/>
         <p:nvPr/>
       </p:nvGrpSpPr>
@@ -15611,18 +17194,24 @@
           <a:chExt cx="0" cy="0"/>
         </a:xfrm>
       </p:grpSpPr>
-      <p:sp>
-        <p:nvSpPr>
-          <p:cNvPr id="148" name="Google Shape;148;p8"/>
-          <p:cNvSpPr txBox="1"/>
-          <p:nvPr>
-            <p:ph type="title"/>
-          </p:nvPr>
-        </p:nvSpPr>
+      <p:pic>
+        <p:nvPicPr>
+          <p:cNvPr id="132" name="Google Shape;132;gb4e3af2de7_0_16"/>
+          <p:cNvPicPr preferRelativeResize="0"/>
+          <p:nvPr/>
+        </p:nvPicPr>
+        <p:blipFill>
+          <a:blip r:embed="rId3">
+            <a:alphaModFix/>
+          </a:blip>
+          <a:stretch>
+            <a:fillRect/>
+          </a:stretch>
+        </p:blipFill>
         <p:spPr>
           <a:xfrm>
-            <a:off x="265500" y="1733850"/>
-            <a:ext cx="4045200" cy="1675800"/>
+            <a:off x="0" y="0"/>
+            <a:ext cx="9144002" cy="5143501"/>
           </a:xfrm>
           <a:prstGeom prst="rect">
             <a:avLst/>
@@ -15632,161 +17221,7 @@
             <a:noFill/>
           </a:ln>
         </p:spPr>
-        <p:txBody>
-          <a:bodyPr anchorCtr="0" anchor="ctr" bIns="91425" lIns="91425" spcFirstLastPara="1" rIns="91425" wrap="square" tIns="91425">
-            <a:noAutofit/>
-          </a:bodyPr>
-          <a:lstStyle/>
-          <a:p>
-            <a:pPr indent="0" lvl="0" marL="0" rtl="0" algn="ctr">
-              <a:lnSpc>
-                <a:spcPct val="100000"/>
-              </a:lnSpc>
-              <a:spcBef>
-                <a:spcPts val="0"/>
-              </a:spcBef>
-              <a:spcAft>
-                <a:spcPts val="0"/>
-              </a:spcAft>
-              <a:buSzPts val="4200"/>
-              <a:buNone/>
-            </a:pPr>
-            <a:r>
-              <a:rPr lang="en"/>
-              <a:t>Tools</a:t>
-            </a:r>
-            <a:endParaRPr/>
-          </a:p>
-        </p:txBody>
-      </p:sp>
-      <p:sp>
-        <p:nvSpPr>
-          <p:cNvPr id="149" name="Google Shape;149;p8"/>
-          <p:cNvSpPr txBox="1"/>
-          <p:nvPr>
-            <p:ph idx="2" type="body"/>
-          </p:nvPr>
-        </p:nvSpPr>
-        <p:spPr>
-          <a:xfrm>
-            <a:off x="4939500" y="724200"/>
-            <a:ext cx="3837000" cy="3695100"/>
-          </a:xfrm>
-          <a:prstGeom prst="rect">
-            <a:avLst/>
-          </a:prstGeom>
-          <a:noFill/>
-          <a:ln>
-            <a:noFill/>
-          </a:ln>
-        </p:spPr>
-        <p:txBody>
-          <a:bodyPr anchorCtr="0" anchor="ctr" bIns="91425" lIns="91425" spcFirstLastPara="1" rIns="91425" wrap="square" tIns="91425">
-            <a:noAutofit/>
-          </a:bodyPr>
-          <a:lstStyle/>
-          <a:p>
-            <a:pPr indent="-342900" lvl="0" marL="457200" rtl="0" algn="l">
-              <a:lnSpc>
-                <a:spcPct val="115000"/>
-              </a:lnSpc>
-              <a:spcBef>
-                <a:spcPts val="0"/>
-              </a:spcBef>
-              <a:spcAft>
-                <a:spcPts val="0"/>
-              </a:spcAft>
-              <a:buSzPts val="1800"/>
-              <a:buChar char="●"/>
-            </a:pPr>
-            <a:r>
-              <a:rPr lang="en"/>
-              <a:t>Pandas - ETL</a:t>
-            </a:r>
-            <a:endParaRPr/>
-          </a:p>
-          <a:p>
-            <a:pPr indent="-342900" lvl="0" marL="457200" rtl="0" algn="l">
-              <a:lnSpc>
-                <a:spcPct val="115000"/>
-              </a:lnSpc>
-              <a:spcBef>
-                <a:spcPts val="0"/>
-              </a:spcBef>
-              <a:spcAft>
-                <a:spcPts val="0"/>
-              </a:spcAft>
-              <a:buSzPts val="1800"/>
-              <a:buChar char="●"/>
-            </a:pPr>
-            <a:r>
-              <a:rPr lang="en"/>
-              <a:t>Database(s) - SQL</a:t>
-            </a:r>
-            <a:endParaRPr/>
-          </a:p>
-          <a:p>
-            <a:pPr indent="-342900" lvl="0" marL="457200" rtl="0" algn="l">
-              <a:lnSpc>
-                <a:spcPct val="115000"/>
-              </a:lnSpc>
-              <a:spcBef>
-                <a:spcPts val="0"/>
-              </a:spcBef>
-              <a:spcAft>
-                <a:spcPts val="0"/>
-              </a:spcAft>
-              <a:buSzPts val="1800"/>
-              <a:buChar char="●"/>
-            </a:pPr>
-            <a:r>
-              <a:rPr lang="en"/>
-              <a:t>Machine Learning</a:t>
-            </a:r>
-            <a:endParaRPr/>
-          </a:p>
-          <a:p>
-            <a:pPr indent="-342900" lvl="0" marL="457200" rtl="0" algn="l">
-              <a:lnSpc>
-                <a:spcPct val="115000"/>
-              </a:lnSpc>
-              <a:spcBef>
-                <a:spcPts val="0"/>
-              </a:spcBef>
-              <a:spcAft>
-                <a:spcPts val="0"/>
-              </a:spcAft>
-              <a:buSzPts val="1800"/>
-              <a:buChar char="●"/>
-            </a:pPr>
-            <a:r>
-              <a:rPr lang="en"/>
-              <a:t>Linear Regression</a:t>
-            </a:r>
-            <a:endParaRPr/>
-          </a:p>
-          <a:p>
-            <a:pPr indent="-342900" lvl="0" marL="457200" rtl="0" algn="l">
-              <a:lnSpc>
-                <a:spcPct val="115000"/>
-              </a:lnSpc>
-              <a:spcBef>
-                <a:spcPts val="0"/>
-              </a:spcBef>
-              <a:spcAft>
-                <a:spcPts val="0"/>
-              </a:spcAft>
-              <a:buSzPts val="1800"/>
-              <a:buChar char="●"/>
-            </a:pPr>
-            <a:r>
-              <a:rPr lang="en"/>
-              <a:t>Tableau/Google Slides - visualizations</a:t>
-            </a:r>
-            <a:endParaRPr/>
-          </a:p>
-        </p:txBody>
-      </p:sp>
+      </p:pic>
     </p:spTree>
   </p:cSld>
   <p:clrMapOvr>
